--- a/docs/SRS/SystemContextFigure.pptx
+++ b/docs/SRS/SystemContextFigure.pptx
@@ -4,16 +4,19 @@
   <p:sldMasterIdLst>
     <p:sldMasterId id="2147483648" r:id="rId1"/>
   </p:sldMasterIdLst>
+  <p:notesMasterIdLst>
+    <p:notesMasterId r:id="rId3"/>
+  </p:notesMasterIdLst>
   <p:sldIdLst>
     <p:sldId id="256" r:id="rId2"/>
   </p:sldIdLst>
-  <p:sldSz cx="9144000" cy="6858000" type="screen4x3"/>
+  <p:sldSz cx="12192000" cy="6858000"/>
   <p:notesSz cx="6858000" cy="9144000"/>
   <p:defaultTextStyle>
     <a:defPPr>
       <a:defRPr lang="en-US"/>
     </a:defPPr>
-    <a:lvl1pPr marL="0" algn="l" defTabSz="457200" rtl="0" eaLnBrk="1" latinLnBrk="0" hangingPunct="1">
+    <a:lvl1pPr marL="0" algn="l" defTabSz="914400" rtl="0" eaLnBrk="1" latinLnBrk="0" hangingPunct="1">
       <a:defRPr sz="1800" kern="1200">
         <a:solidFill>
           <a:schemeClr val="tx1"/>
@@ -23,7 +26,7 @@
         <a:cs typeface="+mn-cs"/>
       </a:defRPr>
     </a:lvl1pPr>
-    <a:lvl2pPr marL="457200" algn="l" defTabSz="457200" rtl="0" eaLnBrk="1" latinLnBrk="0" hangingPunct="1">
+    <a:lvl2pPr marL="457200" algn="l" defTabSz="914400" rtl="0" eaLnBrk="1" latinLnBrk="0" hangingPunct="1">
       <a:defRPr sz="1800" kern="1200">
         <a:solidFill>
           <a:schemeClr val="tx1"/>
@@ -33,7 +36,7 @@
         <a:cs typeface="+mn-cs"/>
       </a:defRPr>
     </a:lvl2pPr>
-    <a:lvl3pPr marL="914400" algn="l" defTabSz="457200" rtl="0" eaLnBrk="1" latinLnBrk="0" hangingPunct="1">
+    <a:lvl3pPr marL="914400" algn="l" defTabSz="914400" rtl="0" eaLnBrk="1" latinLnBrk="0" hangingPunct="1">
       <a:defRPr sz="1800" kern="1200">
         <a:solidFill>
           <a:schemeClr val="tx1"/>
@@ -43,7 +46,7 @@
         <a:cs typeface="+mn-cs"/>
       </a:defRPr>
     </a:lvl3pPr>
-    <a:lvl4pPr marL="1371600" algn="l" defTabSz="457200" rtl="0" eaLnBrk="1" latinLnBrk="0" hangingPunct="1">
+    <a:lvl4pPr marL="1371600" algn="l" defTabSz="914400" rtl="0" eaLnBrk="1" latinLnBrk="0" hangingPunct="1">
       <a:defRPr sz="1800" kern="1200">
         <a:solidFill>
           <a:schemeClr val="tx1"/>
@@ -53,7 +56,7 @@
         <a:cs typeface="+mn-cs"/>
       </a:defRPr>
     </a:lvl4pPr>
-    <a:lvl5pPr marL="1828800" algn="l" defTabSz="457200" rtl="0" eaLnBrk="1" latinLnBrk="0" hangingPunct="1">
+    <a:lvl5pPr marL="1828800" algn="l" defTabSz="914400" rtl="0" eaLnBrk="1" latinLnBrk="0" hangingPunct="1">
       <a:defRPr sz="1800" kern="1200">
         <a:solidFill>
           <a:schemeClr val="tx1"/>
@@ -63,7 +66,7 @@
         <a:cs typeface="+mn-cs"/>
       </a:defRPr>
     </a:lvl5pPr>
-    <a:lvl6pPr marL="2286000" algn="l" defTabSz="457200" rtl="0" eaLnBrk="1" latinLnBrk="0" hangingPunct="1">
+    <a:lvl6pPr marL="2286000" algn="l" defTabSz="914400" rtl="0" eaLnBrk="1" latinLnBrk="0" hangingPunct="1">
       <a:defRPr sz="1800" kern="1200">
         <a:solidFill>
           <a:schemeClr val="tx1"/>
@@ -73,7 +76,7 @@
         <a:cs typeface="+mn-cs"/>
       </a:defRPr>
     </a:lvl6pPr>
-    <a:lvl7pPr marL="2743200" algn="l" defTabSz="457200" rtl="0" eaLnBrk="1" latinLnBrk="0" hangingPunct="1">
+    <a:lvl7pPr marL="2743200" algn="l" defTabSz="914400" rtl="0" eaLnBrk="1" latinLnBrk="0" hangingPunct="1">
       <a:defRPr sz="1800" kern="1200">
         <a:solidFill>
           <a:schemeClr val="tx1"/>
@@ -83,7 +86,7 @@
         <a:cs typeface="+mn-cs"/>
       </a:defRPr>
     </a:lvl7pPr>
-    <a:lvl8pPr marL="3200400" algn="l" defTabSz="457200" rtl="0" eaLnBrk="1" latinLnBrk="0" hangingPunct="1">
+    <a:lvl8pPr marL="3200400" algn="l" defTabSz="914400" rtl="0" eaLnBrk="1" latinLnBrk="0" hangingPunct="1">
       <a:defRPr sz="1800" kern="1200">
         <a:solidFill>
           <a:schemeClr val="tx1"/>
@@ -93,7 +96,7 @@
         <a:cs typeface="+mn-cs"/>
       </a:defRPr>
     </a:lvl8pPr>
-    <a:lvl9pPr marL="3657600" algn="l" defTabSz="457200" rtl="0" eaLnBrk="1" latinLnBrk="0" hangingPunct="1">
+    <a:lvl9pPr marL="3657600" algn="l" defTabSz="914400" rtl="0" eaLnBrk="1" latinLnBrk="0" hangingPunct="1">
       <a:defRPr sz="1800" kern="1200">
         <a:solidFill>
           <a:schemeClr val="tx1"/>
@@ -106,21 +109,443 @@
   </p:defaultTextStyle>
   <p:extLst>
     <p:ext uri="{EFAFB233-063F-42B5-8137-9DF3F51BA10A}">
-      <p15:sldGuideLst xmlns:p15="http://schemas.microsoft.com/office/powerpoint/2012/main">
-        <p15:guide id="1" orient="horz" pos="2160">
-          <p15:clr>
-            <a:srgbClr val="A4A3A4"/>
-          </p15:clr>
-        </p15:guide>
-        <p15:guide id="2" pos="2880">
-          <p15:clr>
-            <a:srgbClr val="A4A3A4"/>
-          </p15:clr>
-        </p15:guide>
-      </p15:sldGuideLst>
+      <p15:sldGuideLst xmlns:p15="http://schemas.microsoft.com/office/powerpoint/2012/main"/>
     </p:ext>
   </p:extLst>
 </p:presentation>
+</file>
+
+<file path=ppt/notesMasters/notesMaster1.xml><?xml version="1.0" encoding="utf-8"?>
+<p:notesMaster xmlns:a="http://schemas.openxmlformats.org/drawingml/2006/main" xmlns:r="http://schemas.openxmlformats.org/officeDocument/2006/relationships" xmlns:p="http://schemas.openxmlformats.org/presentationml/2006/main">
+  <p:cSld>
+    <p:bg>
+      <p:bgRef idx="1001">
+        <a:schemeClr val="bg1"/>
+      </p:bgRef>
+    </p:bg>
+    <p:spTree>
+      <p:nvGrpSpPr>
+        <p:cNvPr id="1" name=""/>
+        <p:cNvGrpSpPr/>
+        <p:nvPr/>
+      </p:nvGrpSpPr>
+      <p:grpSpPr>
+        <a:xfrm>
+          <a:off x="0" y="0"/>
+          <a:ext cx="0" cy="0"/>
+          <a:chOff x="0" y="0"/>
+          <a:chExt cx="0" cy="0"/>
+        </a:xfrm>
+      </p:grpSpPr>
+      <p:sp>
+        <p:nvSpPr>
+          <p:cNvPr id="2" name="Header Placeholder 1"/>
+          <p:cNvSpPr>
+            <a:spLocks noGrp="1"/>
+          </p:cNvSpPr>
+          <p:nvPr>
+            <p:ph type="hdr" sz="quarter"/>
+          </p:nvPr>
+        </p:nvSpPr>
+        <p:spPr>
+          <a:xfrm>
+            <a:off x="0" y="0"/>
+            <a:ext cx="2971800" cy="458788"/>
+          </a:xfrm>
+          <a:prstGeom prst="rect">
+            <a:avLst/>
+          </a:prstGeom>
+        </p:spPr>
+        <p:txBody>
+          <a:bodyPr vert="horz" lIns="91440" tIns="45720" rIns="91440" bIns="45720" rtlCol="0"/>
+          <a:lstStyle>
+            <a:lvl1pPr algn="l">
+              <a:defRPr sz="1200"/>
+            </a:lvl1pPr>
+          </a:lstStyle>
+          <a:p>
+            <a:endParaRPr lang="en-US"/>
+          </a:p>
+        </p:txBody>
+      </p:sp>
+      <p:sp>
+        <p:nvSpPr>
+          <p:cNvPr id="3" name="Date Placeholder 2"/>
+          <p:cNvSpPr>
+            <a:spLocks noGrp="1"/>
+          </p:cNvSpPr>
+          <p:nvPr>
+            <p:ph type="dt" idx="1"/>
+          </p:nvPr>
+        </p:nvSpPr>
+        <p:spPr>
+          <a:xfrm>
+            <a:off x="3884613" y="0"/>
+            <a:ext cx="2971800" cy="458788"/>
+          </a:xfrm>
+          <a:prstGeom prst="rect">
+            <a:avLst/>
+          </a:prstGeom>
+        </p:spPr>
+        <p:txBody>
+          <a:bodyPr vert="horz" lIns="91440" tIns="45720" rIns="91440" bIns="45720" rtlCol="0"/>
+          <a:lstStyle>
+            <a:lvl1pPr algn="r">
+              <a:defRPr sz="1200"/>
+            </a:lvl1pPr>
+          </a:lstStyle>
+          <a:p>
+            <a:fld id="{8E7229B0-4127-D14B-8AF9-525AAA1F89C4}" type="datetimeFigureOut">
+              <a:rPr lang="en-US" smtClean="0"/>
+              <a:t>2/8/25</a:t>
+            </a:fld>
+            <a:endParaRPr lang="en-US"/>
+          </a:p>
+        </p:txBody>
+      </p:sp>
+      <p:sp>
+        <p:nvSpPr>
+          <p:cNvPr id="4" name="Slide Image Placeholder 3"/>
+          <p:cNvSpPr>
+            <a:spLocks noGrp="1" noRot="1" noChangeAspect="1"/>
+          </p:cNvSpPr>
+          <p:nvPr>
+            <p:ph type="sldImg" idx="2"/>
+          </p:nvPr>
+        </p:nvSpPr>
+        <p:spPr>
+          <a:xfrm>
+            <a:off x="685800" y="1143000"/>
+            <a:ext cx="5486400" cy="3086100"/>
+          </a:xfrm>
+          <a:prstGeom prst="rect">
+            <a:avLst/>
+          </a:prstGeom>
+          <a:noFill/>
+          <a:ln w="12700">
+            <a:solidFill>
+              <a:prstClr val="black"/>
+            </a:solidFill>
+          </a:ln>
+        </p:spPr>
+        <p:txBody>
+          <a:bodyPr vert="horz" lIns="91440" tIns="45720" rIns="91440" bIns="45720" rtlCol="0" anchor="ctr"/>
+          <a:lstStyle/>
+          <a:p>
+            <a:endParaRPr lang="en-US"/>
+          </a:p>
+        </p:txBody>
+      </p:sp>
+      <p:sp>
+        <p:nvSpPr>
+          <p:cNvPr id="5" name="Notes Placeholder 4"/>
+          <p:cNvSpPr>
+            <a:spLocks noGrp="1"/>
+          </p:cNvSpPr>
+          <p:nvPr>
+            <p:ph type="body" sz="quarter" idx="3"/>
+          </p:nvPr>
+        </p:nvSpPr>
+        <p:spPr>
+          <a:xfrm>
+            <a:off x="685800" y="4400550"/>
+            <a:ext cx="5486400" cy="3600450"/>
+          </a:xfrm>
+          <a:prstGeom prst="rect">
+            <a:avLst/>
+          </a:prstGeom>
+        </p:spPr>
+        <p:txBody>
+          <a:bodyPr vert="horz" lIns="91440" tIns="45720" rIns="91440" bIns="45720" rtlCol="0"/>
+          <a:lstStyle/>
+          <a:p>
+            <a:pPr lvl="0"/>
+            <a:r>
+              <a:rPr lang="en-US"/>
+              <a:t>Click to edit Master text styles</a:t>
+            </a:r>
+          </a:p>
+          <a:p>
+            <a:pPr lvl="1"/>
+            <a:r>
+              <a:rPr lang="en-US"/>
+              <a:t>Second level</a:t>
+            </a:r>
+          </a:p>
+          <a:p>
+            <a:pPr lvl="2"/>
+            <a:r>
+              <a:rPr lang="en-US"/>
+              <a:t>Third level</a:t>
+            </a:r>
+          </a:p>
+          <a:p>
+            <a:pPr lvl="3"/>
+            <a:r>
+              <a:rPr lang="en-US"/>
+              <a:t>Fourth level</a:t>
+            </a:r>
+          </a:p>
+          <a:p>
+            <a:pPr lvl="4"/>
+            <a:r>
+              <a:rPr lang="en-US"/>
+              <a:t>Fifth level</a:t>
+            </a:r>
+          </a:p>
+        </p:txBody>
+      </p:sp>
+      <p:sp>
+        <p:nvSpPr>
+          <p:cNvPr id="6" name="Footer Placeholder 5"/>
+          <p:cNvSpPr>
+            <a:spLocks noGrp="1"/>
+          </p:cNvSpPr>
+          <p:nvPr>
+            <p:ph type="ftr" sz="quarter" idx="4"/>
+          </p:nvPr>
+        </p:nvSpPr>
+        <p:spPr>
+          <a:xfrm>
+            <a:off x="0" y="8685213"/>
+            <a:ext cx="2971800" cy="458787"/>
+          </a:xfrm>
+          <a:prstGeom prst="rect">
+            <a:avLst/>
+          </a:prstGeom>
+        </p:spPr>
+        <p:txBody>
+          <a:bodyPr vert="horz" lIns="91440" tIns="45720" rIns="91440" bIns="45720" rtlCol="0" anchor="b"/>
+          <a:lstStyle>
+            <a:lvl1pPr algn="l">
+              <a:defRPr sz="1200"/>
+            </a:lvl1pPr>
+          </a:lstStyle>
+          <a:p>
+            <a:endParaRPr lang="en-US"/>
+          </a:p>
+        </p:txBody>
+      </p:sp>
+      <p:sp>
+        <p:nvSpPr>
+          <p:cNvPr id="7" name="Slide Number Placeholder 6"/>
+          <p:cNvSpPr>
+            <a:spLocks noGrp="1"/>
+          </p:cNvSpPr>
+          <p:nvPr>
+            <p:ph type="sldNum" sz="quarter" idx="5"/>
+          </p:nvPr>
+        </p:nvSpPr>
+        <p:spPr>
+          <a:xfrm>
+            <a:off x="3884613" y="8685213"/>
+            <a:ext cx="2971800" cy="458787"/>
+          </a:xfrm>
+          <a:prstGeom prst="rect">
+            <a:avLst/>
+          </a:prstGeom>
+        </p:spPr>
+        <p:txBody>
+          <a:bodyPr vert="horz" lIns="91440" tIns="45720" rIns="91440" bIns="45720" rtlCol="0" anchor="b"/>
+          <a:lstStyle>
+            <a:lvl1pPr algn="r">
+              <a:defRPr sz="1200"/>
+            </a:lvl1pPr>
+          </a:lstStyle>
+          <a:p>
+            <a:fld id="{D6459C4D-1E11-034F-B204-AB3B12E07BF0}" type="slidenum">
+              <a:rPr lang="en-US" smtClean="0"/>
+              <a:t>‹#›</a:t>
+            </a:fld>
+            <a:endParaRPr lang="en-US"/>
+          </a:p>
+        </p:txBody>
+      </p:sp>
+    </p:spTree>
+    <p:extLst>
+      <p:ext uri="{BB962C8B-B14F-4D97-AF65-F5344CB8AC3E}">
+        <p14:creationId xmlns:p14="http://schemas.microsoft.com/office/powerpoint/2010/main" val="1476311803"/>
+      </p:ext>
+    </p:extLst>
+  </p:cSld>
+  <p:clrMap bg1="lt1" tx1="dk1" bg2="lt2" tx2="dk2" accent1="accent1" accent2="accent2" accent3="accent3" accent4="accent4" accent5="accent5" accent6="accent6" hlink="hlink" folHlink="folHlink"/>
+  <p:notesStyle>
+    <a:lvl1pPr marL="0" algn="l" defTabSz="914400" rtl="0" eaLnBrk="1" latinLnBrk="0" hangingPunct="1">
+      <a:defRPr sz="1200" kern="1200">
+        <a:solidFill>
+          <a:schemeClr val="tx1"/>
+        </a:solidFill>
+        <a:latin typeface="+mn-lt"/>
+        <a:ea typeface="+mn-ea"/>
+        <a:cs typeface="+mn-cs"/>
+      </a:defRPr>
+    </a:lvl1pPr>
+    <a:lvl2pPr marL="457200" algn="l" defTabSz="914400" rtl="0" eaLnBrk="1" latinLnBrk="0" hangingPunct="1">
+      <a:defRPr sz="1200" kern="1200">
+        <a:solidFill>
+          <a:schemeClr val="tx1"/>
+        </a:solidFill>
+        <a:latin typeface="+mn-lt"/>
+        <a:ea typeface="+mn-ea"/>
+        <a:cs typeface="+mn-cs"/>
+      </a:defRPr>
+    </a:lvl2pPr>
+    <a:lvl3pPr marL="914400" algn="l" defTabSz="914400" rtl="0" eaLnBrk="1" latinLnBrk="0" hangingPunct="1">
+      <a:defRPr sz="1200" kern="1200">
+        <a:solidFill>
+          <a:schemeClr val="tx1"/>
+        </a:solidFill>
+        <a:latin typeface="+mn-lt"/>
+        <a:ea typeface="+mn-ea"/>
+        <a:cs typeface="+mn-cs"/>
+      </a:defRPr>
+    </a:lvl3pPr>
+    <a:lvl4pPr marL="1371600" algn="l" defTabSz="914400" rtl="0" eaLnBrk="1" latinLnBrk="0" hangingPunct="1">
+      <a:defRPr sz="1200" kern="1200">
+        <a:solidFill>
+          <a:schemeClr val="tx1"/>
+        </a:solidFill>
+        <a:latin typeface="+mn-lt"/>
+        <a:ea typeface="+mn-ea"/>
+        <a:cs typeface="+mn-cs"/>
+      </a:defRPr>
+    </a:lvl4pPr>
+    <a:lvl5pPr marL="1828800" algn="l" defTabSz="914400" rtl="0" eaLnBrk="1" latinLnBrk="0" hangingPunct="1">
+      <a:defRPr sz="1200" kern="1200">
+        <a:solidFill>
+          <a:schemeClr val="tx1"/>
+        </a:solidFill>
+        <a:latin typeface="+mn-lt"/>
+        <a:ea typeface="+mn-ea"/>
+        <a:cs typeface="+mn-cs"/>
+      </a:defRPr>
+    </a:lvl5pPr>
+    <a:lvl6pPr marL="2286000" algn="l" defTabSz="914400" rtl="0" eaLnBrk="1" latinLnBrk="0" hangingPunct="1">
+      <a:defRPr sz="1200" kern="1200">
+        <a:solidFill>
+          <a:schemeClr val="tx1"/>
+        </a:solidFill>
+        <a:latin typeface="+mn-lt"/>
+        <a:ea typeface="+mn-ea"/>
+        <a:cs typeface="+mn-cs"/>
+      </a:defRPr>
+    </a:lvl6pPr>
+    <a:lvl7pPr marL="2743200" algn="l" defTabSz="914400" rtl="0" eaLnBrk="1" latinLnBrk="0" hangingPunct="1">
+      <a:defRPr sz="1200" kern="1200">
+        <a:solidFill>
+          <a:schemeClr val="tx1"/>
+        </a:solidFill>
+        <a:latin typeface="+mn-lt"/>
+        <a:ea typeface="+mn-ea"/>
+        <a:cs typeface="+mn-cs"/>
+      </a:defRPr>
+    </a:lvl7pPr>
+    <a:lvl8pPr marL="3200400" algn="l" defTabSz="914400" rtl="0" eaLnBrk="1" latinLnBrk="0" hangingPunct="1">
+      <a:defRPr sz="1200" kern="1200">
+        <a:solidFill>
+          <a:schemeClr val="tx1"/>
+        </a:solidFill>
+        <a:latin typeface="+mn-lt"/>
+        <a:ea typeface="+mn-ea"/>
+        <a:cs typeface="+mn-cs"/>
+      </a:defRPr>
+    </a:lvl8pPr>
+    <a:lvl9pPr marL="3657600" algn="l" defTabSz="914400" rtl="0" eaLnBrk="1" latinLnBrk="0" hangingPunct="1">
+      <a:defRPr sz="1200" kern="1200">
+        <a:solidFill>
+          <a:schemeClr val="tx1"/>
+        </a:solidFill>
+        <a:latin typeface="+mn-lt"/>
+        <a:ea typeface="+mn-ea"/>
+        <a:cs typeface="+mn-cs"/>
+      </a:defRPr>
+    </a:lvl9pPr>
+  </p:notesStyle>
+</p:notesMaster>
+</file>
+
+<file path=ppt/notesSlides/notesSlide1.xml><?xml version="1.0" encoding="utf-8"?>
+<p:notes xmlns:a="http://schemas.openxmlformats.org/drawingml/2006/main" xmlns:r="http://schemas.openxmlformats.org/officeDocument/2006/relationships" xmlns:p="http://schemas.openxmlformats.org/presentationml/2006/main">
+  <p:cSld>
+    <p:spTree>
+      <p:nvGrpSpPr>
+        <p:cNvPr id="1" name=""/>
+        <p:cNvGrpSpPr/>
+        <p:nvPr/>
+      </p:nvGrpSpPr>
+      <p:grpSpPr>
+        <a:xfrm>
+          <a:off x="0" y="0"/>
+          <a:ext cx="0" cy="0"/>
+          <a:chOff x="0" y="0"/>
+          <a:chExt cx="0" cy="0"/>
+        </a:xfrm>
+      </p:grpSpPr>
+      <p:sp>
+        <p:nvSpPr>
+          <p:cNvPr id="2" name="Slide Image Placeholder 1"/>
+          <p:cNvSpPr>
+            <a:spLocks noGrp="1" noRot="1" noChangeAspect="1"/>
+          </p:cNvSpPr>
+          <p:nvPr>
+            <p:ph type="sldImg"/>
+          </p:nvPr>
+        </p:nvSpPr>
+        <p:spPr/>
+      </p:sp>
+      <p:sp>
+        <p:nvSpPr>
+          <p:cNvPr id="3" name="Notes Placeholder 2"/>
+          <p:cNvSpPr>
+            <a:spLocks noGrp="1"/>
+          </p:cNvSpPr>
+          <p:nvPr>
+            <p:ph type="body" idx="1"/>
+          </p:nvPr>
+        </p:nvSpPr>
+        <p:spPr/>
+        <p:txBody>
+          <a:bodyPr/>
+          <a:lstStyle/>
+          <a:p>
+            <a:endParaRPr lang="en-US"/>
+          </a:p>
+        </p:txBody>
+      </p:sp>
+      <p:sp>
+        <p:nvSpPr>
+          <p:cNvPr id="4" name="Slide Number Placeholder 3"/>
+          <p:cNvSpPr>
+            <a:spLocks noGrp="1"/>
+          </p:cNvSpPr>
+          <p:nvPr>
+            <p:ph type="sldNum" sz="quarter" idx="5"/>
+          </p:nvPr>
+        </p:nvSpPr>
+        <p:spPr/>
+        <p:txBody>
+          <a:bodyPr/>
+          <a:lstStyle/>
+          <a:p>
+            <a:fld id="{D6459C4D-1E11-034F-B204-AB3B12E07BF0}" type="slidenum">
+              <a:rPr lang="en-US" smtClean="0"/>
+              <a:t>1</a:t>
+            </a:fld>
+            <a:endParaRPr lang="en-US"/>
+          </a:p>
+        </p:txBody>
+      </p:sp>
+    </p:spTree>
+    <p:extLst>
+      <p:ext uri="{BB962C8B-B14F-4D97-AF65-F5344CB8AC3E}">
+        <p14:creationId xmlns:p14="http://schemas.microsoft.com/office/powerpoint/2010/main" val="1102211320"/>
+      </p:ext>
+    </p:extLst>
+  </p:cSld>
+  <p:clrMapOvr>
+    <a:masterClrMapping/>
+  </p:clrMapOvr>
+</p:notes>
 </file>
 
 <file path=ppt/slideLayouts/slideLayout1.xml><?xml version="1.0" encoding="utf-8"?>
@@ -142,7 +567,13 @@
       </p:grpSpPr>
       <p:sp>
         <p:nvSpPr>
-          <p:cNvPr id="2" name="Title 1"/>
+          <p:cNvPr id="2" name="Title 1">
+            <a:extLst>
+              <a:ext uri="{FF2B5EF4-FFF2-40B4-BE49-F238E27FC236}">
+                <a16:creationId xmlns:a16="http://schemas.microsoft.com/office/drawing/2014/main" id="{D7F85885-F793-D1CD-7D1D-EFA6FF9B8AA0}"/>
+              </a:ext>
+            </a:extLst>
+          </p:cNvPr>
           <p:cNvSpPr>
             <a:spLocks noGrp="1"/>
           </p:cNvSpPr>
@@ -152,25 +583,34 @@
         </p:nvSpPr>
         <p:spPr>
           <a:xfrm>
-            <a:off x="685800" y="2130425"/>
-            <a:ext cx="7772400" cy="1470025"/>
+            <a:off x="1524000" y="1122363"/>
+            <a:ext cx="9144000" cy="2387600"/>
           </a:xfrm>
         </p:spPr>
         <p:txBody>
-          <a:bodyPr/>
-          <a:lstStyle/>
-          <a:p>
-            <a:r>
-              <a:rPr lang="en-CA"/>
+          <a:bodyPr anchor="b"/>
+          <a:lstStyle>
+            <a:lvl1pPr algn="ctr">
+              <a:defRPr sz="6000"/>
+            </a:lvl1pPr>
+          </a:lstStyle>
+          <a:p>
+            <a:r>
+              <a:rPr lang="en-US"/>
               <a:t>Click to edit Master title style</a:t>
             </a:r>
-            <a:endParaRPr lang="en-US"/>
-          </a:p>
-        </p:txBody>
-      </p:sp>
-      <p:sp>
-        <p:nvSpPr>
-          <p:cNvPr id="3" name="Subtitle 2"/>
+          </a:p>
+        </p:txBody>
+      </p:sp>
+      <p:sp>
+        <p:nvSpPr>
+          <p:cNvPr id="3" name="Subtitle 2">
+            <a:extLst>
+              <a:ext uri="{FF2B5EF4-FFF2-40B4-BE49-F238E27FC236}">
+                <a16:creationId xmlns:a16="http://schemas.microsoft.com/office/drawing/2014/main" id="{57C07CA4-50ED-CBD6-5274-D7A963193DE9}"/>
+              </a:ext>
+            </a:extLst>
+          </p:cNvPr>
           <p:cNvSpPr>
             <a:spLocks noGrp="1"/>
           </p:cNvSpPr>
@@ -180,8 +620,8 @@
         </p:nvSpPr>
         <p:spPr>
           <a:xfrm>
-            <a:off x="1371600" y="3886200"/>
-            <a:ext cx="6400800" cy="1752600"/>
+            <a:off x="1524000" y="3602038"/>
+            <a:ext cx="9144000" cy="1655762"/>
           </a:xfrm>
         </p:spPr>
         <p:txBody>
@@ -189,107 +629,58 @@
           <a:lstStyle>
             <a:lvl1pPr marL="0" indent="0" algn="ctr">
               <a:buNone/>
-              <a:defRPr>
-                <a:solidFill>
-                  <a:schemeClr val="tx1">
-                    <a:tint val="75000"/>
-                  </a:schemeClr>
-                </a:solidFill>
-              </a:defRPr>
+              <a:defRPr sz="2400"/>
             </a:lvl1pPr>
             <a:lvl2pPr marL="457200" indent="0" algn="ctr">
               <a:buNone/>
-              <a:defRPr>
-                <a:solidFill>
-                  <a:schemeClr val="tx1">
-                    <a:tint val="75000"/>
-                  </a:schemeClr>
-                </a:solidFill>
-              </a:defRPr>
+              <a:defRPr sz="2000"/>
             </a:lvl2pPr>
             <a:lvl3pPr marL="914400" indent="0" algn="ctr">
               <a:buNone/>
-              <a:defRPr>
-                <a:solidFill>
-                  <a:schemeClr val="tx1">
-                    <a:tint val="75000"/>
-                  </a:schemeClr>
-                </a:solidFill>
-              </a:defRPr>
+              <a:defRPr sz="1800"/>
             </a:lvl3pPr>
             <a:lvl4pPr marL="1371600" indent="0" algn="ctr">
               <a:buNone/>
-              <a:defRPr>
-                <a:solidFill>
-                  <a:schemeClr val="tx1">
-                    <a:tint val="75000"/>
-                  </a:schemeClr>
-                </a:solidFill>
-              </a:defRPr>
+              <a:defRPr sz="1600"/>
             </a:lvl4pPr>
             <a:lvl5pPr marL="1828800" indent="0" algn="ctr">
               <a:buNone/>
-              <a:defRPr>
-                <a:solidFill>
-                  <a:schemeClr val="tx1">
-                    <a:tint val="75000"/>
-                  </a:schemeClr>
-                </a:solidFill>
-              </a:defRPr>
+              <a:defRPr sz="1600"/>
             </a:lvl5pPr>
             <a:lvl6pPr marL="2286000" indent="0" algn="ctr">
               <a:buNone/>
-              <a:defRPr>
-                <a:solidFill>
-                  <a:schemeClr val="tx1">
-                    <a:tint val="75000"/>
-                  </a:schemeClr>
-                </a:solidFill>
-              </a:defRPr>
+              <a:defRPr sz="1600"/>
             </a:lvl6pPr>
             <a:lvl7pPr marL="2743200" indent="0" algn="ctr">
               <a:buNone/>
-              <a:defRPr>
-                <a:solidFill>
-                  <a:schemeClr val="tx1">
-                    <a:tint val="75000"/>
-                  </a:schemeClr>
-                </a:solidFill>
-              </a:defRPr>
+              <a:defRPr sz="1600"/>
             </a:lvl7pPr>
             <a:lvl8pPr marL="3200400" indent="0" algn="ctr">
               <a:buNone/>
-              <a:defRPr>
-                <a:solidFill>
-                  <a:schemeClr val="tx1">
-                    <a:tint val="75000"/>
-                  </a:schemeClr>
-                </a:solidFill>
-              </a:defRPr>
+              <a:defRPr sz="1600"/>
             </a:lvl8pPr>
             <a:lvl9pPr marL="3657600" indent="0" algn="ctr">
               <a:buNone/>
-              <a:defRPr>
-                <a:solidFill>
-                  <a:schemeClr val="tx1">
-                    <a:tint val="75000"/>
-                  </a:schemeClr>
-                </a:solidFill>
-              </a:defRPr>
+              <a:defRPr sz="1600"/>
             </a:lvl9pPr>
           </a:lstStyle>
           <a:p>
             <a:r>
-              <a:rPr lang="en-CA"/>
+              <a:rPr lang="en-US"/>
               <a:t>Click to edit Master subtitle style</a:t>
             </a:r>
-            <a:endParaRPr lang="en-US"/>
-          </a:p>
-        </p:txBody>
-      </p:sp>
-      <p:sp>
-        <p:nvSpPr>
-          <p:cNvPr id="4" name="Date Placeholder 3"/>
+          </a:p>
+        </p:txBody>
+      </p:sp>
+      <p:sp>
+        <p:nvSpPr>
+          <p:cNvPr id="4" name="Date Placeholder 3">
+            <a:extLst>
+              <a:ext uri="{FF2B5EF4-FFF2-40B4-BE49-F238E27FC236}">
+                <a16:creationId xmlns:a16="http://schemas.microsoft.com/office/drawing/2014/main" id="{CF47A738-9802-3165-79B7-5FBA71CF9C4D}"/>
+              </a:ext>
+            </a:extLst>
+          </p:cNvPr>
           <p:cNvSpPr>
             <a:spLocks noGrp="1"/>
           </p:cNvSpPr>
@@ -302,9 +693,9 @@
           <a:bodyPr/>
           <a:lstStyle/>
           <a:p>
-            <a:fld id="{779256A2-DE0C-7447-B687-786F38514E8C}" type="datetimeFigureOut">
+            <a:fld id="{FB226B89-EA91-A34A-A9A9-A05433C06F31}" type="datetimeFigureOut">
               <a:rPr lang="en-US" smtClean="0"/>
-              <a:t>9/4/19</a:t>
+              <a:t>2/8/25</a:t>
             </a:fld>
             <a:endParaRPr lang="en-US"/>
           </a:p>
@@ -312,7 +703,13 @@
       </p:sp>
       <p:sp>
         <p:nvSpPr>
-          <p:cNvPr id="5" name="Footer Placeholder 4"/>
+          <p:cNvPr id="5" name="Footer Placeholder 4">
+            <a:extLst>
+              <a:ext uri="{FF2B5EF4-FFF2-40B4-BE49-F238E27FC236}">
+                <a16:creationId xmlns:a16="http://schemas.microsoft.com/office/drawing/2014/main" id="{FA22E8E6-2A24-13D8-F29B-27597A9F2E0E}"/>
+              </a:ext>
+            </a:extLst>
+          </p:cNvPr>
           <p:cNvSpPr>
             <a:spLocks noGrp="1"/>
           </p:cNvSpPr>
@@ -331,7 +728,13 @@
       </p:sp>
       <p:sp>
         <p:nvSpPr>
-          <p:cNvPr id="6" name="Slide Number Placeholder 5"/>
+          <p:cNvPr id="6" name="Slide Number Placeholder 5">
+            <a:extLst>
+              <a:ext uri="{FF2B5EF4-FFF2-40B4-BE49-F238E27FC236}">
+                <a16:creationId xmlns:a16="http://schemas.microsoft.com/office/drawing/2014/main" id="{00EB6EA2-C0F1-99BD-DD51-99F1FCD636C9}"/>
+              </a:ext>
+            </a:extLst>
+          </p:cNvPr>
           <p:cNvSpPr>
             <a:spLocks noGrp="1"/>
           </p:cNvSpPr>
@@ -344,7 +747,7 @@
           <a:bodyPr/>
           <a:lstStyle/>
           <a:p>
-            <a:fld id="{D1E6B054-2327-D043-B7B5-4043E46ED170}" type="slidenum">
+            <a:fld id="{5E5E8CFD-A770-524A-9614-99B0EE65BBFA}" type="slidenum">
               <a:rPr lang="en-US" smtClean="0"/>
               <a:t>‹#›</a:t>
             </a:fld>
@@ -355,7 +758,7 @@
     </p:spTree>
     <p:extLst>
       <p:ext uri="{BB962C8B-B14F-4D97-AF65-F5344CB8AC3E}">
-        <p14:creationId xmlns:p14="http://schemas.microsoft.com/office/powerpoint/2010/main" val="3361452229"/>
+        <p14:creationId xmlns:p14="http://schemas.microsoft.com/office/powerpoint/2010/main" val="2878653138"/>
       </p:ext>
     </p:extLst>
   </p:cSld>
@@ -384,7 +787,13 @@
       </p:grpSpPr>
       <p:sp>
         <p:nvSpPr>
-          <p:cNvPr id="2" name="Title 1"/>
+          <p:cNvPr id="2" name="Title 1">
+            <a:extLst>
+              <a:ext uri="{FF2B5EF4-FFF2-40B4-BE49-F238E27FC236}">
+                <a16:creationId xmlns:a16="http://schemas.microsoft.com/office/drawing/2014/main" id="{AF88E3D9-CC4C-4C1A-F97D-5A50FB700F44}"/>
+              </a:ext>
+            </a:extLst>
+          </p:cNvPr>
           <p:cNvSpPr>
             <a:spLocks noGrp="1"/>
           </p:cNvSpPr>
@@ -398,16 +807,21 @@
           <a:lstStyle/>
           <a:p>
             <a:r>
-              <a:rPr lang="en-CA"/>
+              <a:rPr lang="en-US"/>
               <a:t>Click to edit Master title style</a:t>
             </a:r>
-            <a:endParaRPr lang="en-US"/>
-          </a:p>
-        </p:txBody>
-      </p:sp>
-      <p:sp>
-        <p:nvSpPr>
-          <p:cNvPr id="3" name="Vertical Text Placeholder 2"/>
+          </a:p>
+        </p:txBody>
+      </p:sp>
+      <p:sp>
+        <p:nvSpPr>
+          <p:cNvPr id="3" name="Vertical Text Placeholder 2">
+            <a:extLst>
+              <a:ext uri="{FF2B5EF4-FFF2-40B4-BE49-F238E27FC236}">
+                <a16:creationId xmlns:a16="http://schemas.microsoft.com/office/drawing/2014/main" id="{5CD993DD-EB50-7BF6-2B51-9C6A7752A9F0}"/>
+              </a:ext>
+            </a:extLst>
+          </p:cNvPr>
           <p:cNvSpPr>
             <a:spLocks noGrp="1"/>
           </p:cNvSpPr>
@@ -422,44 +836,49 @@
           <a:p>
             <a:pPr lvl="0"/>
             <a:r>
-              <a:rPr lang="en-CA"/>
+              <a:rPr lang="en-US"/>
               <a:t>Click to edit Master text styles</a:t>
             </a:r>
           </a:p>
           <a:p>
             <a:pPr lvl="1"/>
             <a:r>
-              <a:rPr lang="en-CA"/>
+              <a:rPr lang="en-US"/>
               <a:t>Second level</a:t>
             </a:r>
           </a:p>
           <a:p>
             <a:pPr lvl="2"/>
             <a:r>
-              <a:rPr lang="en-CA"/>
+              <a:rPr lang="en-US"/>
               <a:t>Third level</a:t>
             </a:r>
           </a:p>
           <a:p>
             <a:pPr lvl="3"/>
             <a:r>
-              <a:rPr lang="en-CA"/>
+              <a:rPr lang="en-US"/>
               <a:t>Fourth level</a:t>
             </a:r>
           </a:p>
           <a:p>
             <a:pPr lvl="4"/>
             <a:r>
-              <a:rPr lang="en-CA"/>
+              <a:rPr lang="en-US"/>
               <a:t>Fifth level</a:t>
             </a:r>
-            <a:endParaRPr lang="en-US"/>
-          </a:p>
-        </p:txBody>
-      </p:sp>
-      <p:sp>
-        <p:nvSpPr>
-          <p:cNvPr id="4" name="Date Placeholder 3"/>
+          </a:p>
+        </p:txBody>
+      </p:sp>
+      <p:sp>
+        <p:nvSpPr>
+          <p:cNvPr id="4" name="Date Placeholder 3">
+            <a:extLst>
+              <a:ext uri="{FF2B5EF4-FFF2-40B4-BE49-F238E27FC236}">
+                <a16:creationId xmlns:a16="http://schemas.microsoft.com/office/drawing/2014/main" id="{FF7E79EE-42A8-B23D-2135-04F989A0F96F}"/>
+              </a:ext>
+            </a:extLst>
+          </p:cNvPr>
           <p:cNvSpPr>
             <a:spLocks noGrp="1"/>
           </p:cNvSpPr>
@@ -472,9 +891,9 @@
           <a:bodyPr/>
           <a:lstStyle/>
           <a:p>
-            <a:fld id="{779256A2-DE0C-7447-B687-786F38514E8C}" type="datetimeFigureOut">
+            <a:fld id="{FB226B89-EA91-A34A-A9A9-A05433C06F31}" type="datetimeFigureOut">
               <a:rPr lang="en-US" smtClean="0"/>
-              <a:t>9/4/19</a:t>
+              <a:t>2/8/25</a:t>
             </a:fld>
             <a:endParaRPr lang="en-US"/>
           </a:p>
@@ -482,7 +901,13 @@
       </p:sp>
       <p:sp>
         <p:nvSpPr>
-          <p:cNvPr id="5" name="Footer Placeholder 4"/>
+          <p:cNvPr id="5" name="Footer Placeholder 4">
+            <a:extLst>
+              <a:ext uri="{FF2B5EF4-FFF2-40B4-BE49-F238E27FC236}">
+                <a16:creationId xmlns:a16="http://schemas.microsoft.com/office/drawing/2014/main" id="{1A24E4CD-1E60-0AA6-77BB-ABC50FD01764}"/>
+              </a:ext>
+            </a:extLst>
+          </p:cNvPr>
           <p:cNvSpPr>
             <a:spLocks noGrp="1"/>
           </p:cNvSpPr>
@@ -501,7 +926,13 @@
       </p:sp>
       <p:sp>
         <p:nvSpPr>
-          <p:cNvPr id="6" name="Slide Number Placeholder 5"/>
+          <p:cNvPr id="6" name="Slide Number Placeholder 5">
+            <a:extLst>
+              <a:ext uri="{FF2B5EF4-FFF2-40B4-BE49-F238E27FC236}">
+                <a16:creationId xmlns:a16="http://schemas.microsoft.com/office/drawing/2014/main" id="{40326E25-C540-CE9A-2BD7-FD59395D4764}"/>
+              </a:ext>
+            </a:extLst>
+          </p:cNvPr>
           <p:cNvSpPr>
             <a:spLocks noGrp="1"/>
           </p:cNvSpPr>
@@ -514,7 +945,7 @@
           <a:bodyPr/>
           <a:lstStyle/>
           <a:p>
-            <a:fld id="{D1E6B054-2327-D043-B7B5-4043E46ED170}" type="slidenum">
+            <a:fld id="{5E5E8CFD-A770-524A-9614-99B0EE65BBFA}" type="slidenum">
               <a:rPr lang="en-US" smtClean="0"/>
               <a:t>‹#›</a:t>
             </a:fld>
@@ -525,7 +956,7 @@
     </p:spTree>
     <p:extLst>
       <p:ext uri="{BB962C8B-B14F-4D97-AF65-F5344CB8AC3E}">
-        <p14:creationId xmlns:p14="http://schemas.microsoft.com/office/powerpoint/2010/main" val="1470153226"/>
+        <p14:creationId xmlns:p14="http://schemas.microsoft.com/office/powerpoint/2010/main" val="226421950"/>
       </p:ext>
     </p:extLst>
   </p:cSld>
@@ -554,7 +985,13 @@
       </p:grpSpPr>
       <p:sp>
         <p:nvSpPr>
-          <p:cNvPr id="2" name="Vertical Title 1"/>
+          <p:cNvPr id="2" name="Vertical Title 1">
+            <a:extLst>
+              <a:ext uri="{FF2B5EF4-FFF2-40B4-BE49-F238E27FC236}">
+                <a16:creationId xmlns:a16="http://schemas.microsoft.com/office/drawing/2014/main" id="{3C292C49-9BB1-2D24-0E27-186D2F34C70C}"/>
+              </a:ext>
+            </a:extLst>
+          </p:cNvPr>
           <p:cNvSpPr>
             <a:spLocks noGrp="1"/>
           </p:cNvSpPr>
@@ -564,8 +1001,8 @@
         </p:nvSpPr>
         <p:spPr>
           <a:xfrm>
-            <a:off x="6629400" y="274638"/>
-            <a:ext cx="2057400" cy="5851525"/>
+            <a:off x="8724900" y="365125"/>
+            <a:ext cx="2628900" cy="5811838"/>
           </a:xfrm>
         </p:spPr>
         <p:txBody>
@@ -573,16 +1010,21 @@
           <a:lstStyle/>
           <a:p>
             <a:r>
-              <a:rPr lang="en-CA"/>
+              <a:rPr lang="en-US"/>
               <a:t>Click to edit Master title style</a:t>
             </a:r>
-            <a:endParaRPr lang="en-US"/>
-          </a:p>
-        </p:txBody>
-      </p:sp>
-      <p:sp>
-        <p:nvSpPr>
-          <p:cNvPr id="3" name="Vertical Text Placeholder 2"/>
+          </a:p>
+        </p:txBody>
+      </p:sp>
+      <p:sp>
+        <p:nvSpPr>
+          <p:cNvPr id="3" name="Vertical Text Placeholder 2">
+            <a:extLst>
+              <a:ext uri="{FF2B5EF4-FFF2-40B4-BE49-F238E27FC236}">
+                <a16:creationId xmlns:a16="http://schemas.microsoft.com/office/drawing/2014/main" id="{FE082533-1B8D-3DB9-FFA7-3CF86A67255D}"/>
+              </a:ext>
+            </a:extLst>
+          </p:cNvPr>
           <p:cNvSpPr>
             <a:spLocks noGrp="1"/>
           </p:cNvSpPr>
@@ -592,8 +1034,8 @@
         </p:nvSpPr>
         <p:spPr>
           <a:xfrm>
-            <a:off x="457200" y="274638"/>
-            <a:ext cx="6019800" cy="5851525"/>
+            <a:off x="838200" y="365125"/>
+            <a:ext cx="7734300" cy="5811838"/>
           </a:xfrm>
         </p:spPr>
         <p:txBody>
@@ -602,44 +1044,49 @@
           <a:p>
             <a:pPr lvl="0"/>
             <a:r>
-              <a:rPr lang="en-CA"/>
+              <a:rPr lang="en-US"/>
               <a:t>Click to edit Master text styles</a:t>
             </a:r>
           </a:p>
           <a:p>
             <a:pPr lvl="1"/>
             <a:r>
-              <a:rPr lang="en-CA"/>
+              <a:rPr lang="en-US"/>
               <a:t>Second level</a:t>
             </a:r>
           </a:p>
           <a:p>
             <a:pPr lvl="2"/>
             <a:r>
-              <a:rPr lang="en-CA"/>
+              <a:rPr lang="en-US"/>
               <a:t>Third level</a:t>
             </a:r>
           </a:p>
           <a:p>
             <a:pPr lvl="3"/>
             <a:r>
-              <a:rPr lang="en-CA"/>
+              <a:rPr lang="en-US"/>
               <a:t>Fourth level</a:t>
             </a:r>
           </a:p>
           <a:p>
             <a:pPr lvl="4"/>
             <a:r>
-              <a:rPr lang="en-CA"/>
+              <a:rPr lang="en-US"/>
               <a:t>Fifth level</a:t>
             </a:r>
-            <a:endParaRPr lang="en-US"/>
-          </a:p>
-        </p:txBody>
-      </p:sp>
-      <p:sp>
-        <p:nvSpPr>
-          <p:cNvPr id="4" name="Date Placeholder 3"/>
+          </a:p>
+        </p:txBody>
+      </p:sp>
+      <p:sp>
+        <p:nvSpPr>
+          <p:cNvPr id="4" name="Date Placeholder 3">
+            <a:extLst>
+              <a:ext uri="{FF2B5EF4-FFF2-40B4-BE49-F238E27FC236}">
+                <a16:creationId xmlns:a16="http://schemas.microsoft.com/office/drawing/2014/main" id="{89E95DE8-6793-464E-2AA9-7297AD317D4F}"/>
+              </a:ext>
+            </a:extLst>
+          </p:cNvPr>
           <p:cNvSpPr>
             <a:spLocks noGrp="1"/>
           </p:cNvSpPr>
@@ -652,9 +1099,9 @@
           <a:bodyPr/>
           <a:lstStyle/>
           <a:p>
-            <a:fld id="{779256A2-DE0C-7447-B687-786F38514E8C}" type="datetimeFigureOut">
+            <a:fld id="{FB226B89-EA91-A34A-A9A9-A05433C06F31}" type="datetimeFigureOut">
               <a:rPr lang="en-US" smtClean="0"/>
-              <a:t>9/4/19</a:t>
+              <a:t>2/8/25</a:t>
             </a:fld>
             <a:endParaRPr lang="en-US"/>
           </a:p>
@@ -662,7 +1109,13 @@
       </p:sp>
       <p:sp>
         <p:nvSpPr>
-          <p:cNvPr id="5" name="Footer Placeholder 4"/>
+          <p:cNvPr id="5" name="Footer Placeholder 4">
+            <a:extLst>
+              <a:ext uri="{FF2B5EF4-FFF2-40B4-BE49-F238E27FC236}">
+                <a16:creationId xmlns:a16="http://schemas.microsoft.com/office/drawing/2014/main" id="{F7532883-B06B-5C4B-9254-E1F2BD91C3F0}"/>
+              </a:ext>
+            </a:extLst>
+          </p:cNvPr>
           <p:cNvSpPr>
             <a:spLocks noGrp="1"/>
           </p:cNvSpPr>
@@ -681,7 +1134,13 @@
       </p:sp>
       <p:sp>
         <p:nvSpPr>
-          <p:cNvPr id="6" name="Slide Number Placeholder 5"/>
+          <p:cNvPr id="6" name="Slide Number Placeholder 5">
+            <a:extLst>
+              <a:ext uri="{FF2B5EF4-FFF2-40B4-BE49-F238E27FC236}">
+                <a16:creationId xmlns:a16="http://schemas.microsoft.com/office/drawing/2014/main" id="{2A6250F1-33CF-84DD-1F76-63C4A5F385F9}"/>
+              </a:ext>
+            </a:extLst>
+          </p:cNvPr>
           <p:cNvSpPr>
             <a:spLocks noGrp="1"/>
           </p:cNvSpPr>
@@ -694,7 +1153,7 @@
           <a:bodyPr/>
           <a:lstStyle/>
           <a:p>
-            <a:fld id="{D1E6B054-2327-D043-B7B5-4043E46ED170}" type="slidenum">
+            <a:fld id="{5E5E8CFD-A770-524A-9614-99B0EE65BBFA}" type="slidenum">
               <a:rPr lang="en-US" smtClean="0"/>
               <a:t>‹#›</a:t>
             </a:fld>
@@ -705,7 +1164,7 @@
     </p:spTree>
     <p:extLst>
       <p:ext uri="{BB962C8B-B14F-4D97-AF65-F5344CB8AC3E}">
-        <p14:creationId xmlns:p14="http://schemas.microsoft.com/office/powerpoint/2010/main" val="2425975206"/>
+        <p14:creationId xmlns:p14="http://schemas.microsoft.com/office/powerpoint/2010/main" val="704334437"/>
       </p:ext>
     </p:extLst>
   </p:cSld>
@@ -734,7 +1193,13 @@
       </p:grpSpPr>
       <p:sp>
         <p:nvSpPr>
-          <p:cNvPr id="2" name="Title 1"/>
+          <p:cNvPr id="2" name="Title 1">
+            <a:extLst>
+              <a:ext uri="{FF2B5EF4-FFF2-40B4-BE49-F238E27FC236}">
+                <a16:creationId xmlns:a16="http://schemas.microsoft.com/office/drawing/2014/main" id="{85C89FF1-31C2-544F-081D-422150012C89}"/>
+              </a:ext>
+            </a:extLst>
+          </p:cNvPr>
           <p:cNvSpPr>
             <a:spLocks noGrp="1"/>
           </p:cNvSpPr>
@@ -748,16 +1213,21 @@
           <a:lstStyle/>
           <a:p>
             <a:r>
-              <a:rPr lang="en-CA"/>
+              <a:rPr lang="en-US"/>
               <a:t>Click to edit Master title style</a:t>
             </a:r>
-            <a:endParaRPr lang="en-US"/>
-          </a:p>
-        </p:txBody>
-      </p:sp>
-      <p:sp>
-        <p:nvSpPr>
-          <p:cNvPr id="3" name="Content Placeholder 2"/>
+          </a:p>
+        </p:txBody>
+      </p:sp>
+      <p:sp>
+        <p:nvSpPr>
+          <p:cNvPr id="3" name="Content Placeholder 2">
+            <a:extLst>
+              <a:ext uri="{FF2B5EF4-FFF2-40B4-BE49-F238E27FC236}">
+                <a16:creationId xmlns:a16="http://schemas.microsoft.com/office/drawing/2014/main" id="{2A904508-D88D-5040-B441-813252261CC7}"/>
+              </a:ext>
+            </a:extLst>
+          </p:cNvPr>
           <p:cNvSpPr>
             <a:spLocks noGrp="1"/>
           </p:cNvSpPr>
@@ -772,44 +1242,49 @@
           <a:p>
             <a:pPr lvl="0"/>
             <a:r>
-              <a:rPr lang="en-CA"/>
+              <a:rPr lang="en-US"/>
               <a:t>Click to edit Master text styles</a:t>
             </a:r>
           </a:p>
           <a:p>
             <a:pPr lvl="1"/>
             <a:r>
-              <a:rPr lang="en-CA"/>
+              <a:rPr lang="en-US"/>
               <a:t>Second level</a:t>
             </a:r>
           </a:p>
           <a:p>
             <a:pPr lvl="2"/>
             <a:r>
-              <a:rPr lang="en-CA"/>
+              <a:rPr lang="en-US"/>
               <a:t>Third level</a:t>
             </a:r>
           </a:p>
           <a:p>
             <a:pPr lvl="3"/>
             <a:r>
-              <a:rPr lang="en-CA"/>
+              <a:rPr lang="en-US"/>
               <a:t>Fourth level</a:t>
             </a:r>
           </a:p>
           <a:p>
             <a:pPr lvl="4"/>
             <a:r>
-              <a:rPr lang="en-CA"/>
+              <a:rPr lang="en-US"/>
               <a:t>Fifth level</a:t>
             </a:r>
-            <a:endParaRPr lang="en-US"/>
-          </a:p>
-        </p:txBody>
-      </p:sp>
-      <p:sp>
-        <p:nvSpPr>
-          <p:cNvPr id="4" name="Date Placeholder 3"/>
+          </a:p>
+        </p:txBody>
+      </p:sp>
+      <p:sp>
+        <p:nvSpPr>
+          <p:cNvPr id="4" name="Date Placeholder 3">
+            <a:extLst>
+              <a:ext uri="{FF2B5EF4-FFF2-40B4-BE49-F238E27FC236}">
+                <a16:creationId xmlns:a16="http://schemas.microsoft.com/office/drawing/2014/main" id="{C24CE1CB-5357-9D64-D967-4C3C418C983B}"/>
+              </a:ext>
+            </a:extLst>
+          </p:cNvPr>
           <p:cNvSpPr>
             <a:spLocks noGrp="1"/>
           </p:cNvSpPr>
@@ -822,9 +1297,9 @@
           <a:bodyPr/>
           <a:lstStyle/>
           <a:p>
-            <a:fld id="{779256A2-DE0C-7447-B687-786F38514E8C}" type="datetimeFigureOut">
+            <a:fld id="{FB226B89-EA91-A34A-A9A9-A05433C06F31}" type="datetimeFigureOut">
               <a:rPr lang="en-US" smtClean="0"/>
-              <a:t>9/4/19</a:t>
+              <a:t>2/8/25</a:t>
             </a:fld>
             <a:endParaRPr lang="en-US"/>
           </a:p>
@@ -832,7 +1307,13 @@
       </p:sp>
       <p:sp>
         <p:nvSpPr>
-          <p:cNvPr id="5" name="Footer Placeholder 4"/>
+          <p:cNvPr id="5" name="Footer Placeholder 4">
+            <a:extLst>
+              <a:ext uri="{FF2B5EF4-FFF2-40B4-BE49-F238E27FC236}">
+                <a16:creationId xmlns:a16="http://schemas.microsoft.com/office/drawing/2014/main" id="{DB39C1E4-042A-CA59-81C2-99CB7E63F2B4}"/>
+              </a:ext>
+            </a:extLst>
+          </p:cNvPr>
           <p:cNvSpPr>
             <a:spLocks noGrp="1"/>
           </p:cNvSpPr>
@@ -851,7 +1332,13 @@
       </p:sp>
       <p:sp>
         <p:nvSpPr>
-          <p:cNvPr id="6" name="Slide Number Placeholder 5"/>
+          <p:cNvPr id="6" name="Slide Number Placeholder 5">
+            <a:extLst>
+              <a:ext uri="{FF2B5EF4-FFF2-40B4-BE49-F238E27FC236}">
+                <a16:creationId xmlns:a16="http://schemas.microsoft.com/office/drawing/2014/main" id="{DD1D64AE-CD69-65C5-1A4F-823A1A7E67CC}"/>
+              </a:ext>
+            </a:extLst>
+          </p:cNvPr>
           <p:cNvSpPr>
             <a:spLocks noGrp="1"/>
           </p:cNvSpPr>
@@ -864,7 +1351,7 @@
           <a:bodyPr/>
           <a:lstStyle/>
           <a:p>
-            <a:fld id="{D1E6B054-2327-D043-B7B5-4043E46ED170}" type="slidenum">
+            <a:fld id="{5E5E8CFD-A770-524A-9614-99B0EE65BBFA}" type="slidenum">
               <a:rPr lang="en-US" smtClean="0"/>
               <a:t>‹#›</a:t>
             </a:fld>
@@ -875,7 +1362,7 @@
     </p:spTree>
     <p:extLst>
       <p:ext uri="{BB962C8B-B14F-4D97-AF65-F5344CB8AC3E}">
-        <p14:creationId xmlns:p14="http://schemas.microsoft.com/office/powerpoint/2010/main" val="2309045098"/>
+        <p14:creationId xmlns:p14="http://schemas.microsoft.com/office/powerpoint/2010/main" val="2696799215"/>
       </p:ext>
     </p:extLst>
   </p:cSld>
@@ -904,7 +1391,13 @@
       </p:grpSpPr>
       <p:sp>
         <p:nvSpPr>
-          <p:cNvPr id="2" name="Title 1"/>
+          <p:cNvPr id="2" name="Title 1">
+            <a:extLst>
+              <a:ext uri="{FF2B5EF4-FFF2-40B4-BE49-F238E27FC236}">
+                <a16:creationId xmlns:a16="http://schemas.microsoft.com/office/drawing/2014/main" id="{D8EF5F6A-7F58-CC83-0056-875C4873FC47}"/>
+              </a:ext>
+            </a:extLst>
+          </p:cNvPr>
           <p:cNvSpPr>
             <a:spLocks noGrp="1"/>
           </p:cNvSpPr>
@@ -914,29 +1407,34 @@
         </p:nvSpPr>
         <p:spPr>
           <a:xfrm>
-            <a:off x="722313" y="4406900"/>
-            <a:ext cx="7772400" cy="1362075"/>
+            <a:off x="831850" y="1709738"/>
+            <a:ext cx="10515600" cy="2852737"/>
           </a:xfrm>
         </p:spPr>
         <p:txBody>
-          <a:bodyPr anchor="t"/>
+          <a:bodyPr anchor="b"/>
           <a:lstStyle>
-            <a:lvl1pPr algn="l">
-              <a:defRPr sz="4000" b="1" cap="all"/>
+            <a:lvl1pPr>
+              <a:defRPr sz="6000"/>
             </a:lvl1pPr>
           </a:lstStyle>
           <a:p>
             <a:r>
-              <a:rPr lang="en-CA"/>
+              <a:rPr lang="en-US"/>
               <a:t>Click to edit Master title style</a:t>
             </a:r>
-            <a:endParaRPr lang="en-US"/>
-          </a:p>
-        </p:txBody>
-      </p:sp>
-      <p:sp>
-        <p:nvSpPr>
-          <p:cNvPr id="3" name="Text Placeholder 2"/>
+          </a:p>
+        </p:txBody>
+      </p:sp>
+      <p:sp>
+        <p:nvSpPr>
+          <p:cNvPr id="3" name="Text Placeholder 2">
+            <a:extLst>
+              <a:ext uri="{FF2B5EF4-FFF2-40B4-BE49-F238E27FC236}">
+                <a16:creationId xmlns:a16="http://schemas.microsoft.com/office/drawing/2014/main" id="{EA1BB916-F8A8-AEFB-3B76-4E02A9E9A090}"/>
+              </a:ext>
+            </a:extLst>
+          </p:cNvPr>
           <p:cNvSpPr>
             <a:spLocks noGrp="1"/>
           </p:cNvSpPr>
@@ -946,99 +1444,99 @@
         </p:nvSpPr>
         <p:spPr>
           <a:xfrm>
-            <a:off x="722313" y="2906713"/>
-            <a:ext cx="7772400" cy="1500187"/>
+            <a:off x="831850" y="4589463"/>
+            <a:ext cx="10515600" cy="1500187"/>
           </a:xfrm>
         </p:spPr>
         <p:txBody>
-          <a:bodyPr anchor="b"/>
+          <a:bodyPr/>
           <a:lstStyle>
             <a:lvl1pPr marL="0" indent="0">
               <a:buNone/>
-              <a:defRPr sz="2000">
+              <a:defRPr sz="2400">
                 <a:solidFill>
                   <a:schemeClr val="tx1">
-                    <a:tint val="75000"/>
+                    <a:tint val="82000"/>
                   </a:schemeClr>
                 </a:solidFill>
               </a:defRPr>
             </a:lvl1pPr>
             <a:lvl2pPr marL="457200" indent="0">
               <a:buNone/>
-              <a:defRPr sz="1800">
+              <a:defRPr sz="2000">
                 <a:solidFill>
                   <a:schemeClr val="tx1">
-                    <a:tint val="75000"/>
+                    <a:tint val="82000"/>
                   </a:schemeClr>
                 </a:solidFill>
               </a:defRPr>
             </a:lvl2pPr>
             <a:lvl3pPr marL="914400" indent="0">
               <a:buNone/>
-              <a:defRPr sz="1600">
+              <a:defRPr sz="1800">
                 <a:solidFill>
                   <a:schemeClr val="tx1">
-                    <a:tint val="75000"/>
+                    <a:tint val="82000"/>
                   </a:schemeClr>
                 </a:solidFill>
               </a:defRPr>
             </a:lvl3pPr>
             <a:lvl4pPr marL="1371600" indent="0">
               <a:buNone/>
-              <a:defRPr sz="1400">
+              <a:defRPr sz="1600">
                 <a:solidFill>
                   <a:schemeClr val="tx1">
-                    <a:tint val="75000"/>
+                    <a:tint val="82000"/>
                   </a:schemeClr>
                 </a:solidFill>
               </a:defRPr>
             </a:lvl4pPr>
             <a:lvl5pPr marL="1828800" indent="0">
               <a:buNone/>
-              <a:defRPr sz="1400">
+              <a:defRPr sz="1600">
                 <a:solidFill>
                   <a:schemeClr val="tx1">
-                    <a:tint val="75000"/>
+                    <a:tint val="82000"/>
                   </a:schemeClr>
                 </a:solidFill>
               </a:defRPr>
             </a:lvl5pPr>
             <a:lvl6pPr marL="2286000" indent="0">
               <a:buNone/>
-              <a:defRPr sz="1400">
+              <a:defRPr sz="1600">
                 <a:solidFill>
                   <a:schemeClr val="tx1">
-                    <a:tint val="75000"/>
+                    <a:tint val="82000"/>
                   </a:schemeClr>
                 </a:solidFill>
               </a:defRPr>
             </a:lvl6pPr>
             <a:lvl7pPr marL="2743200" indent="0">
               <a:buNone/>
-              <a:defRPr sz="1400">
+              <a:defRPr sz="1600">
                 <a:solidFill>
                   <a:schemeClr val="tx1">
-                    <a:tint val="75000"/>
+                    <a:tint val="82000"/>
                   </a:schemeClr>
                 </a:solidFill>
               </a:defRPr>
             </a:lvl7pPr>
             <a:lvl8pPr marL="3200400" indent="0">
               <a:buNone/>
-              <a:defRPr sz="1400">
+              <a:defRPr sz="1600">
                 <a:solidFill>
                   <a:schemeClr val="tx1">
-                    <a:tint val="75000"/>
+                    <a:tint val="82000"/>
                   </a:schemeClr>
                 </a:solidFill>
               </a:defRPr>
             </a:lvl8pPr>
             <a:lvl9pPr marL="3657600" indent="0">
               <a:buNone/>
-              <a:defRPr sz="1400">
+              <a:defRPr sz="1600">
                 <a:solidFill>
                   <a:schemeClr val="tx1">
-                    <a:tint val="75000"/>
+                    <a:tint val="82000"/>
                   </a:schemeClr>
                 </a:solidFill>
               </a:defRPr>
@@ -1047,7 +1545,7 @@
           <a:p>
             <a:pPr lvl="0"/>
             <a:r>
-              <a:rPr lang="en-CA"/>
+              <a:rPr lang="en-US"/>
               <a:t>Click to edit Master text styles</a:t>
             </a:r>
           </a:p>
@@ -1055,7 +1553,13 @@
       </p:sp>
       <p:sp>
         <p:nvSpPr>
-          <p:cNvPr id="4" name="Date Placeholder 3"/>
+          <p:cNvPr id="4" name="Date Placeholder 3">
+            <a:extLst>
+              <a:ext uri="{FF2B5EF4-FFF2-40B4-BE49-F238E27FC236}">
+                <a16:creationId xmlns:a16="http://schemas.microsoft.com/office/drawing/2014/main" id="{3814AA2C-7409-BF39-FAC2-F74600300756}"/>
+              </a:ext>
+            </a:extLst>
+          </p:cNvPr>
           <p:cNvSpPr>
             <a:spLocks noGrp="1"/>
           </p:cNvSpPr>
@@ -1068,9 +1572,9 @@
           <a:bodyPr/>
           <a:lstStyle/>
           <a:p>
-            <a:fld id="{779256A2-DE0C-7447-B687-786F38514E8C}" type="datetimeFigureOut">
+            <a:fld id="{FB226B89-EA91-A34A-A9A9-A05433C06F31}" type="datetimeFigureOut">
               <a:rPr lang="en-US" smtClean="0"/>
-              <a:t>9/4/19</a:t>
+              <a:t>2/8/25</a:t>
             </a:fld>
             <a:endParaRPr lang="en-US"/>
           </a:p>
@@ -1078,7 +1582,13 @@
       </p:sp>
       <p:sp>
         <p:nvSpPr>
-          <p:cNvPr id="5" name="Footer Placeholder 4"/>
+          <p:cNvPr id="5" name="Footer Placeholder 4">
+            <a:extLst>
+              <a:ext uri="{FF2B5EF4-FFF2-40B4-BE49-F238E27FC236}">
+                <a16:creationId xmlns:a16="http://schemas.microsoft.com/office/drawing/2014/main" id="{F7790393-C56B-0CFA-D537-96C353CC1C73}"/>
+              </a:ext>
+            </a:extLst>
+          </p:cNvPr>
           <p:cNvSpPr>
             <a:spLocks noGrp="1"/>
           </p:cNvSpPr>
@@ -1097,7 +1607,13 @@
       </p:sp>
       <p:sp>
         <p:nvSpPr>
-          <p:cNvPr id="6" name="Slide Number Placeholder 5"/>
+          <p:cNvPr id="6" name="Slide Number Placeholder 5">
+            <a:extLst>
+              <a:ext uri="{FF2B5EF4-FFF2-40B4-BE49-F238E27FC236}">
+                <a16:creationId xmlns:a16="http://schemas.microsoft.com/office/drawing/2014/main" id="{02DD517C-694B-3D7E-7C72-F132B5F11B99}"/>
+              </a:ext>
+            </a:extLst>
+          </p:cNvPr>
           <p:cNvSpPr>
             <a:spLocks noGrp="1"/>
           </p:cNvSpPr>
@@ -1110,7 +1626,7 @@
           <a:bodyPr/>
           <a:lstStyle/>
           <a:p>
-            <a:fld id="{D1E6B054-2327-D043-B7B5-4043E46ED170}" type="slidenum">
+            <a:fld id="{5E5E8CFD-A770-524A-9614-99B0EE65BBFA}" type="slidenum">
               <a:rPr lang="en-US" smtClean="0"/>
               <a:t>‹#›</a:t>
             </a:fld>
@@ -1121,7 +1637,7 @@
     </p:spTree>
     <p:extLst>
       <p:ext uri="{BB962C8B-B14F-4D97-AF65-F5344CB8AC3E}">
-        <p14:creationId xmlns:p14="http://schemas.microsoft.com/office/powerpoint/2010/main" val="3000644066"/>
+        <p14:creationId xmlns:p14="http://schemas.microsoft.com/office/powerpoint/2010/main" val="4132980612"/>
       </p:ext>
     </p:extLst>
   </p:cSld>
@@ -1150,7 +1666,13 @@
       </p:grpSpPr>
       <p:sp>
         <p:nvSpPr>
-          <p:cNvPr id="2" name="Title 1"/>
+          <p:cNvPr id="2" name="Title 1">
+            <a:extLst>
+              <a:ext uri="{FF2B5EF4-FFF2-40B4-BE49-F238E27FC236}">
+                <a16:creationId xmlns:a16="http://schemas.microsoft.com/office/drawing/2014/main" id="{B2F83B89-8B37-C11A-5FC3-FF85AA42D6EE}"/>
+              </a:ext>
+            </a:extLst>
+          </p:cNvPr>
           <p:cNvSpPr>
             <a:spLocks noGrp="1"/>
           </p:cNvSpPr>
@@ -1164,16 +1686,21 @@
           <a:lstStyle/>
           <a:p>
             <a:r>
-              <a:rPr lang="en-CA"/>
+              <a:rPr lang="en-US"/>
               <a:t>Click to edit Master title style</a:t>
             </a:r>
-            <a:endParaRPr lang="en-US"/>
-          </a:p>
-        </p:txBody>
-      </p:sp>
-      <p:sp>
-        <p:nvSpPr>
-          <p:cNvPr id="3" name="Content Placeholder 2"/>
+          </a:p>
+        </p:txBody>
+      </p:sp>
+      <p:sp>
+        <p:nvSpPr>
+          <p:cNvPr id="3" name="Content Placeholder 2">
+            <a:extLst>
+              <a:ext uri="{FF2B5EF4-FFF2-40B4-BE49-F238E27FC236}">
+                <a16:creationId xmlns:a16="http://schemas.microsoft.com/office/drawing/2014/main" id="{90A8DF33-5A81-1C12-822E-8A6CD03BCF58}"/>
+              </a:ext>
+            </a:extLst>
+          </p:cNvPr>
           <p:cNvSpPr>
             <a:spLocks noGrp="1"/>
           </p:cNvSpPr>
@@ -1183,82 +1710,59 @@
         </p:nvSpPr>
         <p:spPr>
           <a:xfrm>
-            <a:off x="457200" y="1600200"/>
-            <a:ext cx="4038600" cy="4525963"/>
+            <a:off x="838200" y="1825625"/>
+            <a:ext cx="5181600" cy="4351338"/>
           </a:xfrm>
         </p:spPr>
         <p:txBody>
           <a:bodyPr/>
-          <a:lstStyle>
-            <a:lvl1pPr>
-              <a:defRPr sz="2800"/>
-            </a:lvl1pPr>
-            <a:lvl2pPr>
-              <a:defRPr sz="2400"/>
-            </a:lvl2pPr>
-            <a:lvl3pPr>
-              <a:defRPr sz="2000"/>
-            </a:lvl3pPr>
-            <a:lvl4pPr>
-              <a:defRPr sz="1800"/>
-            </a:lvl4pPr>
-            <a:lvl5pPr>
-              <a:defRPr sz="1800"/>
-            </a:lvl5pPr>
-            <a:lvl6pPr>
-              <a:defRPr sz="1800"/>
-            </a:lvl6pPr>
-            <a:lvl7pPr>
-              <a:defRPr sz="1800"/>
-            </a:lvl7pPr>
-            <a:lvl8pPr>
-              <a:defRPr sz="1800"/>
-            </a:lvl8pPr>
-            <a:lvl9pPr>
-              <a:defRPr sz="1800"/>
-            </a:lvl9pPr>
-          </a:lstStyle>
+          <a:lstStyle/>
           <a:p>
             <a:pPr lvl="0"/>
             <a:r>
-              <a:rPr lang="en-CA"/>
+              <a:rPr lang="en-US"/>
               <a:t>Click to edit Master text styles</a:t>
             </a:r>
           </a:p>
           <a:p>
             <a:pPr lvl="1"/>
             <a:r>
-              <a:rPr lang="en-CA"/>
+              <a:rPr lang="en-US"/>
               <a:t>Second level</a:t>
             </a:r>
           </a:p>
           <a:p>
             <a:pPr lvl="2"/>
             <a:r>
-              <a:rPr lang="en-CA"/>
+              <a:rPr lang="en-US"/>
               <a:t>Third level</a:t>
             </a:r>
           </a:p>
           <a:p>
             <a:pPr lvl="3"/>
             <a:r>
-              <a:rPr lang="en-CA"/>
+              <a:rPr lang="en-US"/>
               <a:t>Fourth level</a:t>
             </a:r>
           </a:p>
           <a:p>
             <a:pPr lvl="4"/>
             <a:r>
-              <a:rPr lang="en-CA"/>
+              <a:rPr lang="en-US"/>
               <a:t>Fifth level</a:t>
             </a:r>
-            <a:endParaRPr lang="en-US"/>
-          </a:p>
-        </p:txBody>
-      </p:sp>
-      <p:sp>
-        <p:nvSpPr>
-          <p:cNvPr id="4" name="Content Placeholder 3"/>
+          </a:p>
+        </p:txBody>
+      </p:sp>
+      <p:sp>
+        <p:nvSpPr>
+          <p:cNvPr id="4" name="Content Placeholder 3">
+            <a:extLst>
+              <a:ext uri="{FF2B5EF4-FFF2-40B4-BE49-F238E27FC236}">
+                <a16:creationId xmlns:a16="http://schemas.microsoft.com/office/drawing/2014/main" id="{B230CE65-3AB6-53C5-F028-130EBF0122F3}"/>
+              </a:ext>
+            </a:extLst>
+          </p:cNvPr>
           <p:cNvSpPr>
             <a:spLocks noGrp="1"/>
           </p:cNvSpPr>
@@ -1268,82 +1772,59 @@
         </p:nvSpPr>
         <p:spPr>
           <a:xfrm>
-            <a:off x="4648200" y="1600200"/>
-            <a:ext cx="4038600" cy="4525963"/>
+            <a:off x="6172200" y="1825625"/>
+            <a:ext cx="5181600" cy="4351338"/>
           </a:xfrm>
         </p:spPr>
         <p:txBody>
           <a:bodyPr/>
-          <a:lstStyle>
-            <a:lvl1pPr>
-              <a:defRPr sz="2800"/>
-            </a:lvl1pPr>
-            <a:lvl2pPr>
-              <a:defRPr sz="2400"/>
-            </a:lvl2pPr>
-            <a:lvl3pPr>
-              <a:defRPr sz="2000"/>
-            </a:lvl3pPr>
-            <a:lvl4pPr>
-              <a:defRPr sz="1800"/>
-            </a:lvl4pPr>
-            <a:lvl5pPr>
-              <a:defRPr sz="1800"/>
-            </a:lvl5pPr>
-            <a:lvl6pPr>
-              <a:defRPr sz="1800"/>
-            </a:lvl6pPr>
-            <a:lvl7pPr>
-              <a:defRPr sz="1800"/>
-            </a:lvl7pPr>
-            <a:lvl8pPr>
-              <a:defRPr sz="1800"/>
-            </a:lvl8pPr>
-            <a:lvl9pPr>
-              <a:defRPr sz="1800"/>
-            </a:lvl9pPr>
-          </a:lstStyle>
+          <a:lstStyle/>
           <a:p>
             <a:pPr lvl="0"/>
             <a:r>
-              <a:rPr lang="en-CA"/>
+              <a:rPr lang="en-US"/>
               <a:t>Click to edit Master text styles</a:t>
             </a:r>
           </a:p>
           <a:p>
             <a:pPr lvl="1"/>
             <a:r>
-              <a:rPr lang="en-CA"/>
+              <a:rPr lang="en-US"/>
               <a:t>Second level</a:t>
             </a:r>
           </a:p>
           <a:p>
             <a:pPr lvl="2"/>
             <a:r>
-              <a:rPr lang="en-CA"/>
+              <a:rPr lang="en-US"/>
               <a:t>Third level</a:t>
             </a:r>
           </a:p>
           <a:p>
             <a:pPr lvl="3"/>
             <a:r>
-              <a:rPr lang="en-CA"/>
+              <a:rPr lang="en-US"/>
               <a:t>Fourth level</a:t>
             </a:r>
           </a:p>
           <a:p>
             <a:pPr lvl="4"/>
             <a:r>
-              <a:rPr lang="en-CA"/>
+              <a:rPr lang="en-US"/>
               <a:t>Fifth level</a:t>
             </a:r>
-            <a:endParaRPr lang="en-US"/>
-          </a:p>
-        </p:txBody>
-      </p:sp>
-      <p:sp>
-        <p:nvSpPr>
-          <p:cNvPr id="5" name="Date Placeholder 4"/>
+          </a:p>
+        </p:txBody>
+      </p:sp>
+      <p:sp>
+        <p:nvSpPr>
+          <p:cNvPr id="5" name="Date Placeholder 4">
+            <a:extLst>
+              <a:ext uri="{FF2B5EF4-FFF2-40B4-BE49-F238E27FC236}">
+                <a16:creationId xmlns:a16="http://schemas.microsoft.com/office/drawing/2014/main" id="{6EDEF691-A1CF-D207-A7F2-1DAB0DEA9BB1}"/>
+              </a:ext>
+            </a:extLst>
+          </p:cNvPr>
           <p:cNvSpPr>
             <a:spLocks noGrp="1"/>
           </p:cNvSpPr>
@@ -1356,9 +1837,9 @@
           <a:bodyPr/>
           <a:lstStyle/>
           <a:p>
-            <a:fld id="{779256A2-DE0C-7447-B687-786F38514E8C}" type="datetimeFigureOut">
+            <a:fld id="{FB226B89-EA91-A34A-A9A9-A05433C06F31}" type="datetimeFigureOut">
               <a:rPr lang="en-US" smtClean="0"/>
-              <a:t>9/4/19</a:t>
+              <a:t>2/8/25</a:t>
             </a:fld>
             <a:endParaRPr lang="en-US"/>
           </a:p>
@@ -1366,7 +1847,13 @@
       </p:sp>
       <p:sp>
         <p:nvSpPr>
-          <p:cNvPr id="6" name="Footer Placeholder 5"/>
+          <p:cNvPr id="6" name="Footer Placeholder 5">
+            <a:extLst>
+              <a:ext uri="{FF2B5EF4-FFF2-40B4-BE49-F238E27FC236}">
+                <a16:creationId xmlns:a16="http://schemas.microsoft.com/office/drawing/2014/main" id="{DA327E12-2EAF-2F02-6C52-31D0F7D88A5B}"/>
+              </a:ext>
+            </a:extLst>
+          </p:cNvPr>
           <p:cNvSpPr>
             <a:spLocks noGrp="1"/>
           </p:cNvSpPr>
@@ -1385,7 +1872,13 @@
       </p:sp>
       <p:sp>
         <p:nvSpPr>
-          <p:cNvPr id="7" name="Slide Number Placeholder 6"/>
+          <p:cNvPr id="7" name="Slide Number Placeholder 6">
+            <a:extLst>
+              <a:ext uri="{FF2B5EF4-FFF2-40B4-BE49-F238E27FC236}">
+                <a16:creationId xmlns:a16="http://schemas.microsoft.com/office/drawing/2014/main" id="{E59CAA50-0725-4250-E483-D05486B215DC}"/>
+              </a:ext>
+            </a:extLst>
+          </p:cNvPr>
           <p:cNvSpPr>
             <a:spLocks noGrp="1"/>
           </p:cNvSpPr>
@@ -1398,7 +1891,7 @@
           <a:bodyPr/>
           <a:lstStyle/>
           <a:p>
-            <a:fld id="{D1E6B054-2327-D043-B7B5-4043E46ED170}" type="slidenum">
+            <a:fld id="{5E5E8CFD-A770-524A-9614-99B0EE65BBFA}" type="slidenum">
               <a:rPr lang="en-US" smtClean="0"/>
               <a:t>‹#›</a:t>
             </a:fld>
@@ -1409,7 +1902,7 @@
     </p:spTree>
     <p:extLst>
       <p:ext uri="{BB962C8B-B14F-4D97-AF65-F5344CB8AC3E}">
-        <p14:creationId xmlns:p14="http://schemas.microsoft.com/office/powerpoint/2010/main" val="1759991822"/>
+        <p14:creationId xmlns:p14="http://schemas.microsoft.com/office/powerpoint/2010/main" val="2213913561"/>
       </p:ext>
     </p:extLst>
   </p:cSld>
@@ -1438,45 +1931,57 @@
       </p:grpSpPr>
       <p:sp>
         <p:nvSpPr>
-          <p:cNvPr id="2" name="Title 1"/>
+          <p:cNvPr id="2" name="Title 1">
+            <a:extLst>
+              <a:ext uri="{FF2B5EF4-FFF2-40B4-BE49-F238E27FC236}">
+                <a16:creationId xmlns:a16="http://schemas.microsoft.com/office/drawing/2014/main" id="{9CC73342-54DD-4DFD-6F73-CE8CA0BB5693}"/>
+              </a:ext>
+            </a:extLst>
+          </p:cNvPr>
           <p:cNvSpPr>
             <a:spLocks noGrp="1"/>
           </p:cNvSpPr>
           <p:nvPr>
             <p:ph type="title"/>
-          </p:nvPr>
-        </p:nvSpPr>
-        <p:spPr/>
-        <p:txBody>
-          <a:bodyPr/>
-          <a:lstStyle>
-            <a:lvl1pPr>
-              <a:defRPr/>
-            </a:lvl1pPr>
-          </a:lstStyle>
-          <a:p>
-            <a:r>
-              <a:rPr lang="en-CA"/>
-              <a:t>Click to edit Master title style</a:t>
-            </a:r>
-            <a:endParaRPr lang="en-US"/>
-          </a:p>
-        </p:txBody>
-      </p:sp>
-      <p:sp>
-        <p:nvSpPr>
-          <p:cNvPr id="3" name="Text Placeholder 2"/>
-          <p:cNvSpPr>
-            <a:spLocks noGrp="1"/>
-          </p:cNvSpPr>
-          <p:nvPr>
-            <p:ph type="body" idx="1"/>
           </p:nvPr>
         </p:nvSpPr>
         <p:spPr>
           <a:xfrm>
-            <a:off x="457200" y="1535113"/>
-            <a:ext cx="4040188" cy="639762"/>
+            <a:off x="839788" y="365125"/>
+            <a:ext cx="10515600" cy="1325563"/>
+          </a:xfrm>
+        </p:spPr>
+        <p:txBody>
+          <a:bodyPr/>
+          <a:lstStyle/>
+          <a:p>
+            <a:r>
+              <a:rPr lang="en-US"/>
+              <a:t>Click to edit Master title style</a:t>
+            </a:r>
+          </a:p>
+        </p:txBody>
+      </p:sp>
+      <p:sp>
+        <p:nvSpPr>
+          <p:cNvPr id="3" name="Text Placeholder 2">
+            <a:extLst>
+              <a:ext uri="{FF2B5EF4-FFF2-40B4-BE49-F238E27FC236}">
+                <a16:creationId xmlns:a16="http://schemas.microsoft.com/office/drawing/2014/main" id="{16F8C25E-83C4-7DF7-BD58-BC4BBED2CC73}"/>
+              </a:ext>
+            </a:extLst>
+          </p:cNvPr>
+          <p:cNvSpPr>
+            <a:spLocks noGrp="1"/>
+          </p:cNvSpPr>
+          <p:nvPr>
+            <p:ph type="body" idx="1"/>
+          </p:nvPr>
+        </p:nvSpPr>
+        <p:spPr>
+          <a:xfrm>
+            <a:off x="839788" y="1681163"/>
+            <a:ext cx="5157787" cy="823912"/>
           </a:xfrm>
         </p:spPr>
         <p:txBody>
@@ -1522,7 +2027,7 @@
           <a:p>
             <a:pPr lvl="0"/>
             <a:r>
-              <a:rPr lang="en-CA"/>
+              <a:rPr lang="en-US"/>
               <a:t>Click to edit Master text styles</a:t>
             </a:r>
           </a:p>
@@ -1530,7 +2035,13 @@
       </p:sp>
       <p:sp>
         <p:nvSpPr>
-          <p:cNvPr id="4" name="Content Placeholder 3"/>
+          <p:cNvPr id="4" name="Content Placeholder 3">
+            <a:extLst>
+              <a:ext uri="{FF2B5EF4-FFF2-40B4-BE49-F238E27FC236}">
+                <a16:creationId xmlns:a16="http://schemas.microsoft.com/office/drawing/2014/main" id="{27C21140-8492-97AD-BE25-32346205B40F}"/>
+              </a:ext>
+            </a:extLst>
+          </p:cNvPr>
           <p:cNvSpPr>
             <a:spLocks noGrp="1"/>
           </p:cNvSpPr>
@@ -1540,82 +2051,59 @@
         </p:nvSpPr>
         <p:spPr>
           <a:xfrm>
-            <a:off x="457200" y="2174875"/>
-            <a:ext cx="4040188" cy="3951288"/>
+            <a:off x="839788" y="2505075"/>
+            <a:ext cx="5157787" cy="3684588"/>
           </a:xfrm>
         </p:spPr>
         <p:txBody>
           <a:bodyPr/>
-          <a:lstStyle>
-            <a:lvl1pPr>
-              <a:defRPr sz="2400"/>
-            </a:lvl1pPr>
-            <a:lvl2pPr>
-              <a:defRPr sz="2000"/>
-            </a:lvl2pPr>
-            <a:lvl3pPr>
-              <a:defRPr sz="1800"/>
-            </a:lvl3pPr>
-            <a:lvl4pPr>
-              <a:defRPr sz="1600"/>
-            </a:lvl4pPr>
-            <a:lvl5pPr>
-              <a:defRPr sz="1600"/>
-            </a:lvl5pPr>
-            <a:lvl6pPr>
-              <a:defRPr sz="1600"/>
-            </a:lvl6pPr>
-            <a:lvl7pPr>
-              <a:defRPr sz="1600"/>
-            </a:lvl7pPr>
-            <a:lvl8pPr>
-              <a:defRPr sz="1600"/>
-            </a:lvl8pPr>
-            <a:lvl9pPr>
-              <a:defRPr sz="1600"/>
-            </a:lvl9pPr>
-          </a:lstStyle>
+          <a:lstStyle/>
           <a:p>
             <a:pPr lvl="0"/>
             <a:r>
-              <a:rPr lang="en-CA"/>
+              <a:rPr lang="en-US"/>
               <a:t>Click to edit Master text styles</a:t>
             </a:r>
           </a:p>
           <a:p>
             <a:pPr lvl="1"/>
             <a:r>
-              <a:rPr lang="en-CA"/>
+              <a:rPr lang="en-US"/>
               <a:t>Second level</a:t>
             </a:r>
           </a:p>
           <a:p>
             <a:pPr lvl="2"/>
             <a:r>
-              <a:rPr lang="en-CA"/>
+              <a:rPr lang="en-US"/>
               <a:t>Third level</a:t>
             </a:r>
           </a:p>
           <a:p>
             <a:pPr lvl="3"/>
             <a:r>
-              <a:rPr lang="en-CA"/>
+              <a:rPr lang="en-US"/>
               <a:t>Fourth level</a:t>
             </a:r>
           </a:p>
           <a:p>
             <a:pPr lvl="4"/>
             <a:r>
-              <a:rPr lang="en-CA"/>
+              <a:rPr lang="en-US"/>
               <a:t>Fifth level</a:t>
             </a:r>
-            <a:endParaRPr lang="en-US"/>
-          </a:p>
-        </p:txBody>
-      </p:sp>
-      <p:sp>
-        <p:nvSpPr>
-          <p:cNvPr id="5" name="Text Placeholder 4"/>
+          </a:p>
+        </p:txBody>
+      </p:sp>
+      <p:sp>
+        <p:nvSpPr>
+          <p:cNvPr id="5" name="Text Placeholder 4">
+            <a:extLst>
+              <a:ext uri="{FF2B5EF4-FFF2-40B4-BE49-F238E27FC236}">
+                <a16:creationId xmlns:a16="http://schemas.microsoft.com/office/drawing/2014/main" id="{B00BC83F-C849-DF06-C869-7C48FDE1C443}"/>
+              </a:ext>
+            </a:extLst>
+          </p:cNvPr>
           <p:cNvSpPr>
             <a:spLocks noGrp="1"/>
           </p:cNvSpPr>
@@ -1625,8 +2113,8 @@
         </p:nvSpPr>
         <p:spPr>
           <a:xfrm>
-            <a:off x="4645025" y="1535113"/>
-            <a:ext cx="4041775" cy="639762"/>
+            <a:off x="6172200" y="1681163"/>
+            <a:ext cx="5183188" cy="823912"/>
           </a:xfrm>
         </p:spPr>
         <p:txBody>
@@ -1672,7 +2160,7 @@
           <a:p>
             <a:pPr lvl="0"/>
             <a:r>
-              <a:rPr lang="en-CA"/>
+              <a:rPr lang="en-US"/>
               <a:t>Click to edit Master text styles</a:t>
             </a:r>
           </a:p>
@@ -1680,7 +2168,13 @@
       </p:sp>
       <p:sp>
         <p:nvSpPr>
-          <p:cNvPr id="6" name="Content Placeholder 5"/>
+          <p:cNvPr id="6" name="Content Placeholder 5">
+            <a:extLst>
+              <a:ext uri="{FF2B5EF4-FFF2-40B4-BE49-F238E27FC236}">
+                <a16:creationId xmlns:a16="http://schemas.microsoft.com/office/drawing/2014/main" id="{05B4045B-8E56-629F-564D-7EA7CFABC50B}"/>
+              </a:ext>
+            </a:extLst>
+          </p:cNvPr>
           <p:cNvSpPr>
             <a:spLocks noGrp="1"/>
           </p:cNvSpPr>
@@ -1690,82 +2184,59 @@
         </p:nvSpPr>
         <p:spPr>
           <a:xfrm>
-            <a:off x="4645025" y="2174875"/>
-            <a:ext cx="4041775" cy="3951288"/>
+            <a:off x="6172200" y="2505075"/>
+            <a:ext cx="5183188" cy="3684588"/>
           </a:xfrm>
         </p:spPr>
         <p:txBody>
           <a:bodyPr/>
-          <a:lstStyle>
-            <a:lvl1pPr>
-              <a:defRPr sz="2400"/>
-            </a:lvl1pPr>
-            <a:lvl2pPr>
-              <a:defRPr sz="2000"/>
-            </a:lvl2pPr>
-            <a:lvl3pPr>
-              <a:defRPr sz="1800"/>
-            </a:lvl3pPr>
-            <a:lvl4pPr>
-              <a:defRPr sz="1600"/>
-            </a:lvl4pPr>
-            <a:lvl5pPr>
-              <a:defRPr sz="1600"/>
-            </a:lvl5pPr>
-            <a:lvl6pPr>
-              <a:defRPr sz="1600"/>
-            </a:lvl6pPr>
-            <a:lvl7pPr>
-              <a:defRPr sz="1600"/>
-            </a:lvl7pPr>
-            <a:lvl8pPr>
-              <a:defRPr sz="1600"/>
-            </a:lvl8pPr>
-            <a:lvl9pPr>
-              <a:defRPr sz="1600"/>
-            </a:lvl9pPr>
-          </a:lstStyle>
+          <a:lstStyle/>
           <a:p>
             <a:pPr lvl="0"/>
             <a:r>
-              <a:rPr lang="en-CA"/>
+              <a:rPr lang="en-US"/>
               <a:t>Click to edit Master text styles</a:t>
             </a:r>
           </a:p>
           <a:p>
             <a:pPr lvl="1"/>
             <a:r>
-              <a:rPr lang="en-CA"/>
+              <a:rPr lang="en-US"/>
               <a:t>Second level</a:t>
             </a:r>
           </a:p>
           <a:p>
             <a:pPr lvl="2"/>
             <a:r>
-              <a:rPr lang="en-CA"/>
+              <a:rPr lang="en-US"/>
               <a:t>Third level</a:t>
             </a:r>
           </a:p>
           <a:p>
             <a:pPr lvl="3"/>
             <a:r>
-              <a:rPr lang="en-CA"/>
+              <a:rPr lang="en-US"/>
               <a:t>Fourth level</a:t>
             </a:r>
           </a:p>
           <a:p>
             <a:pPr lvl="4"/>
             <a:r>
-              <a:rPr lang="en-CA"/>
+              <a:rPr lang="en-US"/>
               <a:t>Fifth level</a:t>
             </a:r>
-            <a:endParaRPr lang="en-US"/>
-          </a:p>
-        </p:txBody>
-      </p:sp>
-      <p:sp>
-        <p:nvSpPr>
-          <p:cNvPr id="7" name="Date Placeholder 6"/>
+          </a:p>
+        </p:txBody>
+      </p:sp>
+      <p:sp>
+        <p:nvSpPr>
+          <p:cNvPr id="7" name="Date Placeholder 6">
+            <a:extLst>
+              <a:ext uri="{FF2B5EF4-FFF2-40B4-BE49-F238E27FC236}">
+                <a16:creationId xmlns:a16="http://schemas.microsoft.com/office/drawing/2014/main" id="{D6387F67-4FC9-A71D-9CF5-5CD719DBE232}"/>
+              </a:ext>
+            </a:extLst>
+          </p:cNvPr>
           <p:cNvSpPr>
             <a:spLocks noGrp="1"/>
           </p:cNvSpPr>
@@ -1778,9 +2249,9 @@
           <a:bodyPr/>
           <a:lstStyle/>
           <a:p>
-            <a:fld id="{779256A2-DE0C-7447-B687-786F38514E8C}" type="datetimeFigureOut">
+            <a:fld id="{FB226B89-EA91-A34A-A9A9-A05433C06F31}" type="datetimeFigureOut">
               <a:rPr lang="en-US" smtClean="0"/>
-              <a:t>9/4/19</a:t>
+              <a:t>2/8/25</a:t>
             </a:fld>
             <a:endParaRPr lang="en-US"/>
           </a:p>
@@ -1788,7 +2259,13 @@
       </p:sp>
       <p:sp>
         <p:nvSpPr>
-          <p:cNvPr id="8" name="Footer Placeholder 7"/>
+          <p:cNvPr id="8" name="Footer Placeholder 7">
+            <a:extLst>
+              <a:ext uri="{FF2B5EF4-FFF2-40B4-BE49-F238E27FC236}">
+                <a16:creationId xmlns:a16="http://schemas.microsoft.com/office/drawing/2014/main" id="{14354CBC-35DE-5E36-C660-995795DD9D22}"/>
+              </a:ext>
+            </a:extLst>
+          </p:cNvPr>
           <p:cNvSpPr>
             <a:spLocks noGrp="1"/>
           </p:cNvSpPr>
@@ -1807,7 +2284,13 @@
       </p:sp>
       <p:sp>
         <p:nvSpPr>
-          <p:cNvPr id="9" name="Slide Number Placeholder 8"/>
+          <p:cNvPr id="9" name="Slide Number Placeholder 8">
+            <a:extLst>
+              <a:ext uri="{FF2B5EF4-FFF2-40B4-BE49-F238E27FC236}">
+                <a16:creationId xmlns:a16="http://schemas.microsoft.com/office/drawing/2014/main" id="{7DAE3F0B-4CC4-2655-A943-E35095DB1501}"/>
+              </a:ext>
+            </a:extLst>
+          </p:cNvPr>
           <p:cNvSpPr>
             <a:spLocks noGrp="1"/>
           </p:cNvSpPr>
@@ -1820,7 +2303,7 @@
           <a:bodyPr/>
           <a:lstStyle/>
           <a:p>
-            <a:fld id="{D1E6B054-2327-D043-B7B5-4043E46ED170}" type="slidenum">
+            <a:fld id="{5E5E8CFD-A770-524A-9614-99B0EE65BBFA}" type="slidenum">
               <a:rPr lang="en-US" smtClean="0"/>
               <a:t>‹#›</a:t>
             </a:fld>
@@ -1831,7 +2314,7 @@
     </p:spTree>
     <p:extLst>
       <p:ext uri="{BB962C8B-B14F-4D97-AF65-F5344CB8AC3E}">
-        <p14:creationId xmlns:p14="http://schemas.microsoft.com/office/powerpoint/2010/main" val="2069037642"/>
+        <p14:creationId xmlns:p14="http://schemas.microsoft.com/office/powerpoint/2010/main" val="3117226527"/>
       </p:ext>
     </p:extLst>
   </p:cSld>
@@ -1860,7 +2343,13 @@
       </p:grpSpPr>
       <p:sp>
         <p:nvSpPr>
-          <p:cNvPr id="2" name="Title 1"/>
+          <p:cNvPr id="2" name="Title 1">
+            <a:extLst>
+              <a:ext uri="{FF2B5EF4-FFF2-40B4-BE49-F238E27FC236}">
+                <a16:creationId xmlns:a16="http://schemas.microsoft.com/office/drawing/2014/main" id="{CCFBACD6-8C27-CC6E-C23D-1E168EB8A819}"/>
+              </a:ext>
+            </a:extLst>
+          </p:cNvPr>
           <p:cNvSpPr>
             <a:spLocks noGrp="1"/>
           </p:cNvSpPr>
@@ -1874,16 +2363,21 @@
           <a:lstStyle/>
           <a:p>
             <a:r>
-              <a:rPr lang="en-CA"/>
+              <a:rPr lang="en-US"/>
               <a:t>Click to edit Master title style</a:t>
             </a:r>
-            <a:endParaRPr lang="en-US"/>
-          </a:p>
-        </p:txBody>
-      </p:sp>
-      <p:sp>
-        <p:nvSpPr>
-          <p:cNvPr id="3" name="Date Placeholder 2"/>
+          </a:p>
+        </p:txBody>
+      </p:sp>
+      <p:sp>
+        <p:nvSpPr>
+          <p:cNvPr id="3" name="Date Placeholder 2">
+            <a:extLst>
+              <a:ext uri="{FF2B5EF4-FFF2-40B4-BE49-F238E27FC236}">
+                <a16:creationId xmlns:a16="http://schemas.microsoft.com/office/drawing/2014/main" id="{0CC1B913-E731-7000-736D-82A8BF28E8D3}"/>
+              </a:ext>
+            </a:extLst>
+          </p:cNvPr>
           <p:cNvSpPr>
             <a:spLocks noGrp="1"/>
           </p:cNvSpPr>
@@ -1896,9 +2390,9 @@
           <a:bodyPr/>
           <a:lstStyle/>
           <a:p>
-            <a:fld id="{779256A2-DE0C-7447-B687-786F38514E8C}" type="datetimeFigureOut">
+            <a:fld id="{FB226B89-EA91-A34A-A9A9-A05433C06F31}" type="datetimeFigureOut">
               <a:rPr lang="en-US" smtClean="0"/>
-              <a:t>9/4/19</a:t>
+              <a:t>2/8/25</a:t>
             </a:fld>
             <a:endParaRPr lang="en-US"/>
           </a:p>
@@ -1906,7 +2400,13 @@
       </p:sp>
       <p:sp>
         <p:nvSpPr>
-          <p:cNvPr id="4" name="Footer Placeholder 3"/>
+          <p:cNvPr id="4" name="Footer Placeholder 3">
+            <a:extLst>
+              <a:ext uri="{FF2B5EF4-FFF2-40B4-BE49-F238E27FC236}">
+                <a16:creationId xmlns:a16="http://schemas.microsoft.com/office/drawing/2014/main" id="{F0F14571-759D-6EAA-3096-DE40B9B6CA41}"/>
+              </a:ext>
+            </a:extLst>
+          </p:cNvPr>
           <p:cNvSpPr>
             <a:spLocks noGrp="1"/>
           </p:cNvSpPr>
@@ -1925,7 +2425,13 @@
       </p:sp>
       <p:sp>
         <p:nvSpPr>
-          <p:cNvPr id="5" name="Slide Number Placeholder 4"/>
+          <p:cNvPr id="5" name="Slide Number Placeholder 4">
+            <a:extLst>
+              <a:ext uri="{FF2B5EF4-FFF2-40B4-BE49-F238E27FC236}">
+                <a16:creationId xmlns:a16="http://schemas.microsoft.com/office/drawing/2014/main" id="{49F4D509-1375-95C5-3542-CBED3508C60C}"/>
+              </a:ext>
+            </a:extLst>
+          </p:cNvPr>
           <p:cNvSpPr>
             <a:spLocks noGrp="1"/>
           </p:cNvSpPr>
@@ -1938,7 +2444,7 @@
           <a:bodyPr/>
           <a:lstStyle/>
           <a:p>
-            <a:fld id="{D1E6B054-2327-D043-B7B5-4043E46ED170}" type="slidenum">
+            <a:fld id="{5E5E8CFD-A770-524A-9614-99B0EE65BBFA}" type="slidenum">
               <a:rPr lang="en-US" smtClean="0"/>
               <a:t>‹#›</a:t>
             </a:fld>
@@ -1949,7 +2455,7 @@
     </p:spTree>
     <p:extLst>
       <p:ext uri="{BB962C8B-B14F-4D97-AF65-F5344CB8AC3E}">
-        <p14:creationId xmlns:p14="http://schemas.microsoft.com/office/powerpoint/2010/main" val="2545465010"/>
+        <p14:creationId xmlns:p14="http://schemas.microsoft.com/office/powerpoint/2010/main" val="3627785340"/>
       </p:ext>
     </p:extLst>
   </p:cSld>
@@ -1978,7 +2484,13 @@
       </p:grpSpPr>
       <p:sp>
         <p:nvSpPr>
-          <p:cNvPr id="2" name="Date Placeholder 1"/>
+          <p:cNvPr id="2" name="Date Placeholder 1">
+            <a:extLst>
+              <a:ext uri="{FF2B5EF4-FFF2-40B4-BE49-F238E27FC236}">
+                <a16:creationId xmlns:a16="http://schemas.microsoft.com/office/drawing/2014/main" id="{33B605D3-CD23-D6CA-3D16-F3D7DDD37F5A}"/>
+              </a:ext>
+            </a:extLst>
+          </p:cNvPr>
           <p:cNvSpPr>
             <a:spLocks noGrp="1"/>
           </p:cNvSpPr>
@@ -1991,9 +2503,9 @@
           <a:bodyPr/>
           <a:lstStyle/>
           <a:p>
-            <a:fld id="{779256A2-DE0C-7447-B687-786F38514E8C}" type="datetimeFigureOut">
+            <a:fld id="{FB226B89-EA91-A34A-A9A9-A05433C06F31}" type="datetimeFigureOut">
               <a:rPr lang="en-US" smtClean="0"/>
-              <a:t>9/4/19</a:t>
+              <a:t>2/8/25</a:t>
             </a:fld>
             <a:endParaRPr lang="en-US"/>
           </a:p>
@@ -2001,7 +2513,13 @@
       </p:sp>
       <p:sp>
         <p:nvSpPr>
-          <p:cNvPr id="3" name="Footer Placeholder 2"/>
+          <p:cNvPr id="3" name="Footer Placeholder 2">
+            <a:extLst>
+              <a:ext uri="{FF2B5EF4-FFF2-40B4-BE49-F238E27FC236}">
+                <a16:creationId xmlns:a16="http://schemas.microsoft.com/office/drawing/2014/main" id="{A5F307C5-E590-5B0D-936B-45DEE52E0BA6}"/>
+              </a:ext>
+            </a:extLst>
+          </p:cNvPr>
           <p:cNvSpPr>
             <a:spLocks noGrp="1"/>
           </p:cNvSpPr>
@@ -2020,7 +2538,13 @@
       </p:sp>
       <p:sp>
         <p:nvSpPr>
-          <p:cNvPr id="4" name="Slide Number Placeholder 3"/>
+          <p:cNvPr id="4" name="Slide Number Placeholder 3">
+            <a:extLst>
+              <a:ext uri="{FF2B5EF4-FFF2-40B4-BE49-F238E27FC236}">
+                <a16:creationId xmlns:a16="http://schemas.microsoft.com/office/drawing/2014/main" id="{DA5934CA-9F72-1298-2C83-A9E71C7B0915}"/>
+              </a:ext>
+            </a:extLst>
+          </p:cNvPr>
           <p:cNvSpPr>
             <a:spLocks noGrp="1"/>
           </p:cNvSpPr>
@@ -2033,7 +2557,7 @@
           <a:bodyPr/>
           <a:lstStyle/>
           <a:p>
-            <a:fld id="{D1E6B054-2327-D043-B7B5-4043E46ED170}" type="slidenum">
+            <a:fld id="{5E5E8CFD-A770-524A-9614-99B0EE65BBFA}" type="slidenum">
               <a:rPr lang="en-US" smtClean="0"/>
               <a:t>‹#›</a:t>
             </a:fld>
@@ -2044,7 +2568,7 @@
     </p:spTree>
     <p:extLst>
       <p:ext uri="{BB962C8B-B14F-4D97-AF65-F5344CB8AC3E}">
-        <p14:creationId xmlns:p14="http://schemas.microsoft.com/office/powerpoint/2010/main" val="319494334"/>
+        <p14:creationId xmlns:p14="http://schemas.microsoft.com/office/powerpoint/2010/main" val="564230702"/>
       </p:ext>
     </p:extLst>
   </p:cSld>
@@ -2073,7 +2597,13 @@
       </p:grpSpPr>
       <p:sp>
         <p:nvSpPr>
-          <p:cNvPr id="2" name="Title 1"/>
+          <p:cNvPr id="2" name="Title 1">
+            <a:extLst>
+              <a:ext uri="{FF2B5EF4-FFF2-40B4-BE49-F238E27FC236}">
+                <a16:creationId xmlns:a16="http://schemas.microsoft.com/office/drawing/2014/main" id="{B3CC6C33-5CF6-B7C5-2F67-8CB46DB72AF3}"/>
+              </a:ext>
+            </a:extLst>
+          </p:cNvPr>
           <p:cNvSpPr>
             <a:spLocks noGrp="1"/>
           </p:cNvSpPr>
@@ -2083,29 +2613,34 @@
         </p:nvSpPr>
         <p:spPr>
           <a:xfrm>
-            <a:off x="457200" y="273050"/>
-            <a:ext cx="3008313" cy="1162050"/>
+            <a:off x="839788" y="457200"/>
+            <a:ext cx="3932237" cy="1600200"/>
           </a:xfrm>
         </p:spPr>
         <p:txBody>
           <a:bodyPr anchor="b"/>
           <a:lstStyle>
-            <a:lvl1pPr algn="l">
-              <a:defRPr sz="2000" b="1"/>
+            <a:lvl1pPr>
+              <a:defRPr sz="3200"/>
             </a:lvl1pPr>
           </a:lstStyle>
           <a:p>
             <a:r>
-              <a:rPr lang="en-CA"/>
+              <a:rPr lang="en-US"/>
               <a:t>Click to edit Master title style</a:t>
             </a:r>
-            <a:endParaRPr lang="en-US"/>
-          </a:p>
-        </p:txBody>
-      </p:sp>
-      <p:sp>
-        <p:nvSpPr>
-          <p:cNvPr id="3" name="Content Placeholder 2"/>
+          </a:p>
+        </p:txBody>
+      </p:sp>
+      <p:sp>
+        <p:nvSpPr>
+          <p:cNvPr id="3" name="Content Placeholder 2">
+            <a:extLst>
+              <a:ext uri="{FF2B5EF4-FFF2-40B4-BE49-F238E27FC236}">
+                <a16:creationId xmlns:a16="http://schemas.microsoft.com/office/drawing/2014/main" id="{1A426632-2B9E-F719-9E61-E289B51CF4B5}"/>
+              </a:ext>
+            </a:extLst>
+          </p:cNvPr>
           <p:cNvSpPr>
             <a:spLocks noGrp="1"/>
           </p:cNvSpPr>
@@ -2115,8 +2650,8 @@
         </p:nvSpPr>
         <p:spPr>
           <a:xfrm>
-            <a:off x="3575050" y="273050"/>
-            <a:ext cx="5111750" cy="5853113"/>
+            <a:off x="5183188" y="987425"/>
+            <a:ext cx="6172200" cy="4873625"/>
           </a:xfrm>
         </p:spPr>
         <p:txBody>
@@ -2153,44 +2688,49 @@
           <a:p>
             <a:pPr lvl="0"/>
             <a:r>
-              <a:rPr lang="en-CA"/>
+              <a:rPr lang="en-US"/>
               <a:t>Click to edit Master text styles</a:t>
             </a:r>
           </a:p>
           <a:p>
             <a:pPr lvl="1"/>
             <a:r>
-              <a:rPr lang="en-CA"/>
+              <a:rPr lang="en-US"/>
               <a:t>Second level</a:t>
             </a:r>
           </a:p>
           <a:p>
             <a:pPr lvl="2"/>
             <a:r>
-              <a:rPr lang="en-CA"/>
+              <a:rPr lang="en-US"/>
               <a:t>Third level</a:t>
             </a:r>
           </a:p>
           <a:p>
             <a:pPr lvl="3"/>
             <a:r>
-              <a:rPr lang="en-CA"/>
+              <a:rPr lang="en-US"/>
               <a:t>Fourth level</a:t>
             </a:r>
           </a:p>
           <a:p>
             <a:pPr lvl="4"/>
             <a:r>
-              <a:rPr lang="en-CA"/>
+              <a:rPr lang="en-US"/>
               <a:t>Fifth level</a:t>
             </a:r>
-            <a:endParaRPr lang="en-US"/>
-          </a:p>
-        </p:txBody>
-      </p:sp>
-      <p:sp>
-        <p:nvSpPr>
-          <p:cNvPr id="4" name="Text Placeholder 3"/>
+          </a:p>
+        </p:txBody>
+      </p:sp>
+      <p:sp>
+        <p:nvSpPr>
+          <p:cNvPr id="4" name="Text Placeholder 3">
+            <a:extLst>
+              <a:ext uri="{FF2B5EF4-FFF2-40B4-BE49-F238E27FC236}">
+                <a16:creationId xmlns:a16="http://schemas.microsoft.com/office/drawing/2014/main" id="{54594D29-B54E-1CB8-69A1-F107472562EB}"/>
+              </a:ext>
+            </a:extLst>
+          </p:cNvPr>
           <p:cNvSpPr>
             <a:spLocks noGrp="1"/>
           </p:cNvSpPr>
@@ -2200,8 +2740,8 @@
         </p:nvSpPr>
         <p:spPr>
           <a:xfrm>
-            <a:off x="457200" y="1435100"/>
-            <a:ext cx="3008313" cy="4691063"/>
+            <a:off x="839788" y="2057400"/>
+            <a:ext cx="3932237" cy="3811588"/>
           </a:xfrm>
         </p:spPr>
         <p:txBody>
@@ -2209,45 +2749,45 @@
           <a:lstStyle>
             <a:lvl1pPr marL="0" indent="0">
               <a:buNone/>
-              <a:defRPr sz="1400"/>
+              <a:defRPr sz="1600"/>
             </a:lvl1pPr>
             <a:lvl2pPr marL="457200" indent="0">
               <a:buNone/>
-              <a:defRPr sz="1200"/>
+              <a:defRPr sz="1400"/>
             </a:lvl2pPr>
             <a:lvl3pPr marL="914400" indent="0">
               <a:buNone/>
-              <a:defRPr sz="1000"/>
+              <a:defRPr sz="1200"/>
             </a:lvl3pPr>
             <a:lvl4pPr marL="1371600" indent="0">
               <a:buNone/>
-              <a:defRPr sz="900"/>
+              <a:defRPr sz="1000"/>
             </a:lvl4pPr>
             <a:lvl5pPr marL="1828800" indent="0">
               <a:buNone/>
-              <a:defRPr sz="900"/>
+              <a:defRPr sz="1000"/>
             </a:lvl5pPr>
             <a:lvl6pPr marL="2286000" indent="0">
               <a:buNone/>
-              <a:defRPr sz="900"/>
+              <a:defRPr sz="1000"/>
             </a:lvl6pPr>
             <a:lvl7pPr marL="2743200" indent="0">
               <a:buNone/>
-              <a:defRPr sz="900"/>
+              <a:defRPr sz="1000"/>
             </a:lvl7pPr>
             <a:lvl8pPr marL="3200400" indent="0">
               <a:buNone/>
-              <a:defRPr sz="900"/>
+              <a:defRPr sz="1000"/>
             </a:lvl8pPr>
             <a:lvl9pPr marL="3657600" indent="0">
               <a:buNone/>
-              <a:defRPr sz="900"/>
+              <a:defRPr sz="1000"/>
             </a:lvl9pPr>
           </a:lstStyle>
           <a:p>
             <a:pPr lvl="0"/>
             <a:r>
-              <a:rPr lang="en-CA"/>
+              <a:rPr lang="en-US"/>
               <a:t>Click to edit Master text styles</a:t>
             </a:r>
           </a:p>
@@ -2255,7 +2795,13 @@
       </p:sp>
       <p:sp>
         <p:nvSpPr>
-          <p:cNvPr id="5" name="Date Placeholder 4"/>
+          <p:cNvPr id="5" name="Date Placeholder 4">
+            <a:extLst>
+              <a:ext uri="{FF2B5EF4-FFF2-40B4-BE49-F238E27FC236}">
+                <a16:creationId xmlns:a16="http://schemas.microsoft.com/office/drawing/2014/main" id="{AD24CDA5-192D-6A9E-36E9-E159C112AA22}"/>
+              </a:ext>
+            </a:extLst>
+          </p:cNvPr>
           <p:cNvSpPr>
             <a:spLocks noGrp="1"/>
           </p:cNvSpPr>
@@ -2268,9 +2814,9 @@
           <a:bodyPr/>
           <a:lstStyle/>
           <a:p>
-            <a:fld id="{779256A2-DE0C-7447-B687-786F38514E8C}" type="datetimeFigureOut">
+            <a:fld id="{FB226B89-EA91-A34A-A9A9-A05433C06F31}" type="datetimeFigureOut">
               <a:rPr lang="en-US" smtClean="0"/>
-              <a:t>9/4/19</a:t>
+              <a:t>2/8/25</a:t>
             </a:fld>
             <a:endParaRPr lang="en-US"/>
           </a:p>
@@ -2278,7 +2824,13 @@
       </p:sp>
       <p:sp>
         <p:nvSpPr>
-          <p:cNvPr id="6" name="Footer Placeholder 5"/>
+          <p:cNvPr id="6" name="Footer Placeholder 5">
+            <a:extLst>
+              <a:ext uri="{FF2B5EF4-FFF2-40B4-BE49-F238E27FC236}">
+                <a16:creationId xmlns:a16="http://schemas.microsoft.com/office/drawing/2014/main" id="{8937989E-7B96-F86D-0DD9-66AAF0EA9031}"/>
+              </a:ext>
+            </a:extLst>
+          </p:cNvPr>
           <p:cNvSpPr>
             <a:spLocks noGrp="1"/>
           </p:cNvSpPr>
@@ -2297,7 +2849,13 @@
       </p:sp>
       <p:sp>
         <p:nvSpPr>
-          <p:cNvPr id="7" name="Slide Number Placeholder 6"/>
+          <p:cNvPr id="7" name="Slide Number Placeholder 6">
+            <a:extLst>
+              <a:ext uri="{FF2B5EF4-FFF2-40B4-BE49-F238E27FC236}">
+                <a16:creationId xmlns:a16="http://schemas.microsoft.com/office/drawing/2014/main" id="{1F29A59F-383E-9FA3-BE9C-535C4DBDA893}"/>
+              </a:ext>
+            </a:extLst>
+          </p:cNvPr>
           <p:cNvSpPr>
             <a:spLocks noGrp="1"/>
           </p:cNvSpPr>
@@ -2310,7 +2868,7 @@
           <a:bodyPr/>
           <a:lstStyle/>
           <a:p>
-            <a:fld id="{D1E6B054-2327-D043-B7B5-4043E46ED170}" type="slidenum">
+            <a:fld id="{5E5E8CFD-A770-524A-9614-99B0EE65BBFA}" type="slidenum">
               <a:rPr lang="en-US" smtClean="0"/>
               <a:t>‹#›</a:t>
             </a:fld>
@@ -2321,7 +2879,7 @@
     </p:spTree>
     <p:extLst>
       <p:ext uri="{BB962C8B-B14F-4D97-AF65-F5344CB8AC3E}">
-        <p14:creationId xmlns:p14="http://schemas.microsoft.com/office/powerpoint/2010/main" val="3966389927"/>
+        <p14:creationId xmlns:p14="http://schemas.microsoft.com/office/powerpoint/2010/main" val="1733642823"/>
       </p:ext>
     </p:extLst>
   </p:cSld>
@@ -2350,7 +2908,13 @@
       </p:grpSpPr>
       <p:sp>
         <p:nvSpPr>
-          <p:cNvPr id="2" name="Title 1"/>
+          <p:cNvPr id="2" name="Title 1">
+            <a:extLst>
+              <a:ext uri="{FF2B5EF4-FFF2-40B4-BE49-F238E27FC236}">
+                <a16:creationId xmlns:a16="http://schemas.microsoft.com/office/drawing/2014/main" id="{53475A94-B831-833B-EC02-631113C923BB}"/>
+              </a:ext>
+            </a:extLst>
+          </p:cNvPr>
           <p:cNvSpPr>
             <a:spLocks noGrp="1"/>
           </p:cNvSpPr>
@@ -2360,29 +2924,34 @@
         </p:nvSpPr>
         <p:spPr>
           <a:xfrm>
-            <a:off x="1792288" y="4800600"/>
-            <a:ext cx="5486400" cy="566738"/>
+            <a:off x="839788" y="457200"/>
+            <a:ext cx="3932237" cy="1600200"/>
           </a:xfrm>
         </p:spPr>
         <p:txBody>
           <a:bodyPr anchor="b"/>
           <a:lstStyle>
-            <a:lvl1pPr algn="l">
-              <a:defRPr sz="2000" b="1"/>
+            <a:lvl1pPr>
+              <a:defRPr sz="3200"/>
             </a:lvl1pPr>
           </a:lstStyle>
           <a:p>
             <a:r>
-              <a:rPr lang="en-CA"/>
+              <a:rPr lang="en-US"/>
               <a:t>Click to edit Master title style</a:t>
             </a:r>
-            <a:endParaRPr lang="en-US"/>
-          </a:p>
-        </p:txBody>
-      </p:sp>
-      <p:sp>
-        <p:nvSpPr>
-          <p:cNvPr id="3" name="Picture Placeholder 2"/>
+          </a:p>
+        </p:txBody>
+      </p:sp>
+      <p:sp>
+        <p:nvSpPr>
+          <p:cNvPr id="3" name="Picture Placeholder 2">
+            <a:extLst>
+              <a:ext uri="{FF2B5EF4-FFF2-40B4-BE49-F238E27FC236}">
+                <a16:creationId xmlns:a16="http://schemas.microsoft.com/office/drawing/2014/main" id="{023BFF2E-B76D-7B2D-B18D-D1AF37AA05E2}"/>
+              </a:ext>
+            </a:extLst>
+          </p:cNvPr>
           <p:cNvSpPr>
             <a:spLocks noGrp="1"/>
           </p:cNvSpPr>
@@ -2392,8 +2961,8 @@
         </p:nvSpPr>
         <p:spPr>
           <a:xfrm>
-            <a:off x="1792288" y="612775"/>
-            <a:ext cx="5486400" cy="4114800"/>
+            <a:off x="5183188" y="987425"/>
+            <a:ext cx="6172200" cy="4873625"/>
           </a:xfrm>
         </p:spPr>
         <p:txBody>
@@ -2443,7 +3012,13 @@
       </p:sp>
       <p:sp>
         <p:nvSpPr>
-          <p:cNvPr id="4" name="Text Placeholder 3"/>
+          <p:cNvPr id="4" name="Text Placeholder 3">
+            <a:extLst>
+              <a:ext uri="{FF2B5EF4-FFF2-40B4-BE49-F238E27FC236}">
+                <a16:creationId xmlns:a16="http://schemas.microsoft.com/office/drawing/2014/main" id="{18A29CB2-0D6F-7568-C831-F1D769F895DC}"/>
+              </a:ext>
+            </a:extLst>
+          </p:cNvPr>
           <p:cNvSpPr>
             <a:spLocks noGrp="1"/>
           </p:cNvSpPr>
@@ -2453,8 +3028,8 @@
         </p:nvSpPr>
         <p:spPr>
           <a:xfrm>
-            <a:off x="1792288" y="5367338"/>
-            <a:ext cx="5486400" cy="804862"/>
+            <a:off x="839788" y="2057400"/>
+            <a:ext cx="3932237" cy="3811588"/>
           </a:xfrm>
         </p:spPr>
         <p:txBody>
@@ -2462,45 +3037,45 @@
           <a:lstStyle>
             <a:lvl1pPr marL="0" indent="0">
               <a:buNone/>
-              <a:defRPr sz="1400"/>
+              <a:defRPr sz="1600"/>
             </a:lvl1pPr>
             <a:lvl2pPr marL="457200" indent="0">
               <a:buNone/>
-              <a:defRPr sz="1200"/>
+              <a:defRPr sz="1400"/>
             </a:lvl2pPr>
             <a:lvl3pPr marL="914400" indent="0">
               <a:buNone/>
-              <a:defRPr sz="1000"/>
+              <a:defRPr sz="1200"/>
             </a:lvl3pPr>
             <a:lvl4pPr marL="1371600" indent="0">
               <a:buNone/>
-              <a:defRPr sz="900"/>
+              <a:defRPr sz="1000"/>
             </a:lvl4pPr>
             <a:lvl5pPr marL="1828800" indent="0">
               <a:buNone/>
-              <a:defRPr sz="900"/>
+              <a:defRPr sz="1000"/>
             </a:lvl5pPr>
             <a:lvl6pPr marL="2286000" indent="0">
               <a:buNone/>
-              <a:defRPr sz="900"/>
+              <a:defRPr sz="1000"/>
             </a:lvl6pPr>
             <a:lvl7pPr marL="2743200" indent="0">
               <a:buNone/>
-              <a:defRPr sz="900"/>
+              <a:defRPr sz="1000"/>
             </a:lvl7pPr>
             <a:lvl8pPr marL="3200400" indent="0">
               <a:buNone/>
-              <a:defRPr sz="900"/>
+              <a:defRPr sz="1000"/>
             </a:lvl8pPr>
             <a:lvl9pPr marL="3657600" indent="0">
               <a:buNone/>
-              <a:defRPr sz="900"/>
+              <a:defRPr sz="1000"/>
             </a:lvl9pPr>
           </a:lstStyle>
           <a:p>
             <a:pPr lvl="0"/>
             <a:r>
-              <a:rPr lang="en-CA"/>
+              <a:rPr lang="en-US"/>
               <a:t>Click to edit Master text styles</a:t>
             </a:r>
           </a:p>
@@ -2508,7 +3083,13 @@
       </p:sp>
       <p:sp>
         <p:nvSpPr>
-          <p:cNvPr id="5" name="Date Placeholder 4"/>
+          <p:cNvPr id="5" name="Date Placeholder 4">
+            <a:extLst>
+              <a:ext uri="{FF2B5EF4-FFF2-40B4-BE49-F238E27FC236}">
+                <a16:creationId xmlns:a16="http://schemas.microsoft.com/office/drawing/2014/main" id="{90528B19-0760-86E3-C658-8E87371E2887}"/>
+              </a:ext>
+            </a:extLst>
+          </p:cNvPr>
           <p:cNvSpPr>
             <a:spLocks noGrp="1"/>
           </p:cNvSpPr>
@@ -2521,9 +3102,9 @@
           <a:bodyPr/>
           <a:lstStyle/>
           <a:p>
-            <a:fld id="{779256A2-DE0C-7447-B687-786F38514E8C}" type="datetimeFigureOut">
+            <a:fld id="{FB226B89-EA91-A34A-A9A9-A05433C06F31}" type="datetimeFigureOut">
               <a:rPr lang="en-US" smtClean="0"/>
-              <a:t>9/4/19</a:t>
+              <a:t>2/8/25</a:t>
             </a:fld>
             <a:endParaRPr lang="en-US"/>
           </a:p>
@@ -2531,7 +3112,13 @@
       </p:sp>
       <p:sp>
         <p:nvSpPr>
-          <p:cNvPr id="6" name="Footer Placeholder 5"/>
+          <p:cNvPr id="6" name="Footer Placeholder 5">
+            <a:extLst>
+              <a:ext uri="{FF2B5EF4-FFF2-40B4-BE49-F238E27FC236}">
+                <a16:creationId xmlns:a16="http://schemas.microsoft.com/office/drawing/2014/main" id="{28315696-DF61-39FB-A6DE-EE631F145140}"/>
+              </a:ext>
+            </a:extLst>
+          </p:cNvPr>
           <p:cNvSpPr>
             <a:spLocks noGrp="1"/>
           </p:cNvSpPr>
@@ -2550,7 +3137,13 @@
       </p:sp>
       <p:sp>
         <p:nvSpPr>
-          <p:cNvPr id="7" name="Slide Number Placeholder 6"/>
+          <p:cNvPr id="7" name="Slide Number Placeholder 6">
+            <a:extLst>
+              <a:ext uri="{FF2B5EF4-FFF2-40B4-BE49-F238E27FC236}">
+                <a16:creationId xmlns:a16="http://schemas.microsoft.com/office/drawing/2014/main" id="{A5494833-3F02-6379-CEE2-941C386A687D}"/>
+              </a:ext>
+            </a:extLst>
+          </p:cNvPr>
           <p:cNvSpPr>
             <a:spLocks noGrp="1"/>
           </p:cNvSpPr>
@@ -2563,7 +3156,7 @@
           <a:bodyPr/>
           <a:lstStyle/>
           <a:p>
-            <a:fld id="{D1E6B054-2327-D043-B7B5-4043E46ED170}" type="slidenum">
+            <a:fld id="{5E5E8CFD-A770-524A-9614-99B0EE65BBFA}" type="slidenum">
               <a:rPr lang="en-US" smtClean="0"/>
               <a:t>‹#›</a:t>
             </a:fld>
@@ -2574,7 +3167,7 @@
     </p:spTree>
     <p:extLst>
       <p:ext uri="{BB962C8B-B14F-4D97-AF65-F5344CB8AC3E}">
-        <p14:creationId xmlns:p14="http://schemas.microsoft.com/office/powerpoint/2010/main" val="1144746459"/>
+        <p14:creationId xmlns:p14="http://schemas.microsoft.com/office/powerpoint/2010/main" val="3092039285"/>
       </p:ext>
     </p:extLst>
   </p:cSld>
@@ -2608,7 +3201,13 @@
       </p:grpSpPr>
       <p:sp>
         <p:nvSpPr>
-          <p:cNvPr id="2" name="Title Placeholder 1"/>
+          <p:cNvPr id="2" name="Title Placeholder 1">
+            <a:extLst>
+              <a:ext uri="{FF2B5EF4-FFF2-40B4-BE49-F238E27FC236}">
+                <a16:creationId xmlns:a16="http://schemas.microsoft.com/office/drawing/2014/main" id="{F9AD7A6C-509A-E6E3-77DA-6A5028E3FD9E}"/>
+              </a:ext>
+            </a:extLst>
+          </p:cNvPr>
           <p:cNvSpPr>
             <a:spLocks noGrp="1"/>
           </p:cNvSpPr>
@@ -2618,8 +3217,8 @@
         </p:nvSpPr>
         <p:spPr>
           <a:xfrm>
-            <a:off x="457200" y="274638"/>
-            <a:ext cx="8229600" cy="1143000"/>
+            <a:off x="838200" y="365125"/>
+            <a:ext cx="10515600" cy="1325563"/>
           </a:xfrm>
           <a:prstGeom prst="rect">
             <a:avLst/>
@@ -2632,16 +3231,21 @@
           <a:lstStyle/>
           <a:p>
             <a:r>
-              <a:rPr lang="en-CA"/>
+              <a:rPr lang="en-US"/>
               <a:t>Click to edit Master title style</a:t>
             </a:r>
-            <a:endParaRPr lang="en-US"/>
-          </a:p>
-        </p:txBody>
-      </p:sp>
-      <p:sp>
-        <p:nvSpPr>
-          <p:cNvPr id="3" name="Text Placeholder 2"/>
+          </a:p>
+        </p:txBody>
+      </p:sp>
+      <p:sp>
+        <p:nvSpPr>
+          <p:cNvPr id="3" name="Text Placeholder 2">
+            <a:extLst>
+              <a:ext uri="{FF2B5EF4-FFF2-40B4-BE49-F238E27FC236}">
+                <a16:creationId xmlns:a16="http://schemas.microsoft.com/office/drawing/2014/main" id="{A6482BEA-8EAE-32AF-FE96-E375C2726863}"/>
+              </a:ext>
+            </a:extLst>
+          </p:cNvPr>
           <p:cNvSpPr>
             <a:spLocks noGrp="1"/>
           </p:cNvSpPr>
@@ -2651,8 +3255,8 @@
         </p:nvSpPr>
         <p:spPr>
           <a:xfrm>
-            <a:off x="457200" y="1600200"/>
-            <a:ext cx="8229600" cy="4525963"/>
+            <a:off x="838200" y="1825625"/>
+            <a:ext cx="10515600" cy="4351338"/>
           </a:xfrm>
           <a:prstGeom prst="rect">
             <a:avLst/>
@@ -2666,44 +3270,49 @@
           <a:p>
             <a:pPr lvl="0"/>
             <a:r>
-              <a:rPr lang="en-CA"/>
+              <a:rPr lang="en-US"/>
               <a:t>Click to edit Master text styles</a:t>
             </a:r>
           </a:p>
           <a:p>
             <a:pPr lvl="1"/>
             <a:r>
-              <a:rPr lang="en-CA"/>
+              <a:rPr lang="en-US"/>
               <a:t>Second level</a:t>
             </a:r>
           </a:p>
           <a:p>
             <a:pPr lvl="2"/>
             <a:r>
-              <a:rPr lang="en-CA"/>
+              <a:rPr lang="en-US"/>
               <a:t>Third level</a:t>
             </a:r>
           </a:p>
           <a:p>
             <a:pPr lvl="3"/>
             <a:r>
-              <a:rPr lang="en-CA"/>
+              <a:rPr lang="en-US"/>
               <a:t>Fourth level</a:t>
             </a:r>
           </a:p>
           <a:p>
             <a:pPr lvl="4"/>
             <a:r>
-              <a:rPr lang="en-CA"/>
+              <a:rPr lang="en-US"/>
               <a:t>Fifth level</a:t>
             </a:r>
-            <a:endParaRPr lang="en-US"/>
-          </a:p>
-        </p:txBody>
-      </p:sp>
-      <p:sp>
-        <p:nvSpPr>
-          <p:cNvPr id="4" name="Date Placeholder 3"/>
+          </a:p>
+        </p:txBody>
+      </p:sp>
+      <p:sp>
+        <p:nvSpPr>
+          <p:cNvPr id="4" name="Date Placeholder 3">
+            <a:extLst>
+              <a:ext uri="{FF2B5EF4-FFF2-40B4-BE49-F238E27FC236}">
+                <a16:creationId xmlns:a16="http://schemas.microsoft.com/office/drawing/2014/main" id="{8D67EBC8-ECF3-D5CC-52CE-6407E9387EB2}"/>
+              </a:ext>
+            </a:extLst>
+          </p:cNvPr>
           <p:cNvSpPr>
             <a:spLocks noGrp="1"/>
           </p:cNvSpPr>
@@ -2713,8 +3322,8 @@
         </p:nvSpPr>
         <p:spPr>
           <a:xfrm>
-            <a:off x="457200" y="6356350"/>
-            <a:ext cx="2133600" cy="365125"/>
+            <a:off x="838200" y="6356350"/>
+            <a:ext cx="2743200" cy="365125"/>
           </a:xfrm>
           <a:prstGeom prst="rect">
             <a:avLst/>
@@ -2727,16 +3336,16 @@
               <a:defRPr sz="1200">
                 <a:solidFill>
                   <a:schemeClr val="tx1">
-                    <a:tint val="75000"/>
+                    <a:tint val="82000"/>
                   </a:schemeClr>
                 </a:solidFill>
               </a:defRPr>
             </a:lvl1pPr>
           </a:lstStyle>
           <a:p>
-            <a:fld id="{779256A2-DE0C-7447-B687-786F38514E8C}" type="datetimeFigureOut">
+            <a:fld id="{FB226B89-EA91-A34A-A9A9-A05433C06F31}" type="datetimeFigureOut">
               <a:rPr lang="en-US" smtClean="0"/>
-              <a:t>9/4/19</a:t>
+              <a:t>2/8/25</a:t>
             </a:fld>
             <a:endParaRPr lang="en-US"/>
           </a:p>
@@ -2744,7 +3353,13 @@
       </p:sp>
       <p:sp>
         <p:nvSpPr>
-          <p:cNvPr id="5" name="Footer Placeholder 4"/>
+          <p:cNvPr id="5" name="Footer Placeholder 4">
+            <a:extLst>
+              <a:ext uri="{FF2B5EF4-FFF2-40B4-BE49-F238E27FC236}">
+                <a16:creationId xmlns:a16="http://schemas.microsoft.com/office/drawing/2014/main" id="{B6CC6ED9-22BC-FC4D-2D86-E5B6346AB123}"/>
+              </a:ext>
+            </a:extLst>
+          </p:cNvPr>
           <p:cNvSpPr>
             <a:spLocks noGrp="1"/>
           </p:cNvSpPr>
@@ -2754,8 +3369,8 @@
         </p:nvSpPr>
         <p:spPr>
           <a:xfrm>
-            <a:off x="3124200" y="6356350"/>
-            <a:ext cx="2895600" cy="365125"/>
+            <a:off x="4038600" y="6356350"/>
+            <a:ext cx="4114800" cy="365125"/>
           </a:xfrm>
           <a:prstGeom prst="rect">
             <a:avLst/>
@@ -2768,7 +3383,7 @@
               <a:defRPr sz="1200">
                 <a:solidFill>
                   <a:schemeClr val="tx1">
-                    <a:tint val="75000"/>
+                    <a:tint val="82000"/>
                   </a:schemeClr>
                 </a:solidFill>
               </a:defRPr>
@@ -2781,7 +3396,13 @@
       </p:sp>
       <p:sp>
         <p:nvSpPr>
-          <p:cNvPr id="6" name="Slide Number Placeholder 5"/>
+          <p:cNvPr id="6" name="Slide Number Placeholder 5">
+            <a:extLst>
+              <a:ext uri="{FF2B5EF4-FFF2-40B4-BE49-F238E27FC236}">
+                <a16:creationId xmlns:a16="http://schemas.microsoft.com/office/drawing/2014/main" id="{4863A0BD-9D02-A675-8993-497008F927F1}"/>
+              </a:ext>
+            </a:extLst>
+          </p:cNvPr>
           <p:cNvSpPr>
             <a:spLocks noGrp="1"/>
           </p:cNvSpPr>
@@ -2791,8 +3412,8 @@
         </p:nvSpPr>
         <p:spPr>
           <a:xfrm>
-            <a:off x="6553200" y="6356350"/>
-            <a:ext cx="2133600" cy="365125"/>
+            <a:off x="8610600" y="6356350"/>
+            <a:ext cx="2743200" cy="365125"/>
           </a:xfrm>
           <a:prstGeom prst="rect">
             <a:avLst/>
@@ -2805,14 +3426,14 @@
               <a:defRPr sz="1200">
                 <a:solidFill>
                   <a:schemeClr val="tx1">
-                    <a:tint val="75000"/>
+                    <a:tint val="82000"/>
                   </a:schemeClr>
                 </a:solidFill>
               </a:defRPr>
             </a:lvl1pPr>
           </a:lstStyle>
           <a:p>
-            <a:fld id="{D1E6B054-2327-D043-B7B5-4043E46ED170}" type="slidenum">
+            <a:fld id="{5E5E8CFD-A770-524A-9614-99B0EE65BBFA}" type="slidenum">
               <a:rPr lang="en-US" smtClean="0"/>
               <a:t>‹#›</a:t>
             </a:fld>
@@ -2823,7 +3444,7 @@
     </p:spTree>
     <p:extLst>
       <p:ext uri="{BB962C8B-B14F-4D97-AF65-F5344CB8AC3E}">
-        <p14:creationId xmlns:p14="http://schemas.microsoft.com/office/powerpoint/2010/main" val="1896066680"/>
+        <p14:creationId xmlns:p14="http://schemas.microsoft.com/office/powerpoint/2010/main" val="3680341037"/>
       </p:ext>
     </p:extLst>
   </p:cSld>
@@ -2843,7 +3464,10 @@
   </p:sldLayoutIdLst>
   <p:txStyles>
     <p:titleStyle>
-      <a:lvl1pPr algn="ctr" defTabSz="457200" rtl="0" eaLnBrk="1" latinLnBrk="0" hangingPunct="1">
+      <a:lvl1pPr algn="l" defTabSz="914400" rtl="0" eaLnBrk="1" latinLnBrk="0" hangingPunct="1">
+        <a:lnSpc>
+          <a:spcPct val="90000"/>
+        </a:lnSpc>
         <a:spcBef>
           <a:spcPct val="0"/>
         </a:spcBef>
@@ -2859,13 +3483,16 @@
       </a:lvl1pPr>
     </p:titleStyle>
     <p:bodyStyle>
-      <a:lvl1pPr marL="342900" indent="-342900" algn="l" defTabSz="457200" rtl="0" eaLnBrk="1" latinLnBrk="0" hangingPunct="1">
+      <a:lvl1pPr marL="228600" indent="-228600" algn="l" defTabSz="914400" rtl="0" eaLnBrk="1" latinLnBrk="0" hangingPunct="1">
+        <a:lnSpc>
+          <a:spcPct val="90000"/>
+        </a:lnSpc>
         <a:spcBef>
-          <a:spcPct val="20000"/>
+          <a:spcPts val="1000"/>
         </a:spcBef>
-        <a:buFont typeface="Arial"/>
+        <a:buFont typeface="Arial" panose="020B0604020202020204" pitchFamily="34" charset="0"/>
         <a:buChar char="•"/>
-        <a:defRPr sz="3200" kern="1200">
+        <a:defRPr sz="2800" kern="1200">
           <a:solidFill>
             <a:schemeClr val="tx1"/>
           </a:solidFill>
@@ -2874,26 +3501,14 @@
           <a:cs typeface="+mn-cs"/>
         </a:defRPr>
       </a:lvl1pPr>
-      <a:lvl2pPr marL="742950" indent="-285750" algn="l" defTabSz="457200" rtl="0" eaLnBrk="1" latinLnBrk="0" hangingPunct="1">
+      <a:lvl2pPr marL="685800" indent="-228600" algn="l" defTabSz="914400" rtl="0" eaLnBrk="1" latinLnBrk="0" hangingPunct="1">
+        <a:lnSpc>
+          <a:spcPct val="90000"/>
+        </a:lnSpc>
         <a:spcBef>
-          <a:spcPct val="20000"/>
+          <a:spcPts val="500"/>
         </a:spcBef>
-        <a:buFont typeface="Arial"/>
-        <a:buChar char="–"/>
-        <a:defRPr sz="2800" kern="1200">
-          <a:solidFill>
-            <a:schemeClr val="tx1"/>
-          </a:solidFill>
-          <a:latin typeface="+mn-lt"/>
-          <a:ea typeface="+mn-ea"/>
-          <a:cs typeface="+mn-cs"/>
-        </a:defRPr>
-      </a:lvl2pPr>
-      <a:lvl3pPr marL="1143000" indent="-228600" algn="l" defTabSz="457200" rtl="0" eaLnBrk="1" latinLnBrk="0" hangingPunct="1">
-        <a:spcBef>
-          <a:spcPct val="20000"/>
-        </a:spcBef>
-        <a:buFont typeface="Arial"/>
+        <a:buFont typeface="Arial" panose="020B0604020202020204" pitchFamily="34" charset="0"/>
         <a:buChar char="•"/>
         <a:defRPr sz="2400" kern="1200">
           <a:solidFill>
@@ -2903,42 +3518,15 @@
           <a:ea typeface="+mn-ea"/>
           <a:cs typeface="+mn-cs"/>
         </a:defRPr>
-      </a:lvl3pPr>
-      <a:lvl4pPr marL="1600200" indent="-228600" algn="l" defTabSz="457200" rtl="0" eaLnBrk="1" latinLnBrk="0" hangingPunct="1">
+      </a:lvl2pPr>
+      <a:lvl3pPr marL="1143000" indent="-228600" algn="l" defTabSz="914400" rtl="0" eaLnBrk="1" latinLnBrk="0" hangingPunct="1">
+        <a:lnSpc>
+          <a:spcPct val="90000"/>
+        </a:lnSpc>
         <a:spcBef>
-          <a:spcPct val="20000"/>
+          <a:spcPts val="500"/>
         </a:spcBef>
-        <a:buFont typeface="Arial"/>
-        <a:buChar char="–"/>
-        <a:defRPr sz="2000" kern="1200">
-          <a:solidFill>
-            <a:schemeClr val="tx1"/>
-          </a:solidFill>
-          <a:latin typeface="+mn-lt"/>
-          <a:ea typeface="+mn-ea"/>
-          <a:cs typeface="+mn-cs"/>
-        </a:defRPr>
-      </a:lvl4pPr>
-      <a:lvl5pPr marL="2057400" indent="-228600" algn="l" defTabSz="457200" rtl="0" eaLnBrk="1" latinLnBrk="0" hangingPunct="1">
-        <a:spcBef>
-          <a:spcPct val="20000"/>
-        </a:spcBef>
-        <a:buFont typeface="Arial"/>
-        <a:buChar char="»"/>
-        <a:defRPr sz="2000" kern="1200">
-          <a:solidFill>
-            <a:schemeClr val="tx1"/>
-          </a:solidFill>
-          <a:latin typeface="+mn-lt"/>
-          <a:ea typeface="+mn-ea"/>
-          <a:cs typeface="+mn-cs"/>
-        </a:defRPr>
-      </a:lvl5pPr>
-      <a:lvl6pPr marL="2514600" indent="-228600" algn="l" defTabSz="457200" rtl="0" eaLnBrk="1" latinLnBrk="0" hangingPunct="1">
-        <a:spcBef>
-          <a:spcPct val="20000"/>
-        </a:spcBef>
-        <a:buFont typeface="Arial"/>
+        <a:buFont typeface="Arial" panose="020B0604020202020204" pitchFamily="34" charset="0"/>
         <a:buChar char="•"/>
         <a:defRPr sz="2000" kern="1200">
           <a:solidFill>
@@ -2948,14 +3536,71 @@
           <a:ea typeface="+mn-ea"/>
           <a:cs typeface="+mn-cs"/>
         </a:defRPr>
+      </a:lvl3pPr>
+      <a:lvl4pPr marL="1600200" indent="-228600" algn="l" defTabSz="914400" rtl="0" eaLnBrk="1" latinLnBrk="0" hangingPunct="1">
+        <a:lnSpc>
+          <a:spcPct val="90000"/>
+        </a:lnSpc>
+        <a:spcBef>
+          <a:spcPts val="500"/>
+        </a:spcBef>
+        <a:buFont typeface="Arial" panose="020B0604020202020204" pitchFamily="34" charset="0"/>
+        <a:buChar char="•"/>
+        <a:defRPr sz="1800" kern="1200">
+          <a:solidFill>
+            <a:schemeClr val="tx1"/>
+          </a:solidFill>
+          <a:latin typeface="+mn-lt"/>
+          <a:ea typeface="+mn-ea"/>
+          <a:cs typeface="+mn-cs"/>
+        </a:defRPr>
+      </a:lvl4pPr>
+      <a:lvl5pPr marL="2057400" indent="-228600" algn="l" defTabSz="914400" rtl="0" eaLnBrk="1" latinLnBrk="0" hangingPunct="1">
+        <a:lnSpc>
+          <a:spcPct val="90000"/>
+        </a:lnSpc>
+        <a:spcBef>
+          <a:spcPts val="500"/>
+        </a:spcBef>
+        <a:buFont typeface="Arial" panose="020B0604020202020204" pitchFamily="34" charset="0"/>
+        <a:buChar char="•"/>
+        <a:defRPr sz="1800" kern="1200">
+          <a:solidFill>
+            <a:schemeClr val="tx1"/>
+          </a:solidFill>
+          <a:latin typeface="+mn-lt"/>
+          <a:ea typeface="+mn-ea"/>
+          <a:cs typeface="+mn-cs"/>
+        </a:defRPr>
+      </a:lvl5pPr>
+      <a:lvl6pPr marL="2514600" indent="-228600" algn="l" defTabSz="914400" rtl="0" eaLnBrk="1" latinLnBrk="0" hangingPunct="1">
+        <a:lnSpc>
+          <a:spcPct val="90000"/>
+        </a:lnSpc>
+        <a:spcBef>
+          <a:spcPts val="500"/>
+        </a:spcBef>
+        <a:buFont typeface="Arial" panose="020B0604020202020204" pitchFamily="34" charset="0"/>
+        <a:buChar char="•"/>
+        <a:defRPr sz="1800" kern="1200">
+          <a:solidFill>
+            <a:schemeClr val="tx1"/>
+          </a:solidFill>
+          <a:latin typeface="+mn-lt"/>
+          <a:ea typeface="+mn-ea"/>
+          <a:cs typeface="+mn-cs"/>
+        </a:defRPr>
       </a:lvl6pPr>
-      <a:lvl7pPr marL="2971800" indent="-228600" algn="l" defTabSz="457200" rtl="0" eaLnBrk="1" latinLnBrk="0" hangingPunct="1">
+      <a:lvl7pPr marL="2971800" indent="-228600" algn="l" defTabSz="914400" rtl="0" eaLnBrk="1" latinLnBrk="0" hangingPunct="1">
+        <a:lnSpc>
+          <a:spcPct val="90000"/>
+        </a:lnSpc>
         <a:spcBef>
-          <a:spcPct val="20000"/>
+          <a:spcPts val="500"/>
         </a:spcBef>
-        <a:buFont typeface="Arial"/>
+        <a:buFont typeface="Arial" panose="020B0604020202020204" pitchFamily="34" charset="0"/>
         <a:buChar char="•"/>
-        <a:defRPr sz="2000" kern="1200">
+        <a:defRPr sz="1800" kern="1200">
           <a:solidFill>
             <a:schemeClr val="tx1"/>
           </a:solidFill>
@@ -2964,13 +3609,16 @@
           <a:cs typeface="+mn-cs"/>
         </a:defRPr>
       </a:lvl7pPr>
-      <a:lvl8pPr marL="3429000" indent="-228600" algn="l" defTabSz="457200" rtl="0" eaLnBrk="1" latinLnBrk="0" hangingPunct="1">
+      <a:lvl8pPr marL="3429000" indent="-228600" algn="l" defTabSz="914400" rtl="0" eaLnBrk="1" latinLnBrk="0" hangingPunct="1">
+        <a:lnSpc>
+          <a:spcPct val="90000"/>
+        </a:lnSpc>
         <a:spcBef>
-          <a:spcPct val="20000"/>
+          <a:spcPts val="500"/>
         </a:spcBef>
-        <a:buFont typeface="Arial"/>
+        <a:buFont typeface="Arial" panose="020B0604020202020204" pitchFamily="34" charset="0"/>
         <a:buChar char="•"/>
-        <a:defRPr sz="2000" kern="1200">
+        <a:defRPr sz="1800" kern="1200">
           <a:solidFill>
             <a:schemeClr val="tx1"/>
           </a:solidFill>
@@ -2979,13 +3627,16 @@
           <a:cs typeface="+mn-cs"/>
         </a:defRPr>
       </a:lvl8pPr>
-      <a:lvl9pPr marL="3886200" indent="-228600" algn="l" defTabSz="457200" rtl="0" eaLnBrk="1" latinLnBrk="0" hangingPunct="1">
+      <a:lvl9pPr marL="3886200" indent="-228600" algn="l" defTabSz="914400" rtl="0" eaLnBrk="1" latinLnBrk="0" hangingPunct="1">
+        <a:lnSpc>
+          <a:spcPct val="90000"/>
+        </a:lnSpc>
         <a:spcBef>
-          <a:spcPct val="20000"/>
+          <a:spcPts val="500"/>
         </a:spcBef>
-        <a:buFont typeface="Arial"/>
+        <a:buFont typeface="Arial" panose="020B0604020202020204" pitchFamily="34" charset="0"/>
         <a:buChar char="•"/>
-        <a:defRPr sz="2000" kern="1200">
+        <a:defRPr sz="1800" kern="1200">
           <a:solidFill>
             <a:schemeClr val="tx1"/>
           </a:solidFill>
@@ -2999,7 +3650,7 @@
       <a:defPPr>
         <a:defRPr lang="en-US"/>
       </a:defPPr>
-      <a:lvl1pPr marL="0" algn="l" defTabSz="457200" rtl="0" eaLnBrk="1" latinLnBrk="0" hangingPunct="1">
+      <a:lvl1pPr marL="0" algn="l" defTabSz="914400" rtl="0" eaLnBrk="1" latinLnBrk="0" hangingPunct="1">
         <a:defRPr sz="1800" kern="1200">
           <a:solidFill>
             <a:schemeClr val="tx1"/>
@@ -3009,7 +3660,7 @@
           <a:cs typeface="+mn-cs"/>
         </a:defRPr>
       </a:lvl1pPr>
-      <a:lvl2pPr marL="457200" algn="l" defTabSz="457200" rtl="0" eaLnBrk="1" latinLnBrk="0" hangingPunct="1">
+      <a:lvl2pPr marL="457200" algn="l" defTabSz="914400" rtl="0" eaLnBrk="1" latinLnBrk="0" hangingPunct="1">
         <a:defRPr sz="1800" kern="1200">
           <a:solidFill>
             <a:schemeClr val="tx1"/>
@@ -3019,7 +3670,7 @@
           <a:cs typeface="+mn-cs"/>
         </a:defRPr>
       </a:lvl2pPr>
-      <a:lvl3pPr marL="914400" algn="l" defTabSz="457200" rtl="0" eaLnBrk="1" latinLnBrk="0" hangingPunct="1">
+      <a:lvl3pPr marL="914400" algn="l" defTabSz="914400" rtl="0" eaLnBrk="1" latinLnBrk="0" hangingPunct="1">
         <a:defRPr sz="1800" kern="1200">
           <a:solidFill>
             <a:schemeClr val="tx1"/>
@@ -3029,7 +3680,7 @@
           <a:cs typeface="+mn-cs"/>
         </a:defRPr>
       </a:lvl3pPr>
-      <a:lvl4pPr marL="1371600" algn="l" defTabSz="457200" rtl="0" eaLnBrk="1" latinLnBrk="0" hangingPunct="1">
+      <a:lvl4pPr marL="1371600" algn="l" defTabSz="914400" rtl="0" eaLnBrk="1" latinLnBrk="0" hangingPunct="1">
         <a:defRPr sz="1800" kern="1200">
           <a:solidFill>
             <a:schemeClr val="tx1"/>
@@ -3039,7 +3690,7 @@
           <a:cs typeface="+mn-cs"/>
         </a:defRPr>
       </a:lvl4pPr>
-      <a:lvl5pPr marL="1828800" algn="l" defTabSz="457200" rtl="0" eaLnBrk="1" latinLnBrk="0" hangingPunct="1">
+      <a:lvl5pPr marL="1828800" algn="l" defTabSz="914400" rtl="0" eaLnBrk="1" latinLnBrk="0" hangingPunct="1">
         <a:defRPr sz="1800" kern="1200">
           <a:solidFill>
             <a:schemeClr val="tx1"/>
@@ -3049,7 +3700,7 @@
           <a:cs typeface="+mn-cs"/>
         </a:defRPr>
       </a:lvl5pPr>
-      <a:lvl6pPr marL="2286000" algn="l" defTabSz="457200" rtl="0" eaLnBrk="1" latinLnBrk="0" hangingPunct="1">
+      <a:lvl6pPr marL="2286000" algn="l" defTabSz="914400" rtl="0" eaLnBrk="1" latinLnBrk="0" hangingPunct="1">
         <a:defRPr sz="1800" kern="1200">
           <a:solidFill>
             <a:schemeClr val="tx1"/>
@@ -3059,7 +3710,7 @@
           <a:cs typeface="+mn-cs"/>
         </a:defRPr>
       </a:lvl6pPr>
-      <a:lvl7pPr marL="2743200" algn="l" defTabSz="457200" rtl="0" eaLnBrk="1" latinLnBrk="0" hangingPunct="1">
+      <a:lvl7pPr marL="2743200" algn="l" defTabSz="914400" rtl="0" eaLnBrk="1" latinLnBrk="0" hangingPunct="1">
         <a:defRPr sz="1800" kern="1200">
           <a:solidFill>
             <a:schemeClr val="tx1"/>
@@ -3069,7 +3720,7 @@
           <a:cs typeface="+mn-cs"/>
         </a:defRPr>
       </a:lvl7pPr>
-      <a:lvl8pPr marL="3200400" algn="l" defTabSz="457200" rtl="0" eaLnBrk="1" latinLnBrk="0" hangingPunct="1">
+      <a:lvl8pPr marL="3200400" algn="l" defTabSz="914400" rtl="0" eaLnBrk="1" latinLnBrk="0" hangingPunct="1">
         <a:defRPr sz="1800" kern="1200">
           <a:solidFill>
             <a:schemeClr val="tx1"/>
@@ -3079,7 +3730,7 @@
           <a:cs typeface="+mn-cs"/>
         </a:defRPr>
       </a:lvl8pPr>
-      <a:lvl9pPr marL="3657600" algn="l" defTabSz="457200" rtl="0" eaLnBrk="1" latinLnBrk="0" hangingPunct="1">
+      <a:lvl9pPr marL="3657600" algn="l" defTabSz="914400" rtl="0" eaLnBrk="1" latinLnBrk="0" hangingPunct="1">
         <a:defRPr sz="1800" kern="1200">
           <a:solidFill>
             <a:schemeClr val="tx1"/>
@@ -3111,405 +3762,142 @@
           <a:chExt cx="0" cy="0"/>
         </a:xfrm>
       </p:grpSpPr>
+      <p:sp>
+        <p:nvSpPr>
+          <p:cNvPr id="5" name="Rectangle 4">
+            <a:extLst>
+              <a:ext uri="{FF2B5EF4-FFF2-40B4-BE49-F238E27FC236}">
+                <a16:creationId xmlns:a16="http://schemas.microsoft.com/office/drawing/2014/main" id="{9374327C-D72F-28AA-9E39-D436BB3B76BD}"/>
+              </a:ext>
+            </a:extLst>
+          </p:cNvPr>
+          <p:cNvSpPr/>
+          <p:nvPr/>
+        </p:nvSpPr>
+        <p:spPr>
+          <a:xfrm>
+            <a:off x="4846674" y="1902942"/>
+            <a:ext cx="1990061" cy="1149178"/>
+          </a:xfrm>
+          <a:prstGeom prst="rect">
+            <a:avLst/>
+          </a:prstGeom>
+          <a:noFill/>
+          <a:ln>
+            <a:solidFill>
+              <a:schemeClr val="tx1"/>
+            </a:solidFill>
+          </a:ln>
+        </p:spPr>
+        <p:style>
+          <a:lnRef idx="2">
+            <a:schemeClr val="accent6"/>
+          </a:lnRef>
+          <a:fillRef idx="1">
+            <a:schemeClr val="lt1"/>
+          </a:fillRef>
+          <a:effectRef idx="0">
+            <a:schemeClr val="accent6"/>
+          </a:effectRef>
+          <a:fontRef idx="minor">
+            <a:schemeClr val="dk1"/>
+          </a:fontRef>
+        </p:style>
+        <p:txBody>
+          <a:bodyPr rtlCol="0" anchor="ctr"/>
+          <a:lstStyle/>
+          <a:p>
+            <a:pPr algn="ctr"/>
+            <a:endParaRPr lang="en-US"/>
+          </a:p>
+        </p:txBody>
+      </p:sp>
       <p:grpSp>
         <p:nvGrpSpPr>
-          <p:cNvPr id="90" name="Group 89"/>
+          <p:cNvPr id="7" name="Group 6">
+            <a:extLst>
+              <a:ext uri="{FF2B5EF4-FFF2-40B4-BE49-F238E27FC236}">
+                <a16:creationId xmlns:a16="http://schemas.microsoft.com/office/drawing/2014/main" id="{ABA115BA-78D7-1ACC-FD64-9A0EB4F866C3}"/>
+              </a:ext>
+            </a:extLst>
+          </p:cNvPr>
           <p:cNvGrpSpPr/>
           <p:nvPr/>
         </p:nvGrpSpPr>
         <p:grpSpPr>
           <a:xfrm>
-            <a:off x="189913" y="2868373"/>
-            <a:ext cx="8858711" cy="1252941"/>
-            <a:chOff x="189913" y="3381165"/>
-            <a:chExt cx="8858711" cy="1252941"/>
+            <a:off x="1408670" y="1902941"/>
+            <a:ext cx="1223319" cy="1149178"/>
+            <a:chOff x="1408670" y="1902941"/>
+            <a:chExt cx="1223319" cy="1149178"/>
           </a:xfrm>
         </p:grpSpPr>
-        <p:grpSp>
-          <p:nvGrpSpPr>
-            <p:cNvPr id="10" name="Group 9"/>
-            <p:cNvGrpSpPr/>
+        <p:sp>
+          <p:nvSpPr>
+            <p:cNvPr id="4" name="Oval 3">
+              <a:extLst>
+                <a:ext uri="{FF2B5EF4-FFF2-40B4-BE49-F238E27FC236}">
+                  <a16:creationId xmlns:a16="http://schemas.microsoft.com/office/drawing/2014/main" id="{6EF11D8F-706D-638F-B0D6-8F52DA71D474}"/>
+                </a:ext>
+              </a:extLst>
+            </p:cNvPr>
+            <p:cNvSpPr/>
             <p:nvPr/>
-          </p:nvGrpSpPr>
-          <p:grpSpPr>
+          </p:nvSpPr>
+          <p:spPr>
             <a:xfrm>
-              <a:off x="189913" y="3387736"/>
-              <a:ext cx="8858711" cy="1246370"/>
-              <a:chOff x="189913" y="1721177"/>
-              <a:chExt cx="8858711" cy="1246370"/>
+              <a:off x="1408670" y="1902941"/>
+              <a:ext cx="1223319" cy="1149178"/>
             </a:xfrm>
-          </p:grpSpPr>
-          <p:grpSp>
-            <p:nvGrpSpPr>
-              <p:cNvPr id="6" name="Group 5"/>
-              <p:cNvGrpSpPr/>
-              <p:nvPr/>
-            </p:nvGrpSpPr>
-            <p:grpSpPr>
-              <a:xfrm>
-                <a:off x="189913" y="1721177"/>
-                <a:ext cx="1246302" cy="1246370"/>
-                <a:chOff x="1436215" y="1721177"/>
-                <a:chExt cx="1246302" cy="1246370"/>
-              </a:xfrm>
-            </p:grpSpPr>
-            <p:sp>
-              <p:nvSpPr>
-                <p:cNvPr id="4" name="Oval 3"/>
-                <p:cNvSpPr/>
-                <p:nvPr/>
-              </p:nvSpPr>
-              <p:spPr>
-                <a:xfrm>
-                  <a:off x="1436215" y="1721177"/>
-                  <a:ext cx="1246302" cy="1246370"/>
-                </a:xfrm>
-                <a:prstGeom prst="ellipse">
-                  <a:avLst/>
-                </a:prstGeom>
-                <a:noFill/>
-                <a:ln w="38100" cmpd="sng">
-                  <a:solidFill>
-                    <a:schemeClr val="tx1"/>
-                  </a:solidFill>
-                </a:ln>
-                <a:effectLst/>
-              </p:spPr>
-              <p:style>
-                <a:lnRef idx="1">
-                  <a:schemeClr val="accent1"/>
-                </a:lnRef>
-                <a:fillRef idx="3">
-                  <a:schemeClr val="accent1"/>
-                </a:fillRef>
-                <a:effectRef idx="2">
-                  <a:schemeClr val="accent1"/>
-                </a:effectRef>
-                <a:fontRef idx="minor">
-                  <a:schemeClr val="lt1"/>
-                </a:fontRef>
-              </p:style>
-              <p:txBody>
-                <a:bodyPr rtlCol="0" anchor="ctr"/>
-                <a:lstStyle/>
-                <a:p>
-                  <a:pPr algn="ctr"/>
-                  <a:endParaRPr lang="en-US"/>
-                </a:p>
-              </p:txBody>
-            </p:sp>
-            <p:sp>
-              <p:nvSpPr>
-                <p:cNvPr id="5" name="TextBox 4"/>
-                <p:cNvSpPr txBox="1"/>
-                <p:nvPr/>
-              </p:nvSpPr>
-              <p:spPr>
-                <a:xfrm>
-                  <a:off x="1673605" y="2052185"/>
-                  <a:ext cx="762949" cy="461665"/>
-                </a:xfrm>
-                <a:prstGeom prst="rect">
-                  <a:avLst/>
-                </a:prstGeom>
-                <a:noFill/>
-              </p:spPr>
-              <p:txBody>
-                <a:bodyPr wrap="none" rtlCol="0">
-                  <a:spAutoFit/>
-                </a:bodyPr>
-                <a:lstStyle/>
-                <a:p>
-                  <a:r>
-                    <a:rPr lang="en-US" sz="2400" dirty="0">
-                      <a:latin typeface="Times New Roman"/>
-                      <a:cs typeface="Times New Roman"/>
-                    </a:rPr>
-                    <a:t>User</a:t>
-                  </a:r>
-                </a:p>
-              </p:txBody>
-            </p:sp>
-          </p:grpSp>
-          <p:grpSp>
-            <p:nvGrpSpPr>
-              <p:cNvPr id="7" name="Group 6"/>
-              <p:cNvGrpSpPr/>
-              <p:nvPr/>
-            </p:nvGrpSpPr>
-            <p:grpSpPr>
-              <a:xfrm>
-                <a:off x="7802322" y="1721177"/>
-                <a:ext cx="1246302" cy="1246370"/>
-                <a:chOff x="1436215" y="1721177"/>
-                <a:chExt cx="1246302" cy="1246370"/>
-              </a:xfrm>
-            </p:grpSpPr>
-            <p:sp>
-              <p:nvSpPr>
-                <p:cNvPr id="8" name="Oval 7"/>
-                <p:cNvSpPr/>
-                <p:nvPr/>
-              </p:nvSpPr>
-              <p:spPr>
-                <a:xfrm>
-                  <a:off x="1436215" y="1721177"/>
-                  <a:ext cx="1246302" cy="1246370"/>
-                </a:xfrm>
-                <a:prstGeom prst="ellipse">
-                  <a:avLst/>
-                </a:prstGeom>
-                <a:noFill/>
-                <a:ln w="38100" cmpd="sng">
-                  <a:solidFill>
-                    <a:schemeClr val="tx1"/>
-                  </a:solidFill>
-                </a:ln>
-                <a:effectLst/>
-              </p:spPr>
-              <p:style>
-                <a:lnRef idx="1">
-                  <a:schemeClr val="accent1"/>
-                </a:lnRef>
-                <a:fillRef idx="3">
-                  <a:schemeClr val="accent1"/>
-                </a:fillRef>
-                <a:effectRef idx="2">
-                  <a:schemeClr val="accent1"/>
-                </a:effectRef>
-                <a:fontRef idx="minor">
-                  <a:schemeClr val="lt1"/>
-                </a:fontRef>
-              </p:style>
-              <p:txBody>
-                <a:bodyPr rtlCol="0" anchor="ctr"/>
-                <a:lstStyle/>
-                <a:p>
-                  <a:pPr algn="ctr"/>
-                  <a:endParaRPr lang="en-US"/>
-                </a:p>
-              </p:txBody>
-            </p:sp>
-            <p:sp>
-              <p:nvSpPr>
-                <p:cNvPr id="9" name="TextBox 8"/>
-                <p:cNvSpPr txBox="1"/>
-                <p:nvPr/>
-              </p:nvSpPr>
-              <p:spPr>
-                <a:xfrm>
-                  <a:off x="1673605" y="2052185"/>
-                  <a:ext cx="762949" cy="461665"/>
-                </a:xfrm>
-                <a:prstGeom prst="rect">
-                  <a:avLst/>
-                </a:prstGeom>
-                <a:noFill/>
-              </p:spPr>
-              <p:txBody>
-                <a:bodyPr wrap="none" rtlCol="0">
-                  <a:spAutoFit/>
-                </a:bodyPr>
-                <a:lstStyle/>
-                <a:p>
-                  <a:r>
-                    <a:rPr lang="en-US" sz="2400" dirty="0">
-                      <a:latin typeface="Times New Roman"/>
-                      <a:cs typeface="Times New Roman"/>
-                    </a:rPr>
-                    <a:t>User</a:t>
-                  </a:r>
-                </a:p>
-              </p:txBody>
-            </p:sp>
-          </p:grpSp>
-        </p:grpSp>
-        <p:grpSp>
-          <p:nvGrpSpPr>
-            <p:cNvPr id="20" name="Group 19"/>
-            <p:cNvGrpSpPr/>
-            <p:nvPr/>
-          </p:nvGrpSpPr>
-          <p:grpSpPr>
-            <a:xfrm>
-              <a:off x="3885481" y="3381165"/>
-              <a:ext cx="1523744" cy="1246370"/>
-              <a:chOff x="3703297" y="1721177"/>
-              <a:chExt cx="1523744" cy="1246370"/>
-            </a:xfrm>
-          </p:grpSpPr>
-          <p:sp>
-            <p:nvSpPr>
-              <p:cNvPr id="18" name="Rectangle 17"/>
-              <p:cNvSpPr/>
-              <p:nvPr/>
-            </p:nvSpPr>
-            <p:spPr>
-              <a:xfrm>
-                <a:off x="3703297" y="1721177"/>
-                <a:ext cx="1483694" cy="1246370"/>
-              </a:xfrm>
-              <a:prstGeom prst="rect">
-                <a:avLst/>
-              </a:prstGeom>
-              <a:noFill/>
-              <a:ln w="38100" cmpd="sng">
-                <a:solidFill>
-                  <a:schemeClr val="tx1"/>
-                </a:solidFill>
-              </a:ln>
-              <a:effectLst/>
-            </p:spPr>
-            <p:style>
-              <a:lnRef idx="1">
-                <a:schemeClr val="accent1"/>
-              </a:lnRef>
-              <a:fillRef idx="3">
-                <a:schemeClr val="accent1"/>
-              </a:fillRef>
-              <a:effectRef idx="2">
-                <a:schemeClr val="accent1"/>
-              </a:effectRef>
-              <a:fontRef idx="minor">
-                <a:schemeClr val="lt1"/>
-              </a:fontRef>
-            </p:style>
-            <p:txBody>
-              <a:bodyPr rtlCol="0" anchor="ctr"/>
-              <a:lstStyle/>
-              <a:p>
-                <a:pPr algn="ctr"/>
-                <a:r>
-                  <a:rPr lang="en-US"/>
-                  <a:t>`</a:t>
-                </a:r>
-              </a:p>
-            </p:txBody>
-          </p:sp>
-          <p:sp>
-            <p:nvSpPr>
-              <p:cNvPr id="19" name="TextBox 18"/>
-              <p:cNvSpPr txBox="1"/>
-              <p:nvPr/>
-            </p:nvSpPr>
-            <p:spPr>
-              <a:xfrm>
-                <a:off x="3726309" y="2113529"/>
-                <a:ext cx="1500732" cy="461665"/>
-              </a:xfrm>
-              <a:prstGeom prst="rect">
-                <a:avLst/>
-              </a:prstGeom>
-              <a:noFill/>
-            </p:spPr>
-            <p:txBody>
-              <a:bodyPr wrap="none" rtlCol="0">
-                <a:spAutoFit/>
-              </a:bodyPr>
-              <a:lstStyle/>
-              <a:p>
-                <a:r>
-                  <a:rPr lang="en-US" sz="2400" dirty="0" err="1">
-                    <a:latin typeface="Times New Roman"/>
-                    <a:cs typeface="Times New Roman"/>
-                  </a:rPr>
-                  <a:t>ProgName</a:t>
-                </a:r>
-                <a:endParaRPr lang="en-US" sz="2400" dirty="0">
-                  <a:latin typeface="Times New Roman"/>
-                  <a:cs typeface="Times New Roman"/>
-                </a:endParaRPr>
-              </a:p>
-            </p:txBody>
-          </p:sp>
-        </p:grpSp>
-        <p:cxnSp>
-          <p:nvCxnSpPr>
-            <p:cNvPr id="25" name="Straight Arrow Connector 24"/>
-            <p:cNvCxnSpPr>
-              <a:stCxn id="4" idx="6"/>
-              <a:endCxn id="18" idx="1"/>
-            </p:cNvCxnSpPr>
-            <p:nvPr/>
-          </p:nvCxnSpPr>
-          <p:spPr>
-            <a:xfrm flipV="1">
-              <a:off x="1436215" y="4004350"/>
-              <a:ext cx="2449266" cy="6571"/>
-            </a:xfrm>
-            <a:prstGeom prst="straightConnector1">
+            <a:prstGeom prst="ellipse">
               <a:avLst/>
             </a:prstGeom>
-            <a:ln w="38100" cmpd="sng">
+            <a:noFill/>
+            <a:ln>
               <a:solidFill>
                 <a:schemeClr val="tx1"/>
               </a:solidFill>
-              <a:tailEnd type="arrow"/>
             </a:ln>
-            <a:effectLst/>
           </p:spPr>
           <p:style>
             <a:lnRef idx="2">
-              <a:schemeClr val="accent1"/>
+              <a:schemeClr val="accent6"/>
             </a:lnRef>
-            <a:fillRef idx="0">
-              <a:schemeClr val="accent1"/>
+            <a:fillRef idx="1">
+              <a:schemeClr val="lt1"/>
             </a:fillRef>
-            <a:effectRef idx="1">
-              <a:schemeClr val="accent1"/>
+            <a:effectRef idx="0">
+              <a:schemeClr val="accent6"/>
             </a:effectRef>
             <a:fontRef idx="minor">
-              <a:schemeClr val="tx1"/>
+              <a:schemeClr val="dk1"/>
             </a:fontRef>
           </p:style>
-        </p:cxnSp>
-        <p:cxnSp>
-          <p:nvCxnSpPr>
-            <p:cNvPr id="27" name="Straight Arrow Connector 26"/>
-            <p:cNvCxnSpPr/>
-            <p:nvPr/>
-          </p:nvCxnSpPr>
-          <p:spPr>
-            <a:xfrm>
-              <a:off x="5369175" y="4010921"/>
-              <a:ext cx="2449266" cy="0"/>
-            </a:xfrm>
-            <a:prstGeom prst="straightConnector1">
-              <a:avLst/>
-            </a:prstGeom>
-            <a:ln w="38100" cmpd="sng">
-              <a:solidFill>
-                <a:schemeClr val="tx1"/>
-              </a:solidFill>
-              <a:tailEnd type="arrow"/>
-            </a:ln>
-            <a:effectLst/>
-          </p:spPr>
-          <p:style>
-            <a:lnRef idx="2">
-              <a:schemeClr val="accent1"/>
-            </a:lnRef>
-            <a:fillRef idx="0">
-              <a:schemeClr val="accent1"/>
-            </a:fillRef>
-            <a:effectRef idx="1">
-              <a:schemeClr val="accent1"/>
-            </a:effectRef>
-            <a:fontRef idx="minor">
-              <a:schemeClr val="tx1"/>
-            </a:fontRef>
-          </p:style>
-        </p:cxnSp>
+          <p:txBody>
+            <a:bodyPr rtlCol="0" anchor="ctr"/>
+            <a:lstStyle/>
+            <a:p>
+              <a:pPr algn="ctr"/>
+              <a:endParaRPr lang="en-US"/>
+            </a:p>
+          </p:txBody>
+        </p:sp>
         <p:sp>
           <p:nvSpPr>
-            <p:cNvPr id="34" name="TextBox 33"/>
+            <p:cNvPr id="6" name="TextBox 5">
+              <a:extLst>
+                <a:ext uri="{FF2B5EF4-FFF2-40B4-BE49-F238E27FC236}">
+                  <a16:creationId xmlns:a16="http://schemas.microsoft.com/office/drawing/2014/main" id="{CCBEFD1D-EFEC-8EC2-CFED-343918F58826}"/>
+                </a:ext>
+              </a:extLst>
+            </p:cNvPr>
             <p:cNvSpPr txBox="1"/>
             <p:nvPr/>
           </p:nvSpPr>
           <p:spPr>
             <a:xfrm>
-              <a:off x="1745191" y="3577615"/>
-              <a:ext cx="1114408" cy="369332"/>
+              <a:off x="1690719" y="2292864"/>
+              <a:ext cx="659219" cy="369332"/>
             </a:xfrm>
             <a:prstGeom prst="rect">
               <a:avLst/>
@@ -3517,31 +3905,105 @@
             <a:noFill/>
           </p:spPr>
           <p:txBody>
-            <a:bodyPr wrap="none" rtlCol="0">
+            <a:bodyPr wrap="square" rtlCol="0">
               <a:spAutoFit/>
             </a:bodyPr>
             <a:lstStyle/>
             <a:p>
               <a:r>
-                <a:rPr lang="en-US" dirty="0">
-                  <a:latin typeface="Times New Roman"/>
-                  <a:cs typeface="Times New Roman"/>
-                </a:rPr>
-                <a:t>Inputs: …</a:t>
+                <a:rPr lang="en-US" dirty="0"/>
+                <a:t>User</a:t>
               </a:r>
+            </a:p>
+          </p:txBody>
+        </p:sp>
+      </p:grpSp>
+      <p:grpSp>
+        <p:nvGrpSpPr>
+          <p:cNvPr id="8" name="Group 7">
+            <a:extLst>
+              <a:ext uri="{FF2B5EF4-FFF2-40B4-BE49-F238E27FC236}">
+                <a16:creationId xmlns:a16="http://schemas.microsoft.com/office/drawing/2014/main" id="{33A274F7-A8ED-21DE-C211-BCDB6375EC1D}"/>
+              </a:ext>
+            </a:extLst>
+          </p:cNvPr>
+          <p:cNvGrpSpPr/>
+          <p:nvPr/>
+        </p:nvGrpSpPr>
+        <p:grpSpPr>
+          <a:xfrm>
+            <a:off x="9051420" y="1902941"/>
+            <a:ext cx="1223319" cy="1149178"/>
+            <a:chOff x="1408670" y="1902941"/>
+            <a:chExt cx="1223319" cy="1149178"/>
+          </a:xfrm>
+        </p:grpSpPr>
+        <p:sp>
+          <p:nvSpPr>
+            <p:cNvPr id="9" name="Oval 8">
+              <a:extLst>
+                <a:ext uri="{FF2B5EF4-FFF2-40B4-BE49-F238E27FC236}">
+                  <a16:creationId xmlns:a16="http://schemas.microsoft.com/office/drawing/2014/main" id="{F53FD61F-743D-9FF5-FE2D-4E391C1E2CFC}"/>
+                </a:ext>
+              </a:extLst>
+            </p:cNvPr>
+            <p:cNvSpPr/>
+            <p:nvPr/>
+          </p:nvSpPr>
+          <p:spPr>
+            <a:xfrm>
+              <a:off x="1408670" y="1902941"/>
+              <a:ext cx="1223319" cy="1149178"/>
+            </a:xfrm>
+            <a:prstGeom prst="ellipse">
+              <a:avLst/>
+            </a:prstGeom>
+            <a:noFill/>
+            <a:ln>
+              <a:solidFill>
+                <a:schemeClr val="tx1"/>
+              </a:solidFill>
+            </a:ln>
+          </p:spPr>
+          <p:style>
+            <a:lnRef idx="2">
+              <a:schemeClr val="accent6"/>
+            </a:lnRef>
+            <a:fillRef idx="1">
+              <a:schemeClr val="lt1"/>
+            </a:fillRef>
+            <a:effectRef idx="0">
+              <a:schemeClr val="accent6"/>
+            </a:effectRef>
+            <a:fontRef idx="minor">
+              <a:schemeClr val="dk1"/>
+            </a:fontRef>
+          </p:style>
+          <p:txBody>
+            <a:bodyPr rtlCol="0" anchor="ctr"/>
+            <a:lstStyle/>
+            <a:p>
+              <a:pPr algn="ctr"/>
+              <a:endParaRPr lang="en-US"/>
             </a:p>
           </p:txBody>
         </p:sp>
         <p:sp>
           <p:nvSpPr>
-            <p:cNvPr id="35" name="TextBox 34"/>
+            <p:cNvPr id="10" name="TextBox 9">
+              <a:extLst>
+                <a:ext uri="{FF2B5EF4-FFF2-40B4-BE49-F238E27FC236}">
+                  <a16:creationId xmlns:a16="http://schemas.microsoft.com/office/drawing/2014/main" id="{5AE1770B-B2E7-F368-5E32-3EAFA4A85E7D}"/>
+                </a:ext>
+              </a:extLst>
+            </p:cNvPr>
             <p:cNvSpPr txBox="1"/>
             <p:nvPr/>
           </p:nvSpPr>
           <p:spPr>
             <a:xfrm>
-              <a:off x="5369175" y="3577615"/>
-              <a:ext cx="1268296" cy="369332"/>
+              <a:off x="1690719" y="2292864"/>
+              <a:ext cx="659219" cy="369332"/>
             </a:xfrm>
             <a:prstGeom prst="rect">
               <a:avLst/>
@@ -3549,26 +4011,219 @@
             <a:noFill/>
           </p:spPr>
           <p:txBody>
-            <a:bodyPr wrap="none" rtlCol="0">
+            <a:bodyPr wrap="square" rtlCol="0">
               <a:spAutoFit/>
             </a:bodyPr>
             <a:lstStyle/>
             <a:p>
               <a:r>
-                <a:rPr lang="en-US" dirty="0">
-                  <a:latin typeface="Times New Roman"/>
-                  <a:cs typeface="Times New Roman"/>
-                </a:rPr>
-                <a:t>Outputs: …</a:t>
+                <a:rPr lang="en-US" dirty="0"/>
+                <a:t>User</a:t>
               </a:r>
             </a:p>
           </p:txBody>
         </p:sp>
       </p:grpSp>
+      <p:cxnSp>
+        <p:nvCxnSpPr>
+          <p:cNvPr id="12" name="Straight Arrow Connector 11">
+            <a:extLst>
+              <a:ext uri="{FF2B5EF4-FFF2-40B4-BE49-F238E27FC236}">
+                <a16:creationId xmlns:a16="http://schemas.microsoft.com/office/drawing/2014/main" id="{15450458-2307-A748-43BC-623E800ADC83}"/>
+              </a:ext>
+            </a:extLst>
+          </p:cNvPr>
+          <p:cNvCxnSpPr>
+            <a:stCxn id="4" idx="6"/>
+            <a:endCxn id="5" idx="1"/>
+          </p:cNvCxnSpPr>
+          <p:nvPr/>
+        </p:nvCxnSpPr>
+        <p:spPr>
+          <a:xfrm>
+            <a:off x="2631989" y="2477530"/>
+            <a:ext cx="2214685" cy="1"/>
+          </a:xfrm>
+          <a:prstGeom prst="straightConnector1">
+            <a:avLst/>
+          </a:prstGeom>
+          <a:ln>
+            <a:tailEnd type="triangle"/>
+          </a:ln>
+        </p:spPr>
+        <p:style>
+          <a:lnRef idx="2">
+            <a:schemeClr val="accent1"/>
+          </a:lnRef>
+          <a:fillRef idx="0">
+            <a:schemeClr val="accent1"/>
+          </a:fillRef>
+          <a:effectRef idx="1">
+            <a:schemeClr val="accent1"/>
+          </a:effectRef>
+          <a:fontRef idx="minor">
+            <a:schemeClr val="tx1"/>
+          </a:fontRef>
+        </p:style>
+      </p:cxnSp>
+      <p:cxnSp>
+        <p:nvCxnSpPr>
+          <p:cNvPr id="14" name="Straight Arrow Connector 13">
+            <a:extLst>
+              <a:ext uri="{FF2B5EF4-FFF2-40B4-BE49-F238E27FC236}">
+                <a16:creationId xmlns:a16="http://schemas.microsoft.com/office/drawing/2014/main" id="{5A064AAA-AC17-B280-9863-FD46F733FB7E}"/>
+              </a:ext>
+            </a:extLst>
+          </p:cNvPr>
+          <p:cNvCxnSpPr>
+            <a:stCxn id="5" idx="3"/>
+            <a:endCxn id="9" idx="2"/>
+          </p:cNvCxnSpPr>
+          <p:nvPr/>
+        </p:nvCxnSpPr>
+        <p:spPr>
+          <a:xfrm flipV="1">
+            <a:off x="6836735" y="2477530"/>
+            <a:ext cx="2214685" cy="1"/>
+          </a:xfrm>
+          <a:prstGeom prst="straightConnector1">
+            <a:avLst/>
+          </a:prstGeom>
+          <a:ln>
+            <a:tailEnd type="triangle"/>
+          </a:ln>
+        </p:spPr>
+        <p:style>
+          <a:lnRef idx="2">
+            <a:schemeClr val="accent1"/>
+          </a:lnRef>
+          <a:fillRef idx="0">
+            <a:schemeClr val="accent1"/>
+          </a:fillRef>
+          <a:effectRef idx="1">
+            <a:schemeClr val="accent1"/>
+          </a:effectRef>
+          <a:fontRef idx="minor">
+            <a:schemeClr val="tx1"/>
+          </a:fontRef>
+        </p:style>
+      </p:cxnSp>
+      <p:sp>
+        <p:nvSpPr>
+          <p:cNvPr id="15" name="TextBox 14">
+            <a:extLst>
+              <a:ext uri="{FF2B5EF4-FFF2-40B4-BE49-F238E27FC236}">
+                <a16:creationId xmlns:a16="http://schemas.microsoft.com/office/drawing/2014/main" id="{209CBE4F-31E7-A591-B6BA-F7A4CED41C9E}"/>
+              </a:ext>
+            </a:extLst>
+          </p:cNvPr>
+          <p:cNvSpPr txBox="1">
+            <a:spLocks/>
+          </p:cNvSpPr>
+          <p:nvPr/>
+        </p:nvSpPr>
+        <p:spPr>
+          <a:xfrm>
+            <a:off x="5097425" y="2292864"/>
+            <a:ext cx="1488558" cy="369332"/>
+          </a:xfrm>
+          <a:prstGeom prst="rect">
+            <a:avLst/>
+          </a:prstGeom>
+          <a:noFill/>
+        </p:spPr>
+        <p:txBody>
+          <a:bodyPr wrap="square" rtlCol="0">
+            <a:spAutoFit/>
+          </a:bodyPr>
+          <a:lstStyle/>
+          <a:p>
+            <a:r>
+              <a:rPr lang="en-US" dirty="0"/>
+              <a:t>Re-</a:t>
+            </a:r>
+            <a:r>
+              <a:rPr lang="en-US" dirty="0" err="1"/>
+              <a:t>ProtGNN</a:t>
+            </a:r>
+            <a:endParaRPr lang="en-US" dirty="0"/>
+          </a:p>
+        </p:txBody>
+      </p:sp>
+      <p:sp>
+        <p:nvSpPr>
+          <p:cNvPr id="16" name="TextBox 15">
+            <a:extLst>
+              <a:ext uri="{FF2B5EF4-FFF2-40B4-BE49-F238E27FC236}">
+                <a16:creationId xmlns:a16="http://schemas.microsoft.com/office/drawing/2014/main" id="{1185B2B2-D319-AFB4-0B23-9EC8CB41B614}"/>
+              </a:ext>
+            </a:extLst>
+          </p:cNvPr>
+          <p:cNvSpPr txBox="1"/>
+          <p:nvPr/>
+        </p:nvSpPr>
+        <p:spPr>
+          <a:xfrm>
+            <a:off x="2842148" y="2005570"/>
+            <a:ext cx="1722475" cy="369332"/>
+          </a:xfrm>
+          <a:prstGeom prst="rect">
+            <a:avLst/>
+          </a:prstGeom>
+          <a:noFill/>
+        </p:spPr>
+        <p:txBody>
+          <a:bodyPr wrap="square" rtlCol="0">
+            <a:spAutoFit/>
+          </a:bodyPr>
+          <a:lstStyle/>
+          <a:p>
+            <a:r>
+              <a:rPr lang="en-US" dirty="0"/>
+              <a:t>Input: graphs</a:t>
+            </a:r>
+          </a:p>
+        </p:txBody>
+      </p:sp>
+      <p:sp>
+        <p:nvSpPr>
+          <p:cNvPr id="17" name="TextBox 16">
+            <a:extLst>
+              <a:ext uri="{FF2B5EF4-FFF2-40B4-BE49-F238E27FC236}">
+                <a16:creationId xmlns:a16="http://schemas.microsoft.com/office/drawing/2014/main" id="{3C8D363E-9510-F381-1896-0CDB3ACBE48A}"/>
+              </a:ext>
+            </a:extLst>
+          </p:cNvPr>
+          <p:cNvSpPr txBox="1"/>
+          <p:nvPr/>
+        </p:nvSpPr>
+        <p:spPr>
+          <a:xfrm>
+            <a:off x="6949047" y="1554200"/>
+            <a:ext cx="1990061" cy="923330"/>
+          </a:xfrm>
+          <a:prstGeom prst="rect">
+            <a:avLst/>
+          </a:prstGeom>
+          <a:noFill/>
+        </p:spPr>
+        <p:txBody>
+          <a:bodyPr wrap="square" rtlCol="0">
+            <a:spAutoFit/>
+          </a:bodyPr>
+          <a:lstStyle/>
+          <a:p>
+            <a:r>
+              <a:rPr lang="en-US" dirty="0"/>
+              <a:t>Outputs: trained model, predicted labels, prototypes</a:t>
+            </a:r>
+          </a:p>
+        </p:txBody>
+      </p:sp>
     </p:spTree>
     <p:extLst>
       <p:ext uri="{BB962C8B-B14F-4D97-AF65-F5344CB8AC3E}">
-        <p14:creationId xmlns:p14="http://schemas.microsoft.com/office/powerpoint/2010/main" val="2981099056"/>
+        <p14:creationId xmlns:p14="http://schemas.microsoft.com/office/powerpoint/2010/main" val="1736249648"/>
       </p:ext>
     </p:extLst>
   </p:cSld>
@@ -3589,44 +4244,44 @@
         <a:sysClr val="window" lastClr="FFFFFF"/>
       </a:lt1>
       <a:dk2>
-        <a:srgbClr val="1F497D"/>
+        <a:srgbClr val="0E2841"/>
       </a:dk2>
       <a:lt2>
-        <a:srgbClr val="EEECE1"/>
+        <a:srgbClr val="E8E8E8"/>
       </a:lt2>
       <a:accent1>
-        <a:srgbClr val="4F81BD"/>
+        <a:srgbClr val="156082"/>
       </a:accent1>
       <a:accent2>
-        <a:srgbClr val="C0504D"/>
+        <a:srgbClr val="E97132"/>
       </a:accent2>
       <a:accent3>
-        <a:srgbClr val="9BBB59"/>
+        <a:srgbClr val="196B24"/>
       </a:accent3>
       <a:accent4>
-        <a:srgbClr val="8064A2"/>
+        <a:srgbClr val="0F9ED5"/>
       </a:accent4>
       <a:accent5>
-        <a:srgbClr val="4BACC6"/>
+        <a:srgbClr val="A02B93"/>
       </a:accent5>
       <a:accent6>
-        <a:srgbClr val="F79646"/>
+        <a:srgbClr val="4EA72E"/>
       </a:accent6>
       <a:hlink>
-        <a:srgbClr val="0000FF"/>
+        <a:srgbClr val="467886"/>
       </a:hlink>
       <a:folHlink>
-        <a:srgbClr val="800080"/>
+        <a:srgbClr val="96607D"/>
       </a:folHlink>
     </a:clrScheme>
     <a:fontScheme name="Office">
       <a:majorFont>
-        <a:latin typeface="Calibri"/>
+        <a:latin typeface="Aptos Display" panose="02110004020202020204"/>
         <a:ea typeface=""/>
         <a:cs typeface=""/>
-        <a:font script="Jpan" typeface="ＭＳ Ｐゴシック"/>
+        <a:font script="Jpan" typeface="游ゴシック Light"/>
         <a:font script="Hang" typeface="맑은 고딕"/>
-        <a:font script="Hans" typeface="宋体"/>
+        <a:font script="Hans" typeface="等线 Light"/>
         <a:font script="Hant" typeface="新細明體"/>
         <a:font script="Arab" typeface="Times New Roman"/>
         <a:font script="Hebr" typeface="Times New Roman"/>
@@ -3654,14 +4309,31 @@
         <a:font script="Viet" typeface="Times New Roman"/>
         <a:font script="Uigh" typeface="Microsoft Uighur"/>
         <a:font script="Geor" typeface="Sylfaen"/>
+        <a:font script="Armn" typeface="Arial"/>
+        <a:font script="Bugi" typeface="Leelawadee UI"/>
+        <a:font script="Bopo" typeface="Microsoft JhengHei"/>
+        <a:font script="Java" typeface="Javanese Text"/>
+        <a:font script="Lisu" typeface="Segoe UI"/>
+        <a:font script="Mymr" typeface="Myanmar Text"/>
+        <a:font script="Nkoo" typeface="Ebrima"/>
+        <a:font script="Olck" typeface="Nirmala UI"/>
+        <a:font script="Osma" typeface="Ebrima"/>
+        <a:font script="Phag" typeface="Phagspa"/>
+        <a:font script="Syrn" typeface="Estrangelo Edessa"/>
+        <a:font script="Syrj" typeface="Estrangelo Edessa"/>
+        <a:font script="Syre" typeface="Estrangelo Edessa"/>
+        <a:font script="Sora" typeface="Nirmala UI"/>
+        <a:font script="Tale" typeface="Microsoft Tai Le"/>
+        <a:font script="Talu" typeface="Microsoft New Tai Lue"/>
+        <a:font script="Tfng" typeface="Ebrima"/>
       </a:majorFont>
       <a:minorFont>
-        <a:latin typeface="Calibri"/>
+        <a:latin typeface="Aptos" panose="02110004020202020204"/>
         <a:ea typeface=""/>
         <a:cs typeface=""/>
-        <a:font script="Jpan" typeface="ＭＳ Ｐゴシック"/>
+        <a:font script="Jpan" typeface="游ゴシック"/>
         <a:font script="Hang" typeface="맑은 고딕"/>
-        <a:font script="Hans" typeface="宋体"/>
+        <a:font script="Hans" typeface="等线"/>
         <a:font script="Hant" typeface="新細明體"/>
         <a:font script="Arab" typeface="Arial"/>
         <a:font script="Hebr" typeface="Arial"/>
@@ -3689,6 +4361,23 @@
         <a:font script="Viet" typeface="Arial"/>
         <a:font script="Uigh" typeface="Microsoft Uighur"/>
         <a:font script="Geor" typeface="Sylfaen"/>
+        <a:font script="Armn" typeface="Arial"/>
+        <a:font script="Bugi" typeface="Leelawadee UI"/>
+        <a:font script="Bopo" typeface="Microsoft JhengHei"/>
+        <a:font script="Java" typeface="Javanese Text"/>
+        <a:font script="Lisu" typeface="Segoe UI"/>
+        <a:font script="Mymr" typeface="Myanmar Text"/>
+        <a:font script="Nkoo" typeface="Ebrima"/>
+        <a:font script="Olck" typeface="Nirmala UI"/>
+        <a:font script="Osma" typeface="Ebrima"/>
+        <a:font script="Phag" typeface="Phagspa"/>
+        <a:font script="Syrn" typeface="Estrangelo Edessa"/>
+        <a:font script="Syrj" typeface="Estrangelo Edessa"/>
+        <a:font script="Syre" typeface="Estrangelo Edessa"/>
+        <a:font script="Sora" typeface="Nirmala UI"/>
+        <a:font script="Tale" typeface="Microsoft Tai Le"/>
+        <a:font script="Talu" typeface="Microsoft New Tai Lue"/>
+        <a:font script="Tfng" typeface="Ebrima"/>
       </a:minorFont>
     </a:fontScheme>
     <a:fmtScheme name="Office">
@@ -3700,180 +4389,136 @@
           <a:gsLst>
             <a:gs pos="0">
               <a:schemeClr val="phClr">
-                <a:tint val="50000"/>
-                <a:satMod val="300000"/>
+                <a:lumMod val="110000"/>
+                <a:satMod val="105000"/>
+                <a:tint val="67000"/>
               </a:schemeClr>
             </a:gs>
-            <a:gs pos="35000">
+            <a:gs pos="50000">
               <a:schemeClr val="phClr">
-                <a:tint val="37000"/>
-                <a:satMod val="300000"/>
+                <a:lumMod val="105000"/>
+                <a:satMod val="103000"/>
+                <a:tint val="73000"/>
               </a:schemeClr>
             </a:gs>
             <a:gs pos="100000">
               <a:schemeClr val="phClr">
-                <a:tint val="15000"/>
-                <a:satMod val="350000"/>
+                <a:lumMod val="105000"/>
+                <a:satMod val="109000"/>
+                <a:tint val="81000"/>
               </a:schemeClr>
             </a:gs>
           </a:gsLst>
-          <a:lin ang="16200000" scaled="1"/>
+          <a:lin ang="5400000" scaled="0"/>
         </a:gradFill>
         <a:gradFill rotWithShape="1">
           <a:gsLst>
             <a:gs pos="0">
               <a:schemeClr val="phClr">
-                <a:tint val="100000"/>
+                <a:satMod val="103000"/>
+                <a:lumMod val="102000"/>
+                <a:tint val="94000"/>
+              </a:schemeClr>
+            </a:gs>
+            <a:gs pos="50000">
+              <a:schemeClr val="phClr">
+                <a:satMod val="110000"/>
+                <a:lumMod val="100000"/>
                 <a:shade val="100000"/>
-                <a:satMod val="130000"/>
               </a:schemeClr>
             </a:gs>
             <a:gs pos="100000">
               <a:schemeClr val="phClr">
-                <a:tint val="50000"/>
-                <a:shade val="100000"/>
-                <a:satMod val="350000"/>
+                <a:lumMod val="99000"/>
+                <a:satMod val="120000"/>
+                <a:shade val="78000"/>
               </a:schemeClr>
             </a:gs>
           </a:gsLst>
-          <a:lin ang="16200000" scaled="0"/>
+          <a:lin ang="5400000" scaled="0"/>
         </a:gradFill>
       </a:fillStyleLst>
       <a:lnStyleLst>
-        <a:ln w="9525" cap="flat" cmpd="sng" algn="ctr">
+        <a:ln w="12700" cap="flat" cmpd="sng" algn="ctr">
           <a:solidFill>
-            <a:schemeClr val="phClr">
-              <a:shade val="95000"/>
-              <a:satMod val="105000"/>
-            </a:schemeClr>
+            <a:schemeClr val="phClr"/>
           </a:solidFill>
           <a:prstDash val="solid"/>
+          <a:miter lim="800000"/>
+        </a:ln>
+        <a:ln w="19050" cap="flat" cmpd="sng" algn="ctr">
+          <a:solidFill>
+            <a:schemeClr val="phClr"/>
+          </a:solidFill>
+          <a:prstDash val="solid"/>
+          <a:miter lim="800000"/>
         </a:ln>
         <a:ln w="25400" cap="flat" cmpd="sng" algn="ctr">
           <a:solidFill>
             <a:schemeClr val="phClr"/>
           </a:solidFill>
           <a:prstDash val="solid"/>
-        </a:ln>
-        <a:ln w="38100" cap="flat" cmpd="sng" algn="ctr">
-          <a:solidFill>
-            <a:schemeClr val="phClr"/>
-          </a:solidFill>
-          <a:prstDash val="solid"/>
+          <a:miter lim="800000"/>
         </a:ln>
       </a:lnStyleLst>
       <a:effectStyleLst>
         <a:effectStyle>
+          <a:effectLst/>
+        </a:effectStyle>
+        <a:effectStyle>
+          <a:effectLst/>
+        </a:effectStyle>
+        <a:effectStyle>
           <a:effectLst>
-            <a:outerShdw blurRad="40000" dist="20000" dir="5400000" rotWithShape="0">
+            <a:outerShdw blurRad="57150" dist="19050" dir="5400000" algn="ctr" rotWithShape="0">
               <a:srgbClr val="000000">
-                <a:alpha val="38000"/>
+                <a:alpha val="63000"/>
               </a:srgbClr>
             </a:outerShdw>
           </a:effectLst>
-        </a:effectStyle>
-        <a:effectStyle>
-          <a:effectLst>
-            <a:outerShdw blurRad="40000" dist="23000" dir="5400000" rotWithShape="0">
-              <a:srgbClr val="000000">
-                <a:alpha val="35000"/>
-              </a:srgbClr>
-            </a:outerShdw>
-          </a:effectLst>
-        </a:effectStyle>
-        <a:effectStyle>
-          <a:effectLst>
-            <a:outerShdw blurRad="40000" dist="23000" dir="5400000" rotWithShape="0">
-              <a:srgbClr val="000000">
-                <a:alpha val="35000"/>
-              </a:srgbClr>
-            </a:outerShdw>
-          </a:effectLst>
-          <a:scene3d>
-            <a:camera prst="orthographicFront">
-              <a:rot lat="0" lon="0" rev="0"/>
-            </a:camera>
-            <a:lightRig rig="threePt" dir="t">
-              <a:rot lat="0" lon="0" rev="1200000"/>
-            </a:lightRig>
-          </a:scene3d>
-          <a:sp3d>
-            <a:bevelT w="63500" h="25400"/>
-          </a:sp3d>
         </a:effectStyle>
       </a:effectStyleLst>
       <a:bgFillStyleLst>
         <a:solidFill>
           <a:schemeClr val="phClr"/>
         </a:solidFill>
+        <a:solidFill>
+          <a:schemeClr val="phClr">
+            <a:tint val="95000"/>
+            <a:satMod val="170000"/>
+          </a:schemeClr>
+        </a:solidFill>
         <a:gradFill rotWithShape="1">
           <a:gsLst>
             <a:gs pos="0">
               <a:schemeClr val="phClr">
-                <a:tint val="40000"/>
-                <a:satMod val="350000"/>
+                <a:tint val="93000"/>
+                <a:satMod val="150000"/>
+                <a:shade val="98000"/>
+                <a:lumMod val="102000"/>
               </a:schemeClr>
             </a:gs>
-            <a:gs pos="40000">
+            <a:gs pos="50000">
               <a:schemeClr val="phClr">
-                <a:tint val="45000"/>
-                <a:shade val="99000"/>
-                <a:satMod val="350000"/>
+                <a:tint val="98000"/>
+                <a:satMod val="130000"/>
+                <a:shade val="90000"/>
+                <a:lumMod val="103000"/>
               </a:schemeClr>
             </a:gs>
             <a:gs pos="100000">
               <a:schemeClr val="phClr">
-                <a:shade val="20000"/>
-                <a:satMod val="255000"/>
+                <a:shade val="63000"/>
+                <a:satMod val="120000"/>
               </a:schemeClr>
             </a:gs>
           </a:gsLst>
-          <a:path path="circle">
-            <a:fillToRect l="50000" t="-80000" r="50000" b="180000"/>
-          </a:path>
-        </a:gradFill>
-        <a:gradFill rotWithShape="1">
-          <a:gsLst>
-            <a:gs pos="0">
-              <a:schemeClr val="phClr">
-                <a:tint val="80000"/>
-                <a:satMod val="300000"/>
-              </a:schemeClr>
-            </a:gs>
-            <a:gs pos="100000">
-              <a:schemeClr val="phClr">
-                <a:shade val="30000"/>
-                <a:satMod val="200000"/>
-              </a:schemeClr>
-            </a:gs>
-          </a:gsLst>
-          <a:path path="circle">
-            <a:fillToRect l="50000" t="50000" r="50000" b="50000"/>
-          </a:path>
+          <a:lin ang="5400000" scaled="0"/>
         </a:gradFill>
       </a:bgFillStyleLst>
     </a:fmtScheme>
   </a:themeElements>
   <a:objectDefaults>
-    <a:spDef>
-      <a:spPr/>
-      <a:bodyPr/>
-      <a:lstStyle/>
-      <a:style>
-        <a:lnRef idx="1">
-          <a:schemeClr val="accent1"/>
-        </a:lnRef>
-        <a:fillRef idx="3">
-          <a:schemeClr val="accent1"/>
-        </a:fillRef>
-        <a:effectRef idx="2">
-          <a:schemeClr val="accent1"/>
-        </a:effectRef>
-        <a:fontRef idx="minor">
-          <a:schemeClr val="lt1"/>
-        </a:fontRef>
-      </a:style>
-    </a:spDef>
     <a:lnDef>
       <a:spPr/>
       <a:bodyPr/>
@@ -3895,5 +4540,325 @@
     </a:lnDef>
   </a:objectDefaults>
   <a:extraClrSchemeLst/>
+  <a:extLst>
+    <a:ext uri="{05A4C25C-085E-4340-85A3-A5531E510DB2}">
+      <thm15:themeFamily xmlns:thm15="http://schemas.microsoft.com/office/thememl/2012/main" name="Office Theme" id="{2E142A2C-CD16-42D6-873A-C26D2A0506FA}" vid="{1BDDFF52-6CD6-40A5-AB3C-68EB2F1E4D0A}"/>
+    </a:ext>
+  </a:extLst>
+</a:theme>
+</file>
+
+<file path=ppt/theme/theme2.xml><?xml version="1.0" encoding="utf-8"?>
+<a:theme xmlns:a="http://schemas.openxmlformats.org/drawingml/2006/main" name="Office Theme">
+  <a:themeElements>
+    <a:clrScheme name="Office">
+      <a:dk1>
+        <a:sysClr val="windowText" lastClr="000000"/>
+      </a:dk1>
+      <a:lt1>
+        <a:sysClr val="window" lastClr="FFFFFF"/>
+      </a:lt1>
+      <a:dk2>
+        <a:srgbClr val="0E2841"/>
+      </a:dk2>
+      <a:lt2>
+        <a:srgbClr val="E8E8E8"/>
+      </a:lt2>
+      <a:accent1>
+        <a:srgbClr val="156082"/>
+      </a:accent1>
+      <a:accent2>
+        <a:srgbClr val="E97132"/>
+      </a:accent2>
+      <a:accent3>
+        <a:srgbClr val="196B24"/>
+      </a:accent3>
+      <a:accent4>
+        <a:srgbClr val="0F9ED5"/>
+      </a:accent4>
+      <a:accent5>
+        <a:srgbClr val="A02B93"/>
+      </a:accent5>
+      <a:accent6>
+        <a:srgbClr val="4EA72E"/>
+      </a:accent6>
+      <a:hlink>
+        <a:srgbClr val="467886"/>
+      </a:hlink>
+      <a:folHlink>
+        <a:srgbClr val="96607D"/>
+      </a:folHlink>
+    </a:clrScheme>
+    <a:fontScheme name="Office">
+      <a:majorFont>
+        <a:latin typeface="Aptos Display" panose="02110004020202020204"/>
+        <a:ea typeface=""/>
+        <a:cs typeface=""/>
+        <a:font script="Jpan" typeface="游ゴシック Light"/>
+        <a:font script="Hang" typeface="맑은 고딕"/>
+        <a:font script="Hans" typeface="等线 Light"/>
+        <a:font script="Hant" typeface="新細明體"/>
+        <a:font script="Arab" typeface="Times New Roman"/>
+        <a:font script="Hebr" typeface="Times New Roman"/>
+        <a:font script="Thai" typeface="Angsana New"/>
+        <a:font script="Ethi" typeface="Nyala"/>
+        <a:font script="Beng" typeface="Vrinda"/>
+        <a:font script="Gujr" typeface="Shruti"/>
+        <a:font script="Khmr" typeface="MoolBoran"/>
+        <a:font script="Knda" typeface="Tunga"/>
+        <a:font script="Guru" typeface="Raavi"/>
+        <a:font script="Cans" typeface="Euphemia"/>
+        <a:font script="Cher" typeface="Plantagenet Cherokee"/>
+        <a:font script="Yiii" typeface="Microsoft Yi Baiti"/>
+        <a:font script="Tibt" typeface="Microsoft Himalaya"/>
+        <a:font script="Thaa" typeface="MV Boli"/>
+        <a:font script="Deva" typeface="Mangal"/>
+        <a:font script="Telu" typeface="Gautami"/>
+        <a:font script="Taml" typeface="Latha"/>
+        <a:font script="Syrc" typeface="Estrangelo Edessa"/>
+        <a:font script="Orya" typeface="Kalinga"/>
+        <a:font script="Mlym" typeface="Kartika"/>
+        <a:font script="Laoo" typeface="DokChampa"/>
+        <a:font script="Sinh" typeface="Iskoola Pota"/>
+        <a:font script="Mong" typeface="Mongolian Baiti"/>
+        <a:font script="Viet" typeface="Times New Roman"/>
+        <a:font script="Uigh" typeface="Microsoft Uighur"/>
+        <a:font script="Geor" typeface="Sylfaen"/>
+        <a:font script="Armn" typeface="Arial"/>
+        <a:font script="Bugi" typeface="Leelawadee UI"/>
+        <a:font script="Bopo" typeface="Microsoft JhengHei"/>
+        <a:font script="Java" typeface="Javanese Text"/>
+        <a:font script="Lisu" typeface="Segoe UI"/>
+        <a:font script="Mymr" typeface="Myanmar Text"/>
+        <a:font script="Nkoo" typeface="Ebrima"/>
+        <a:font script="Olck" typeface="Nirmala UI"/>
+        <a:font script="Osma" typeface="Ebrima"/>
+        <a:font script="Phag" typeface="Phagspa"/>
+        <a:font script="Syrn" typeface="Estrangelo Edessa"/>
+        <a:font script="Syrj" typeface="Estrangelo Edessa"/>
+        <a:font script="Syre" typeface="Estrangelo Edessa"/>
+        <a:font script="Sora" typeface="Nirmala UI"/>
+        <a:font script="Tale" typeface="Microsoft Tai Le"/>
+        <a:font script="Talu" typeface="Microsoft New Tai Lue"/>
+        <a:font script="Tfng" typeface="Ebrima"/>
+      </a:majorFont>
+      <a:minorFont>
+        <a:latin typeface="Aptos" panose="02110004020202020204"/>
+        <a:ea typeface=""/>
+        <a:cs typeface=""/>
+        <a:font script="Jpan" typeface="游ゴシック"/>
+        <a:font script="Hang" typeface="맑은 고딕"/>
+        <a:font script="Hans" typeface="等线"/>
+        <a:font script="Hant" typeface="新細明體"/>
+        <a:font script="Arab" typeface="Arial"/>
+        <a:font script="Hebr" typeface="Arial"/>
+        <a:font script="Thai" typeface="Cordia New"/>
+        <a:font script="Ethi" typeface="Nyala"/>
+        <a:font script="Beng" typeface="Vrinda"/>
+        <a:font script="Gujr" typeface="Shruti"/>
+        <a:font script="Khmr" typeface="DaunPenh"/>
+        <a:font script="Knda" typeface="Tunga"/>
+        <a:font script="Guru" typeface="Raavi"/>
+        <a:font script="Cans" typeface="Euphemia"/>
+        <a:font script="Cher" typeface="Plantagenet Cherokee"/>
+        <a:font script="Yiii" typeface="Microsoft Yi Baiti"/>
+        <a:font script="Tibt" typeface="Microsoft Himalaya"/>
+        <a:font script="Thaa" typeface="MV Boli"/>
+        <a:font script="Deva" typeface="Mangal"/>
+        <a:font script="Telu" typeface="Gautami"/>
+        <a:font script="Taml" typeface="Latha"/>
+        <a:font script="Syrc" typeface="Estrangelo Edessa"/>
+        <a:font script="Orya" typeface="Kalinga"/>
+        <a:font script="Mlym" typeface="Kartika"/>
+        <a:font script="Laoo" typeface="DokChampa"/>
+        <a:font script="Sinh" typeface="Iskoola Pota"/>
+        <a:font script="Mong" typeface="Mongolian Baiti"/>
+        <a:font script="Viet" typeface="Arial"/>
+        <a:font script="Uigh" typeface="Microsoft Uighur"/>
+        <a:font script="Geor" typeface="Sylfaen"/>
+        <a:font script="Armn" typeface="Arial"/>
+        <a:font script="Bugi" typeface="Leelawadee UI"/>
+        <a:font script="Bopo" typeface="Microsoft JhengHei"/>
+        <a:font script="Java" typeface="Javanese Text"/>
+        <a:font script="Lisu" typeface="Segoe UI"/>
+        <a:font script="Mymr" typeface="Myanmar Text"/>
+        <a:font script="Nkoo" typeface="Ebrima"/>
+        <a:font script="Olck" typeface="Nirmala UI"/>
+        <a:font script="Osma" typeface="Ebrima"/>
+        <a:font script="Phag" typeface="Phagspa"/>
+        <a:font script="Syrn" typeface="Estrangelo Edessa"/>
+        <a:font script="Syrj" typeface="Estrangelo Edessa"/>
+        <a:font script="Syre" typeface="Estrangelo Edessa"/>
+        <a:font script="Sora" typeface="Nirmala UI"/>
+        <a:font script="Tale" typeface="Microsoft Tai Le"/>
+        <a:font script="Talu" typeface="Microsoft New Tai Lue"/>
+        <a:font script="Tfng" typeface="Ebrima"/>
+      </a:minorFont>
+    </a:fontScheme>
+    <a:fmtScheme name="Office">
+      <a:fillStyleLst>
+        <a:solidFill>
+          <a:schemeClr val="phClr"/>
+        </a:solidFill>
+        <a:gradFill rotWithShape="1">
+          <a:gsLst>
+            <a:gs pos="0">
+              <a:schemeClr val="phClr">
+                <a:lumMod val="110000"/>
+                <a:satMod val="105000"/>
+                <a:tint val="67000"/>
+              </a:schemeClr>
+            </a:gs>
+            <a:gs pos="50000">
+              <a:schemeClr val="phClr">
+                <a:lumMod val="105000"/>
+                <a:satMod val="103000"/>
+                <a:tint val="73000"/>
+              </a:schemeClr>
+            </a:gs>
+            <a:gs pos="100000">
+              <a:schemeClr val="phClr">
+                <a:lumMod val="105000"/>
+                <a:satMod val="109000"/>
+                <a:tint val="81000"/>
+              </a:schemeClr>
+            </a:gs>
+          </a:gsLst>
+          <a:lin ang="5400000" scaled="0"/>
+        </a:gradFill>
+        <a:gradFill rotWithShape="1">
+          <a:gsLst>
+            <a:gs pos="0">
+              <a:schemeClr val="phClr">
+                <a:satMod val="103000"/>
+                <a:lumMod val="102000"/>
+                <a:tint val="94000"/>
+              </a:schemeClr>
+            </a:gs>
+            <a:gs pos="50000">
+              <a:schemeClr val="phClr">
+                <a:satMod val="110000"/>
+                <a:lumMod val="100000"/>
+                <a:shade val="100000"/>
+              </a:schemeClr>
+            </a:gs>
+            <a:gs pos="100000">
+              <a:schemeClr val="phClr">
+                <a:lumMod val="99000"/>
+                <a:satMod val="120000"/>
+                <a:shade val="78000"/>
+              </a:schemeClr>
+            </a:gs>
+          </a:gsLst>
+          <a:lin ang="5400000" scaled="0"/>
+        </a:gradFill>
+      </a:fillStyleLst>
+      <a:lnStyleLst>
+        <a:ln w="12700" cap="flat" cmpd="sng" algn="ctr">
+          <a:solidFill>
+            <a:schemeClr val="phClr"/>
+          </a:solidFill>
+          <a:prstDash val="solid"/>
+          <a:miter lim="800000"/>
+        </a:ln>
+        <a:ln w="19050" cap="flat" cmpd="sng" algn="ctr">
+          <a:solidFill>
+            <a:schemeClr val="phClr"/>
+          </a:solidFill>
+          <a:prstDash val="solid"/>
+          <a:miter lim="800000"/>
+        </a:ln>
+        <a:ln w="25400" cap="flat" cmpd="sng" algn="ctr">
+          <a:solidFill>
+            <a:schemeClr val="phClr"/>
+          </a:solidFill>
+          <a:prstDash val="solid"/>
+          <a:miter lim="800000"/>
+        </a:ln>
+      </a:lnStyleLst>
+      <a:effectStyleLst>
+        <a:effectStyle>
+          <a:effectLst/>
+        </a:effectStyle>
+        <a:effectStyle>
+          <a:effectLst/>
+        </a:effectStyle>
+        <a:effectStyle>
+          <a:effectLst>
+            <a:outerShdw blurRad="57150" dist="19050" dir="5400000" algn="ctr" rotWithShape="0">
+              <a:srgbClr val="000000">
+                <a:alpha val="63000"/>
+              </a:srgbClr>
+            </a:outerShdw>
+          </a:effectLst>
+        </a:effectStyle>
+      </a:effectStyleLst>
+      <a:bgFillStyleLst>
+        <a:solidFill>
+          <a:schemeClr val="phClr"/>
+        </a:solidFill>
+        <a:solidFill>
+          <a:schemeClr val="phClr">
+            <a:tint val="95000"/>
+            <a:satMod val="170000"/>
+          </a:schemeClr>
+        </a:solidFill>
+        <a:gradFill rotWithShape="1">
+          <a:gsLst>
+            <a:gs pos="0">
+              <a:schemeClr val="phClr">
+                <a:tint val="93000"/>
+                <a:satMod val="150000"/>
+                <a:shade val="98000"/>
+                <a:lumMod val="102000"/>
+              </a:schemeClr>
+            </a:gs>
+            <a:gs pos="50000">
+              <a:schemeClr val="phClr">
+                <a:tint val="98000"/>
+                <a:satMod val="130000"/>
+                <a:shade val="90000"/>
+                <a:lumMod val="103000"/>
+              </a:schemeClr>
+            </a:gs>
+            <a:gs pos="100000">
+              <a:schemeClr val="phClr">
+                <a:shade val="63000"/>
+                <a:satMod val="120000"/>
+              </a:schemeClr>
+            </a:gs>
+          </a:gsLst>
+          <a:lin ang="5400000" scaled="0"/>
+        </a:gradFill>
+      </a:bgFillStyleLst>
+    </a:fmtScheme>
+  </a:themeElements>
+  <a:objectDefaults>
+    <a:lnDef>
+      <a:spPr/>
+      <a:bodyPr/>
+      <a:lstStyle/>
+      <a:style>
+        <a:lnRef idx="2">
+          <a:schemeClr val="accent1"/>
+        </a:lnRef>
+        <a:fillRef idx="0">
+          <a:schemeClr val="accent1"/>
+        </a:fillRef>
+        <a:effectRef idx="1">
+          <a:schemeClr val="accent1"/>
+        </a:effectRef>
+        <a:fontRef idx="minor">
+          <a:schemeClr val="tx1"/>
+        </a:fontRef>
+      </a:style>
+    </a:lnDef>
+  </a:objectDefaults>
+  <a:extraClrSchemeLst/>
+  <a:extLst>
+    <a:ext uri="{05A4C25C-085E-4340-85A3-A5531E510DB2}">
+      <thm15:themeFamily xmlns:thm15="http://schemas.microsoft.com/office/thememl/2012/main" name="Office Theme" id="{2E142A2C-CD16-42D6-873A-C26D2A0506FA}" vid="{1BDDFF52-6CD6-40A5-AB3C-68EB2F1E4D0A}"/>
+    </a:ext>
+  </a:extLst>
 </a:theme>
 </file>